--- a/Explore it an android app.pptx
+++ b/Explore it an android app.pptx
@@ -5,24 +5,26 @@
     <p:sldMasterId id="2147483660" r:id="rId4"/>
   </p:sldMasterIdLst>
   <p:sldIdLst>
-    <p:sldId id="309" r:id="rId5"/>
-    <p:sldId id="310" r:id="rId6"/>
-    <p:sldId id="311" r:id="rId7"/>
-    <p:sldId id="312" r:id="rId8"/>
-    <p:sldId id="315" r:id="rId9"/>
-    <p:sldId id="314" r:id="rId10"/>
-    <p:sldId id="316" r:id="rId11"/>
-    <p:sldId id="317" r:id="rId12"/>
-    <p:sldId id="318" r:id="rId13"/>
-    <p:sldId id="319" r:id="rId14"/>
-    <p:sldId id="320" r:id="rId15"/>
-    <p:sldId id="321" r:id="rId16"/>
-    <p:sldId id="322" r:id="rId17"/>
-    <p:sldId id="323" r:id="rId18"/>
-    <p:sldId id="324" r:id="rId19"/>
-    <p:sldId id="325" r:id="rId20"/>
-    <p:sldId id="326" r:id="rId21"/>
-    <p:sldId id="327" r:id="rId22"/>
+    <p:sldId id="266" r:id="rId5"/>
+    <p:sldId id="308" r:id="rId6"/>
+    <p:sldId id="309" r:id="rId7"/>
+    <p:sldId id="310" r:id="rId8"/>
+    <p:sldId id="311" r:id="rId9"/>
+    <p:sldId id="312" r:id="rId10"/>
+    <p:sldId id="315" r:id="rId11"/>
+    <p:sldId id="314" r:id="rId12"/>
+    <p:sldId id="316" r:id="rId13"/>
+    <p:sldId id="317" r:id="rId14"/>
+    <p:sldId id="318" r:id="rId15"/>
+    <p:sldId id="319" r:id="rId16"/>
+    <p:sldId id="320" r:id="rId17"/>
+    <p:sldId id="321" r:id="rId18"/>
+    <p:sldId id="322" r:id="rId19"/>
+    <p:sldId id="323" r:id="rId20"/>
+    <p:sldId id="324" r:id="rId21"/>
+    <p:sldId id="325" r:id="rId22"/>
+    <p:sldId id="326" r:id="rId23"/>
+    <p:sldId id="327" r:id="rId24"/>
   </p:sldIdLst>
   <p:sldSz cx="12192000" cy="6858000"/>
   <p:notesSz cx="6858000" cy="9144000"/>
@@ -129,447 +131,6 @@
 </p:presentation>
 </file>
 
-<file path=ppt/revisionInfo.xml><?xml version="1.0" encoding="utf-8"?>
-<p1510:revInfo xmlns:a="http://schemas.openxmlformats.org/drawingml/2006/main" xmlns:r="http://schemas.openxmlformats.org/officeDocument/2006/relationships" xmlns:p1510="http://schemas.microsoft.com/office/powerpoint/2015/10/main">
-  <p1510:revLst>
-    <p1510:client id="{5DB2DA6C-B919-4C6B-9E79-38DC87ABCBC5}" v="18" dt="2025-05-03T19:51:54.605"/>
-  </p1510:revLst>
-</p1510:revInfo>
-</file>
-
-<file path=ppt/changesInfos/changesInfo1.xml><?xml version="1.0" encoding="utf-8"?>
-<pc:chgInfo xmlns:a="http://schemas.openxmlformats.org/drawingml/2006/main" xmlns:r="http://schemas.openxmlformats.org/officeDocument/2006/relationships" xmlns:ac="http://schemas.microsoft.com/office/drawing/2013/main/command" xmlns:pc="http://schemas.microsoft.com/office/powerpoint/2013/main/command">
-  <pc:docChgLst>
-    <pc:chgData name="Karthik Yadav" userId="d61f1f3efd92f1f2" providerId="LiveId" clId="{5DB2DA6C-B919-4C6B-9E79-38DC87ABCBC5}"/>
-    <pc:docChg chg="undo redo custSel modSld">
-      <pc:chgData name="Karthik Yadav" userId="d61f1f3efd92f1f2" providerId="LiveId" clId="{5DB2DA6C-B919-4C6B-9E79-38DC87ABCBC5}" dt="2025-05-04T11:51:15.721" v="378" actId="20577"/>
-      <pc:docMkLst>
-        <pc:docMk/>
-      </pc:docMkLst>
-      <pc:sldChg chg="modSp mod">
-        <pc:chgData name="Karthik Yadav" userId="d61f1f3efd92f1f2" providerId="LiveId" clId="{5DB2DA6C-B919-4C6B-9E79-38DC87ABCBC5}" dt="2025-05-03T20:08:13.953" v="374"/>
-        <pc:sldMkLst>
-          <pc:docMk/>
-          <pc:sldMk cId="3548770455" sldId="310"/>
-        </pc:sldMkLst>
-        <pc:spChg chg="mod">
-          <ac:chgData name="Karthik Yadav" userId="d61f1f3efd92f1f2" providerId="LiveId" clId="{5DB2DA6C-B919-4C6B-9E79-38DC87ABCBC5}" dt="2025-05-03T20:08:13.953" v="374"/>
-          <ac:spMkLst>
-            <pc:docMk/>
-            <pc:sldMk cId="3548770455" sldId="310"/>
-            <ac:spMk id="3" creationId="{3E80AB61-3BA8-B67E-C60A-560BE4A5C4EB}"/>
-          </ac:spMkLst>
-        </pc:spChg>
-      </pc:sldChg>
-      <pc:sldChg chg="addSp delSp modSp mod">
-        <pc:chgData name="Karthik Yadav" userId="d61f1f3efd92f1f2" providerId="LiveId" clId="{5DB2DA6C-B919-4C6B-9E79-38DC87ABCBC5}" dt="2025-05-03T18:18:26.006" v="366" actId="11529"/>
-        <pc:sldMkLst>
-          <pc:docMk/>
-          <pc:sldMk cId="2678212698" sldId="315"/>
-        </pc:sldMkLst>
-        <pc:spChg chg="add mod">
-          <ac:chgData name="Karthik Yadav" userId="d61f1f3efd92f1f2" providerId="LiveId" clId="{5DB2DA6C-B919-4C6B-9E79-38DC87ABCBC5}" dt="2025-05-03T17:53:33.337" v="43" actId="13822"/>
-          <ac:spMkLst>
-            <pc:docMk/>
-            <pc:sldMk cId="2678212698" sldId="315"/>
-            <ac:spMk id="3" creationId="{E55EDA7A-542C-D9DC-E4AC-700E18BFD4C4}"/>
-          </ac:spMkLst>
-        </pc:spChg>
-        <pc:spChg chg="add del mod">
-          <ac:chgData name="Karthik Yadav" userId="d61f1f3efd92f1f2" providerId="LiveId" clId="{5DB2DA6C-B919-4C6B-9E79-38DC87ABCBC5}" dt="2025-05-03T17:55:28.402" v="77" actId="1076"/>
-          <ac:spMkLst>
-            <pc:docMk/>
-            <pc:sldMk cId="2678212698" sldId="315"/>
-            <ac:spMk id="4" creationId="{07336C56-F03E-0706-F8DD-F051C91EBF22}"/>
-          </ac:spMkLst>
-        </pc:spChg>
-        <pc:spChg chg="add mod">
-          <ac:chgData name="Karthik Yadav" userId="d61f1f3efd92f1f2" providerId="LiveId" clId="{5DB2DA6C-B919-4C6B-9E79-38DC87ABCBC5}" dt="2025-05-03T18:11:59.162" v="276" actId="14100"/>
-          <ac:spMkLst>
-            <pc:docMk/>
-            <pc:sldMk cId="2678212698" sldId="315"/>
-            <ac:spMk id="6" creationId="{A8DEFCBD-B33D-D55C-4542-F16A8B573D91}"/>
-          </ac:spMkLst>
-        </pc:spChg>
-        <pc:spChg chg="add mod">
-          <ac:chgData name="Karthik Yadav" userId="d61f1f3efd92f1f2" providerId="LiveId" clId="{5DB2DA6C-B919-4C6B-9E79-38DC87ABCBC5}" dt="2025-05-03T17:56:31.793" v="115" actId="1076"/>
-          <ac:spMkLst>
-            <pc:docMk/>
-            <pc:sldMk cId="2678212698" sldId="315"/>
-            <ac:spMk id="10" creationId="{F7BC2F8D-4A19-C367-5696-540A52FA0EEB}"/>
-          </ac:spMkLst>
-        </pc:spChg>
-        <pc:spChg chg="add mod">
-          <ac:chgData name="Karthik Yadav" userId="d61f1f3efd92f1f2" providerId="LiveId" clId="{5DB2DA6C-B919-4C6B-9E79-38DC87ABCBC5}" dt="2025-05-03T17:57:44.915" v="137" actId="1076"/>
-          <ac:spMkLst>
-            <pc:docMk/>
-            <pc:sldMk cId="2678212698" sldId="315"/>
-            <ac:spMk id="11" creationId="{B10B7494-D9ED-55DD-7080-7A583300A9CE}"/>
-          </ac:spMkLst>
-        </pc:spChg>
-        <pc:spChg chg="add mod">
-          <ac:chgData name="Karthik Yadav" userId="d61f1f3efd92f1f2" providerId="LiveId" clId="{5DB2DA6C-B919-4C6B-9E79-38DC87ABCBC5}" dt="2025-05-03T17:59:01.735" v="141" actId="1076"/>
-          <ac:spMkLst>
-            <pc:docMk/>
-            <pc:sldMk cId="2678212698" sldId="315"/>
-            <ac:spMk id="14" creationId="{64FE2456-5D45-BF2A-8072-2C4B0BFE473B}"/>
-          </ac:spMkLst>
-        </pc:spChg>
-        <pc:spChg chg="add del mod">
-          <ac:chgData name="Karthik Yadav" userId="d61f1f3efd92f1f2" providerId="LiveId" clId="{5DB2DA6C-B919-4C6B-9E79-38DC87ABCBC5}" dt="2025-05-03T17:59:48.194" v="158"/>
-          <ac:spMkLst>
-            <pc:docMk/>
-            <pc:sldMk cId="2678212698" sldId="315"/>
-            <ac:spMk id="15" creationId="{75A5909A-6CBE-2BD9-F5DD-EC3869AFD326}"/>
-          </ac:spMkLst>
-        </pc:spChg>
-        <pc:spChg chg="add del mod">
-          <ac:chgData name="Karthik Yadav" userId="d61f1f3efd92f1f2" providerId="LiveId" clId="{5DB2DA6C-B919-4C6B-9E79-38DC87ABCBC5}" dt="2025-05-03T17:59:48.194" v="160"/>
-          <ac:spMkLst>
-            <pc:docMk/>
-            <pc:sldMk cId="2678212698" sldId="315"/>
-            <ac:spMk id="16" creationId="{A97C57F3-AC76-BB96-2888-94908944FD01}"/>
-          </ac:spMkLst>
-        </pc:spChg>
-        <pc:spChg chg="add mod">
-          <ac:chgData name="Karthik Yadav" userId="d61f1f3efd92f1f2" providerId="LiveId" clId="{5DB2DA6C-B919-4C6B-9E79-38DC87ABCBC5}" dt="2025-05-03T18:00:10.677" v="162" actId="255"/>
-          <ac:spMkLst>
-            <pc:docMk/>
-            <pc:sldMk cId="2678212698" sldId="315"/>
-            <ac:spMk id="17" creationId="{4D9D56E8-643D-8A3A-ABE7-8BCB9E4158A6}"/>
-          </ac:spMkLst>
-        </pc:spChg>
-        <pc:spChg chg="add mod">
-          <ac:chgData name="Karthik Yadav" userId="d61f1f3efd92f1f2" providerId="LiveId" clId="{5DB2DA6C-B919-4C6B-9E79-38DC87ABCBC5}" dt="2025-05-03T18:02:02.675" v="180" actId="1076"/>
-          <ac:spMkLst>
-            <pc:docMk/>
-            <pc:sldMk cId="2678212698" sldId="315"/>
-            <ac:spMk id="27" creationId="{381718AC-6171-2E64-99C2-E49C05B34CE9}"/>
-          </ac:spMkLst>
-        </pc:spChg>
-        <pc:spChg chg="add mod">
-          <ac:chgData name="Karthik Yadav" userId="d61f1f3efd92f1f2" providerId="LiveId" clId="{5DB2DA6C-B919-4C6B-9E79-38DC87ABCBC5}" dt="2025-05-03T18:03:42.120" v="215" actId="14100"/>
-          <ac:spMkLst>
-            <pc:docMk/>
-            <pc:sldMk cId="2678212698" sldId="315"/>
-            <ac:spMk id="28" creationId="{C8AAC2E7-6A90-C9A6-A74A-18A7B7FE3F73}"/>
-          </ac:spMkLst>
-        </pc:spChg>
-        <pc:spChg chg="add mod">
-          <ac:chgData name="Karthik Yadav" userId="d61f1f3efd92f1f2" providerId="LiveId" clId="{5DB2DA6C-B919-4C6B-9E79-38DC87ABCBC5}" dt="2025-05-03T18:03:53.717" v="216" actId="1076"/>
-          <ac:spMkLst>
-            <pc:docMk/>
-            <pc:sldMk cId="2678212698" sldId="315"/>
-            <ac:spMk id="29" creationId="{CE4B2FDE-6693-F5E1-3C7B-5ED5F7F2D4F5}"/>
-          </ac:spMkLst>
-        </pc:spChg>
-        <pc:spChg chg="add mod">
-          <ac:chgData name="Karthik Yadav" userId="d61f1f3efd92f1f2" providerId="LiveId" clId="{5DB2DA6C-B919-4C6B-9E79-38DC87ABCBC5}" dt="2025-05-03T18:04:29.889" v="221" actId="13822"/>
-          <ac:spMkLst>
-            <pc:docMk/>
-            <pc:sldMk cId="2678212698" sldId="315"/>
-            <ac:spMk id="33" creationId="{A26C7C48-8647-A184-1E7A-2D5776876AB7}"/>
-          </ac:spMkLst>
-        </pc:spChg>
-        <pc:spChg chg="add mod">
-          <ac:chgData name="Karthik Yadav" userId="d61f1f3efd92f1f2" providerId="LiveId" clId="{5DB2DA6C-B919-4C6B-9E79-38DC87ABCBC5}" dt="2025-05-03T18:05:10.137" v="236" actId="1076"/>
-          <ac:spMkLst>
-            <pc:docMk/>
-            <pc:sldMk cId="2678212698" sldId="315"/>
-            <ac:spMk id="34" creationId="{CD21411F-967E-CDD6-30C6-3EA933B67D53}"/>
-          </ac:spMkLst>
-        </pc:spChg>
-        <pc:spChg chg="add mod">
-          <ac:chgData name="Karthik Yadav" userId="d61f1f3efd92f1f2" providerId="LiveId" clId="{5DB2DA6C-B919-4C6B-9E79-38DC87ABCBC5}" dt="2025-05-03T18:07:47.844" v="243" actId="13822"/>
-          <ac:spMkLst>
-            <pc:docMk/>
-            <pc:sldMk cId="2678212698" sldId="315"/>
-            <ac:spMk id="42" creationId="{AE4BEC74-7970-0948-5A7D-11CB74D66A97}"/>
-          </ac:spMkLst>
-        </pc:spChg>
-        <pc:spChg chg="add mod">
-          <ac:chgData name="Karthik Yadav" userId="d61f1f3efd92f1f2" providerId="LiveId" clId="{5DB2DA6C-B919-4C6B-9E79-38DC87ABCBC5}" dt="2025-05-03T18:08:10.056" v="255" actId="1076"/>
-          <ac:spMkLst>
-            <pc:docMk/>
-            <pc:sldMk cId="2678212698" sldId="315"/>
-            <ac:spMk id="43" creationId="{EBD22BED-1DB7-F1FD-5596-E1191E7D1E3B}"/>
-          </ac:spMkLst>
-        </pc:spChg>
-        <pc:spChg chg="add mod">
-          <ac:chgData name="Karthik Yadav" userId="d61f1f3efd92f1f2" providerId="LiveId" clId="{5DB2DA6C-B919-4C6B-9E79-38DC87ABCBC5}" dt="2025-05-03T18:11:12.242" v="269" actId="13822"/>
-          <ac:spMkLst>
-            <pc:docMk/>
-            <pc:sldMk cId="2678212698" sldId="315"/>
-            <ac:spMk id="57" creationId="{DA067EA5-69D4-BCAB-AA7F-7A95A3BD0BC1}"/>
-          </ac:spMkLst>
-        </pc:spChg>
-        <pc:spChg chg="add mod">
-          <ac:chgData name="Karthik Yadav" userId="d61f1f3efd92f1f2" providerId="LiveId" clId="{5DB2DA6C-B919-4C6B-9E79-38DC87ABCBC5}" dt="2025-05-03T18:15:33.954" v="353" actId="14100"/>
-          <ac:spMkLst>
-            <pc:docMk/>
-            <pc:sldMk cId="2678212698" sldId="315"/>
-            <ac:spMk id="58" creationId="{D729671F-A4D0-5361-0A30-AE4CDF24C8BE}"/>
-          </ac:spMkLst>
-        </pc:spChg>
-        <pc:spChg chg="add mod">
-          <ac:chgData name="Karthik Yadav" userId="d61f1f3efd92f1f2" providerId="LiveId" clId="{5DB2DA6C-B919-4C6B-9E79-38DC87ABCBC5}" dt="2025-05-03T18:11:28.646" v="273" actId="1076"/>
-          <ac:spMkLst>
-            <pc:docMk/>
-            <pc:sldMk cId="2678212698" sldId="315"/>
-            <ac:spMk id="59" creationId="{E706A2D5-A1B0-1986-64BA-B0D9C4D2CD62}"/>
-          </ac:spMkLst>
-        </pc:spChg>
-        <pc:spChg chg="add mod">
-          <ac:chgData name="Karthik Yadav" userId="d61f1f3efd92f1f2" providerId="LiveId" clId="{5DB2DA6C-B919-4C6B-9E79-38DC87ABCBC5}" dt="2025-05-03T18:11:38.461" v="275" actId="1076"/>
-          <ac:spMkLst>
-            <pc:docMk/>
-            <pc:sldMk cId="2678212698" sldId="315"/>
-            <ac:spMk id="60" creationId="{7C2AEB4E-A8C5-B80A-29A7-5D898FC5279B}"/>
-          </ac:spMkLst>
-        </pc:spChg>
-        <pc:spChg chg="add mod">
-          <ac:chgData name="Karthik Yadav" userId="d61f1f3efd92f1f2" providerId="LiveId" clId="{5DB2DA6C-B919-4C6B-9E79-38DC87ABCBC5}" dt="2025-05-03T18:15:28.501" v="352" actId="14100"/>
-          <ac:spMkLst>
-            <pc:docMk/>
-            <pc:sldMk cId="2678212698" sldId="315"/>
-            <ac:spMk id="61" creationId="{7875796C-67F6-917A-D031-BA38F7EA05DA}"/>
-          </ac:spMkLst>
-        </pc:spChg>
-        <pc:spChg chg="add del mod">
-          <ac:chgData name="Karthik Yadav" userId="d61f1f3efd92f1f2" providerId="LiveId" clId="{5DB2DA6C-B919-4C6B-9E79-38DC87ABCBC5}" dt="2025-05-03T18:15:48.276" v="354" actId="1076"/>
-          <ac:spMkLst>
-            <pc:docMk/>
-            <pc:sldMk cId="2678212698" sldId="315"/>
-            <ac:spMk id="62" creationId="{55163ACE-DC57-E3E4-1540-A18FF00301B7}"/>
-          </ac:spMkLst>
-        </pc:spChg>
-        <pc:spChg chg="add mod">
-          <ac:chgData name="Karthik Yadav" userId="d61f1f3efd92f1f2" providerId="LiveId" clId="{5DB2DA6C-B919-4C6B-9E79-38DC87ABCBC5}" dt="2025-05-03T18:14:30.936" v="327" actId="1076"/>
-          <ac:spMkLst>
-            <pc:docMk/>
-            <pc:sldMk cId="2678212698" sldId="315"/>
-            <ac:spMk id="63" creationId="{8EAE609C-E277-1CB4-2843-B321333B4707}"/>
-          </ac:spMkLst>
-        </pc:spChg>
-        <pc:spChg chg="add mod">
-          <ac:chgData name="Karthik Yadav" userId="d61f1f3efd92f1f2" providerId="LiveId" clId="{5DB2DA6C-B919-4C6B-9E79-38DC87ABCBC5}" dt="2025-05-03T18:16:26.002" v="365" actId="1076"/>
-          <ac:spMkLst>
-            <pc:docMk/>
-            <pc:sldMk cId="2678212698" sldId="315"/>
-            <ac:spMk id="64" creationId="{EBE2F2FC-B96F-58FB-89C1-3724C000798D}"/>
-          </ac:spMkLst>
-        </pc:spChg>
-        <pc:picChg chg="del">
-          <ac:chgData name="Karthik Yadav" userId="d61f1f3efd92f1f2" providerId="LiveId" clId="{5DB2DA6C-B919-4C6B-9E79-38DC87ABCBC5}" dt="2025-05-03T17:55:16.406" v="76" actId="478"/>
-          <ac:picMkLst>
-            <pc:docMk/>
-            <pc:sldMk cId="2678212698" sldId="315"/>
-            <ac:picMk id="8" creationId="{626A2962-C7BE-536D-9771-B8F3BF16ADA7}"/>
-          </ac:picMkLst>
-        </pc:picChg>
-        <pc:cxnChg chg="add">
-          <ac:chgData name="Karthik Yadav" userId="d61f1f3efd92f1f2" providerId="LiveId" clId="{5DB2DA6C-B919-4C6B-9E79-38DC87ABCBC5}" dt="2025-05-03T17:55:37.264" v="78" actId="11529"/>
-          <ac:cxnSpMkLst>
-            <pc:docMk/>
-            <pc:sldMk cId="2678212698" sldId="315"/>
-            <ac:cxnSpMk id="9" creationId="{B3B74865-8D39-A6E3-C38B-C7A930D86B14}"/>
-          </ac:cxnSpMkLst>
-        </pc:cxnChg>
-        <pc:cxnChg chg="add">
-          <ac:chgData name="Karthik Yadav" userId="d61f1f3efd92f1f2" providerId="LiveId" clId="{5DB2DA6C-B919-4C6B-9E79-38DC87ABCBC5}" dt="2025-05-03T17:58:10.804" v="138" actId="11529"/>
-          <ac:cxnSpMkLst>
-            <pc:docMk/>
-            <pc:sldMk cId="2678212698" sldId="315"/>
-            <ac:cxnSpMk id="13" creationId="{8DC50A93-41BF-0AA1-7B8F-DCCBC869A38C}"/>
-          </ac:cxnSpMkLst>
-        </pc:cxnChg>
-        <pc:cxnChg chg="add">
-          <ac:chgData name="Karthik Yadav" userId="d61f1f3efd92f1f2" providerId="LiveId" clId="{5DB2DA6C-B919-4C6B-9E79-38DC87ABCBC5}" dt="2025-05-03T18:00:34.998" v="163" actId="11529"/>
-          <ac:cxnSpMkLst>
-            <pc:docMk/>
-            <pc:sldMk cId="2678212698" sldId="315"/>
-            <ac:cxnSpMk id="19" creationId="{2C38FCDC-6847-6634-BCD5-9D140F1815AB}"/>
-          </ac:cxnSpMkLst>
-        </pc:cxnChg>
-        <pc:cxnChg chg="add del mod">
-          <ac:chgData name="Karthik Yadav" userId="d61f1f3efd92f1f2" providerId="LiveId" clId="{5DB2DA6C-B919-4C6B-9E79-38DC87ABCBC5}" dt="2025-05-03T18:00:57.194" v="165" actId="11529"/>
-          <ac:cxnSpMkLst>
-            <pc:docMk/>
-            <pc:sldMk cId="2678212698" sldId="315"/>
-            <ac:cxnSpMk id="21" creationId="{5522F50F-C711-BB7E-EA71-7CE2B80C10CA}"/>
-          </ac:cxnSpMkLst>
-        </pc:cxnChg>
-        <pc:cxnChg chg="add mod">
-          <ac:chgData name="Karthik Yadav" userId="d61f1f3efd92f1f2" providerId="LiveId" clId="{5DB2DA6C-B919-4C6B-9E79-38DC87ABCBC5}" dt="2025-05-03T18:01:13.278" v="167" actId="14100"/>
-          <ac:cxnSpMkLst>
-            <pc:docMk/>
-            <pc:sldMk cId="2678212698" sldId="315"/>
-            <ac:cxnSpMk id="23" creationId="{55080AB9-A9E1-9262-D08F-3CA4D8E41F31}"/>
-          </ac:cxnSpMkLst>
-        </pc:cxnChg>
-        <pc:cxnChg chg="add">
-          <ac:chgData name="Karthik Yadav" userId="d61f1f3efd92f1f2" providerId="LiveId" clId="{5DB2DA6C-B919-4C6B-9E79-38DC87ABCBC5}" dt="2025-05-03T18:01:25.771" v="168" actId="11529"/>
-          <ac:cxnSpMkLst>
-            <pc:docMk/>
-            <pc:sldMk cId="2678212698" sldId="315"/>
-            <ac:cxnSpMk id="26" creationId="{36461F3A-F3ED-187A-9C3C-9733DDC3587B}"/>
-          </ac:cxnSpMkLst>
-        </pc:cxnChg>
-        <pc:cxnChg chg="add mod">
-          <ac:chgData name="Karthik Yadav" userId="d61f1f3efd92f1f2" providerId="LiveId" clId="{5DB2DA6C-B919-4C6B-9E79-38DC87ABCBC5}" dt="2025-05-03T18:04:09.539" v="218" actId="14100"/>
-          <ac:cxnSpMkLst>
-            <pc:docMk/>
-            <pc:sldMk cId="2678212698" sldId="315"/>
-            <ac:cxnSpMk id="31" creationId="{7FD3C309-E77C-8931-81AA-D5F8930DB74D}"/>
-          </ac:cxnSpMkLst>
-        </pc:cxnChg>
-        <pc:cxnChg chg="add mod">
-          <ac:chgData name="Karthik Yadav" userId="d61f1f3efd92f1f2" providerId="LiveId" clId="{5DB2DA6C-B919-4C6B-9E79-38DC87ABCBC5}" dt="2025-05-03T18:05:30.646" v="238" actId="14100"/>
-          <ac:cxnSpMkLst>
-            <pc:docMk/>
-            <pc:sldMk cId="2678212698" sldId="315"/>
-            <ac:cxnSpMk id="36" creationId="{1809943E-6669-5BC6-AAF7-0AAC682FC424}"/>
-          </ac:cxnSpMkLst>
-        </pc:cxnChg>
-        <pc:cxnChg chg="add">
-          <ac:chgData name="Karthik Yadav" userId="d61f1f3efd92f1f2" providerId="LiveId" clId="{5DB2DA6C-B919-4C6B-9E79-38DC87ABCBC5}" dt="2025-05-03T18:05:50.414" v="239" actId="11529"/>
-          <ac:cxnSpMkLst>
-            <pc:docMk/>
-            <pc:sldMk cId="2678212698" sldId="315"/>
-            <ac:cxnSpMk id="39" creationId="{77817688-83D9-C90C-BE4D-71F333E732EC}"/>
-          </ac:cxnSpMkLst>
-        </pc:cxnChg>
-        <pc:cxnChg chg="add">
-          <ac:chgData name="Karthik Yadav" userId="d61f1f3efd92f1f2" providerId="LiveId" clId="{5DB2DA6C-B919-4C6B-9E79-38DC87ABCBC5}" dt="2025-05-03T18:06:14.170" v="240" actId="11529"/>
-          <ac:cxnSpMkLst>
-            <pc:docMk/>
-            <pc:sldMk cId="2678212698" sldId="315"/>
-            <ac:cxnSpMk id="41" creationId="{EE7075D7-B495-8A7B-325E-A0E7F01C31F1}"/>
-          </ac:cxnSpMkLst>
-        </pc:cxnChg>
-        <pc:cxnChg chg="add">
-          <ac:chgData name="Karthik Yadav" userId="d61f1f3efd92f1f2" providerId="LiveId" clId="{5DB2DA6C-B919-4C6B-9E79-38DC87ABCBC5}" dt="2025-05-03T18:08:25.847" v="256" actId="11529"/>
-          <ac:cxnSpMkLst>
-            <pc:docMk/>
-            <pc:sldMk cId="2678212698" sldId="315"/>
-            <ac:cxnSpMk id="45" creationId="{43C31C3F-458E-0DF9-2453-CC03F63BFEA7}"/>
-          </ac:cxnSpMkLst>
-        </pc:cxnChg>
-        <pc:cxnChg chg="add mod">
-          <ac:chgData name="Karthik Yadav" userId="d61f1f3efd92f1f2" providerId="LiveId" clId="{5DB2DA6C-B919-4C6B-9E79-38DC87ABCBC5}" dt="2025-05-03T18:09:05.990" v="258" actId="14100"/>
-          <ac:cxnSpMkLst>
-            <pc:docMk/>
-            <pc:sldMk cId="2678212698" sldId="315"/>
-            <ac:cxnSpMk id="47" creationId="{54961FCF-1DA2-F1C7-53D4-9710009B2C7A}"/>
-          </ac:cxnSpMkLst>
-        </pc:cxnChg>
-        <pc:cxnChg chg="add mod">
-          <ac:chgData name="Karthik Yadav" userId="d61f1f3efd92f1f2" providerId="LiveId" clId="{5DB2DA6C-B919-4C6B-9E79-38DC87ABCBC5}" dt="2025-05-03T18:09:27.373" v="260" actId="1076"/>
-          <ac:cxnSpMkLst>
-            <pc:docMk/>
-            <pc:sldMk cId="2678212698" sldId="315"/>
-            <ac:cxnSpMk id="50" creationId="{C8539B9A-45AE-7B4D-EA2E-664DEC67A43B}"/>
-          </ac:cxnSpMkLst>
-        </pc:cxnChg>
-        <pc:cxnChg chg="add">
-          <ac:chgData name="Karthik Yadav" userId="d61f1f3efd92f1f2" providerId="LiveId" clId="{5DB2DA6C-B919-4C6B-9E79-38DC87ABCBC5}" dt="2025-05-03T18:09:46.629" v="261" actId="11529"/>
-          <ac:cxnSpMkLst>
-            <pc:docMk/>
-            <pc:sldMk cId="2678212698" sldId="315"/>
-            <ac:cxnSpMk id="52" creationId="{273B63DE-BB74-804D-9796-A90679CD8AF1}"/>
-          </ac:cxnSpMkLst>
-        </pc:cxnChg>
-        <pc:cxnChg chg="add">
-          <ac:chgData name="Karthik Yadav" userId="d61f1f3efd92f1f2" providerId="LiveId" clId="{5DB2DA6C-B919-4C6B-9E79-38DC87ABCBC5}" dt="2025-05-03T18:10:10.749" v="262" actId="11529"/>
-          <ac:cxnSpMkLst>
-            <pc:docMk/>
-            <pc:sldMk cId="2678212698" sldId="315"/>
-            <ac:cxnSpMk id="54" creationId="{078640C3-EB06-0955-D8AA-E346AB2BB7F2}"/>
-          </ac:cxnSpMkLst>
-        </pc:cxnChg>
-        <pc:cxnChg chg="add">
-          <ac:chgData name="Karthik Yadav" userId="d61f1f3efd92f1f2" providerId="LiveId" clId="{5DB2DA6C-B919-4C6B-9E79-38DC87ABCBC5}" dt="2025-05-03T18:10:24.536" v="263" actId="11529"/>
-          <ac:cxnSpMkLst>
-            <pc:docMk/>
-            <pc:sldMk cId="2678212698" sldId="315"/>
-            <ac:cxnSpMk id="56" creationId="{69CEA37A-0840-94F8-0D8E-D52A1732DFEC}"/>
-          </ac:cxnSpMkLst>
-        </pc:cxnChg>
-        <pc:cxnChg chg="add">
-          <ac:chgData name="Karthik Yadav" userId="d61f1f3efd92f1f2" providerId="LiveId" clId="{5DB2DA6C-B919-4C6B-9E79-38DC87ABCBC5}" dt="2025-05-03T18:18:26.006" v="366" actId="11529"/>
-          <ac:cxnSpMkLst>
-            <pc:docMk/>
-            <pc:sldMk cId="2678212698" sldId="315"/>
-            <ac:cxnSpMk id="66" creationId="{F8233E60-DBDB-EE8C-9330-B303CF360E64}"/>
-          </ac:cxnSpMkLst>
-        </pc:cxnChg>
-      </pc:sldChg>
-      <pc:sldChg chg="addSp modSp mod">
-        <pc:chgData name="Karthik Yadav" userId="d61f1f3efd92f1f2" providerId="LiveId" clId="{5DB2DA6C-B919-4C6B-9E79-38DC87ABCBC5}" dt="2025-05-03T19:51:51.426" v="371"/>
-        <pc:sldMkLst>
-          <pc:docMk/>
-          <pc:sldMk cId="3172866689" sldId="316"/>
-        </pc:sldMkLst>
-        <pc:picChg chg="add mod">
-          <ac:chgData name="Karthik Yadav" userId="d61f1f3efd92f1f2" providerId="LiveId" clId="{5DB2DA6C-B919-4C6B-9E79-38DC87ABCBC5}" dt="2025-05-03T19:51:51.426" v="371"/>
-          <ac:picMkLst>
-            <pc:docMk/>
-            <pc:sldMk cId="3172866689" sldId="316"/>
-            <ac:picMk id="4" creationId="{613CAFA7-9AA1-F376-641D-08CEFD402938}"/>
-          </ac:picMkLst>
-        </pc:picChg>
-        <pc:picChg chg="mod">
-          <ac:chgData name="Karthik Yadav" userId="d61f1f3efd92f1f2" providerId="LiveId" clId="{5DB2DA6C-B919-4C6B-9E79-38DC87ABCBC5}" dt="2025-05-03T19:46:55.701" v="370" actId="14100"/>
-          <ac:picMkLst>
-            <pc:docMk/>
-            <pc:sldMk cId="3172866689" sldId="316"/>
-            <ac:picMk id="7" creationId="{DFF693A6-5DCD-71D3-3E33-D8FB2865E0C2}"/>
-          </ac:picMkLst>
-        </pc:picChg>
-      </pc:sldChg>
-      <pc:sldChg chg="modSp mod">
-        <pc:chgData name="Karthik Yadav" userId="d61f1f3efd92f1f2" providerId="LiveId" clId="{5DB2DA6C-B919-4C6B-9E79-38DC87ABCBC5}" dt="2025-05-03T20:12:19.643" v="375" actId="20577"/>
-        <pc:sldMkLst>
-          <pc:docMk/>
-          <pc:sldMk cId="1688492484" sldId="320"/>
-        </pc:sldMkLst>
-        <pc:spChg chg="mod">
-          <ac:chgData name="Karthik Yadav" userId="d61f1f3efd92f1f2" providerId="LiveId" clId="{5DB2DA6C-B919-4C6B-9E79-38DC87ABCBC5}" dt="2025-05-03T20:12:19.643" v="375" actId="20577"/>
-          <ac:spMkLst>
-            <pc:docMk/>
-            <pc:sldMk cId="1688492484" sldId="320"/>
-            <ac:spMk id="6" creationId="{91777A18-C22C-D768-0CAE-85C07285D788}"/>
-          </ac:spMkLst>
-        </pc:spChg>
-      </pc:sldChg>
-      <pc:sldChg chg="modSp mod">
-        <pc:chgData name="Karthik Yadav" userId="d61f1f3efd92f1f2" providerId="LiveId" clId="{5DB2DA6C-B919-4C6B-9E79-38DC87ABCBC5}" dt="2025-05-04T11:51:15.721" v="378" actId="20577"/>
-        <pc:sldMkLst>
-          <pc:docMk/>
-          <pc:sldMk cId="1034018857" sldId="326"/>
-        </pc:sldMkLst>
-        <pc:spChg chg="mod">
-          <ac:chgData name="Karthik Yadav" userId="d61f1f3efd92f1f2" providerId="LiveId" clId="{5DB2DA6C-B919-4C6B-9E79-38DC87ABCBC5}" dt="2025-05-04T11:51:15.721" v="378" actId="20577"/>
-          <ac:spMkLst>
-            <pc:docMk/>
-            <pc:sldMk cId="1034018857" sldId="326"/>
-            <ac:spMk id="2" creationId="{3678808B-D9F2-5373-7E29-020CF787FD41}"/>
-          </ac:spMkLst>
-        </pc:spChg>
-        <pc:spChg chg="mod">
-          <ac:chgData name="Karthik Yadav" userId="d61f1f3efd92f1f2" providerId="LiveId" clId="{5DB2DA6C-B919-4C6B-9E79-38DC87ABCBC5}" dt="2025-05-04T11:50:51.678" v="376"/>
-          <ac:spMkLst>
-            <pc:docMk/>
-            <pc:sldMk cId="1034018857" sldId="326"/>
-            <ac:spMk id="3" creationId="{882B1536-8681-685F-B349-A606176349B6}"/>
-          </ac:spMkLst>
-        </pc:spChg>
-      </pc:sldChg>
-    </pc:docChg>
-  </pc:docChgLst>
-</pc:chgInfo>
-</file>
-
 <file path=ppt/slideLayouts/slideLayout1.xml><?xml version="1.0" encoding="utf-8"?>
 <p:sldLayout xmlns:a="http://schemas.openxmlformats.org/drawingml/2006/main" xmlns:r="http://schemas.openxmlformats.org/officeDocument/2006/relationships" xmlns:p="http://schemas.openxmlformats.org/presentationml/2006/main" showMasterSp="0" type="title" preserve="1">
   <p:cSld name="Title Slide">
@@ -814,7 +375,7 @@
           <a:p>
             <a:fld id="{9184DA70-C731-4C70-880D-CCD4705E623C}" type="datetime1">
               <a:rPr lang="en-US" smtClean="0"/>
-              <a:t>6/30/2025</a:t>
+              <a:t>5/3/2025</a:t>
             </a:fld>
             <a:endParaRPr lang="en-US" dirty="0"/>
           </a:p>
@@ -1005,7 +566,7 @@
           <a:p>
             <a:fld id="{4BE1D723-8F53-4F53-90B0-1982A396982E}" type="datetime1">
               <a:rPr lang="en-US" smtClean="0"/>
-              <a:t>6/30/2025</a:t>
+              <a:t>5/3/2025</a:t>
             </a:fld>
             <a:endParaRPr lang="en-US" dirty="0"/>
           </a:p>
@@ -1381,7 +942,7 @@
           <a:p>
             <a:fld id="{97669AF7-7BEB-44E4-9852-375E34362B5B}" type="datetime1">
               <a:rPr lang="en-US" smtClean="0"/>
-              <a:t>6/30/2025</a:t>
+              <a:t>5/3/2025</a:t>
             </a:fld>
             <a:endParaRPr lang="en-US" dirty="0"/>
           </a:p>
@@ -1639,7 +1200,7 @@
           <a:p>
             <a:fld id="{BAAAC38D-0552-4C82-B593-E6124DFADBE2}" type="datetime1">
               <a:rPr lang="en-US" smtClean="0"/>
-              <a:t>6/30/2025</a:t>
+              <a:t>5/3/2025</a:t>
             </a:fld>
             <a:endParaRPr lang="en-US" dirty="0"/>
           </a:p>
@@ -2039,7 +1600,7 @@
           <a:p>
             <a:fld id="{D9DF0F1C-5577-4ACB-BB62-DF8F3C494C7E}" type="datetime1">
               <a:rPr lang="en-US" smtClean="0"/>
-              <a:t>6/30/2025</a:t>
+              <a:t>5/3/2025</a:t>
             </a:fld>
             <a:endParaRPr lang="en-US" dirty="0"/>
           </a:p>
@@ -2178,7 +1739,7 @@
           <a:p>
             <a:fld id="{1775B394-D9F9-4F0C-B15D-605F45CB9E9F}" type="datetime1">
               <a:rPr lang="en-US" smtClean="0"/>
-              <a:t>6/30/2025</a:t>
+              <a:t>5/3/2025</a:t>
             </a:fld>
             <a:endParaRPr lang="en-US" dirty="0"/>
           </a:p>
@@ -2338,7 +1899,7 @@
           <a:p>
             <a:fld id="{39667345-2558-425A-8533-9BFDBCE15005}" type="datetime1">
               <a:rPr lang="en-US" smtClean="0"/>
-              <a:t>6/30/2025</a:t>
+              <a:t>5/3/2025</a:t>
             </a:fld>
             <a:endParaRPr lang="en-US" dirty="0"/>
           </a:p>
@@ -2670,7 +2231,7 @@
           <a:p>
             <a:fld id="{92BEA474-078D-4E9B-9B14-09A87B19DC46}" type="datetime1">
               <a:rPr lang="en-US" smtClean="0"/>
-              <a:t>6/30/2025</a:t>
+              <a:t>5/3/2025</a:t>
             </a:fld>
             <a:endParaRPr lang="en-US" dirty="0"/>
           </a:p>
@@ -3023,7 +2584,7 @@
           <a:p>
             <a:fld id="{4907D986-8816-4272-A432-0437A28A9828}" type="datetime1">
               <a:rPr lang="en-US" smtClean="0"/>
-              <a:t>6/30/2025</a:t>
+              <a:t>5/3/2025</a:t>
             </a:fld>
             <a:endParaRPr lang="en-US" dirty="0"/>
           </a:p>
@@ -3287,7 +2848,7 @@
           <a:p>
             <a:fld id="{62D6E202-B606-4609-B914-27C9371A1F6D}" type="datetime1">
               <a:rPr lang="en-US" smtClean="0"/>
-              <a:t>6/30/2025</a:t>
+              <a:t>5/3/2025</a:t>
             </a:fld>
             <a:endParaRPr lang="en-US" dirty="0"/>
           </a:p>
@@ -3797,6 +3358,14 @@
 <file path=ppt/slides/slide1.xml><?xml version="1.0" encoding="utf-8"?>
 <p:sld xmlns:a="http://schemas.openxmlformats.org/drawingml/2006/main" xmlns:r="http://schemas.openxmlformats.org/officeDocument/2006/relationships" xmlns:p="http://schemas.openxmlformats.org/presentationml/2006/main">
   <p:cSld>
+    <p:bg>
+      <p:bgPr>
+        <a:solidFill>
+          <a:schemeClr val="bg1"/>
+        </a:solidFill>
+        <a:effectLst/>
+      </p:bgPr>
+    </p:bg>
     <p:spTree>
       <p:nvGrpSpPr>
         <p:cNvPr id="1" name=""/>
@@ -3811,12 +3380,101 @@
           <a:chExt cx="0" cy="0"/>
         </a:xfrm>
       </p:grpSpPr>
+      <p:sp useBgFill="1">
+        <p:nvSpPr>
+          <p:cNvPr id="24" name="Rectangle 23">
+            <a:extLst>
+              <a:ext uri="{FF2B5EF4-FFF2-40B4-BE49-F238E27FC236}">
+                <a16:creationId xmlns:a16="http://schemas.microsoft.com/office/drawing/2014/main" id="{F452A527-3631-41ED-858D-3777A7D1496A}"/>
+              </a:ext>
+              <a:ext uri="{C183D7F6-B498-43B3-948B-1728B52AA6E4}">
+                <adec:decorative xmlns:adec="http://schemas.microsoft.com/office/drawing/2017/decorative" val="1"/>
+              </a:ext>
+            </a:extLst>
+          </p:cNvPr>
+          <p:cNvSpPr>
+            <a:spLocks noGrp="1" noRot="1" noChangeAspect="1" noMove="1" noResize="1" noEditPoints="1" noAdjustHandles="1" noChangeArrowheads="1" noChangeShapeType="1" noTextEdit="1"/>
+          </p:cNvSpPr>
+          <p:nvPr>
+            <p:extLst>
+              <p:ext uri="{386F3935-93C4-4BCD-93E2-E3B085C9AB24}">
+                <p16:designElem xmlns:p16="http://schemas.microsoft.com/office/powerpoint/2015/main" val="1"/>
+              </p:ext>
+            </p:extLst>
+          </p:nvPr>
+        </p:nvSpPr>
+        <p:spPr>
+          <a:xfrm>
+            <a:off x="0" y="0"/>
+            <a:ext cx="12192001" cy="6858000"/>
+          </a:xfrm>
+          <a:prstGeom prst="rect">
+            <a:avLst/>
+          </a:prstGeom>
+          <a:ln>
+            <a:noFill/>
+          </a:ln>
+        </p:spPr>
+        <p:style>
+          <a:lnRef idx="2">
+            <a:schemeClr val="accent1">
+              <a:shade val="50000"/>
+            </a:schemeClr>
+          </a:lnRef>
+          <a:fillRef idx="1">
+            <a:schemeClr val="accent1"/>
+          </a:fillRef>
+          <a:effectRef idx="0">
+            <a:schemeClr val="accent1"/>
+          </a:effectRef>
+          <a:fontRef idx="minor">
+            <a:schemeClr val="lt1"/>
+          </a:fontRef>
+        </p:style>
+        <p:txBody>
+          <a:bodyPr rtlCol="0" anchor="ctr"/>
+          <a:lstStyle/>
+          <a:p>
+            <a:pPr marL="0" marR="0" lvl="0" indent="0" algn="ctr" defTabSz="914400" rtl="0" eaLnBrk="1" fontAlgn="auto" latinLnBrk="0" hangingPunct="1">
+              <a:lnSpc>
+                <a:spcPct val="100000"/>
+              </a:lnSpc>
+              <a:spcBef>
+                <a:spcPts val="0"/>
+              </a:spcBef>
+              <a:spcAft>
+                <a:spcPts val="0"/>
+              </a:spcAft>
+              <a:buClrTx/>
+              <a:buSzTx/>
+              <a:buFontTx/>
+              <a:buNone/>
+              <a:tabLst/>
+              <a:defRPr/>
+            </a:pPr>
+            <a:endParaRPr kumimoji="0" lang="en-US" sz="1800" b="0" i="0" u="none" strike="noStrike" kern="1200" cap="none" spc="0" normalizeH="0" baseline="0" noProof="0" dirty="0">
+              <a:ln>
+                <a:noFill/>
+              </a:ln>
+              <a:solidFill>
+                <a:prstClr val="white"/>
+              </a:solidFill>
+              <a:effectLst/>
+              <a:uLnTx/>
+              <a:uFillTx/>
+              <a:latin typeface="Speak Pro" panose="020F0502020204030204"/>
+              <a:ea typeface="+mn-ea"/>
+              <a:cs typeface="+mn-cs"/>
+            </a:endParaRPr>
+          </a:p>
+        </p:txBody>
+      </p:sp>
       <p:sp>
         <p:nvSpPr>
           <p:cNvPr id="2" name="Title 1">
             <a:extLst>
               <a:ext uri="{FF2B5EF4-FFF2-40B4-BE49-F238E27FC236}">
-                <a16:creationId xmlns:a16="http://schemas.microsoft.com/office/drawing/2014/main" id="{C9595A16-5882-D573-90BC-70E6670D935C}"/>
+                <a16:creationId xmlns:a16="http://schemas.microsoft.com/office/drawing/2014/main" id="{9AB2EA78-AEB3-469B-9025-3B17201A457B}"/>
               </a:ext>
             </a:extLst>
           </p:cNvPr>
@@ -3824,28 +3482,34 @@
             <a:spLocks noGrp="1"/>
           </p:cNvSpPr>
           <p:nvPr>
-            <p:ph type="title"/>
-          </p:nvPr>
-        </p:nvSpPr>
-        <p:spPr/>
-        <p:txBody>
-          <a:bodyPr/>
-          <a:lstStyle/>
-          <a:p>
-            <a:r>
-              <a:rPr lang="en-US" dirty="0"/>
-              <a:t>CONTENTS</a:t>
-            </a:r>
-            <a:endParaRPr lang="en-IN" dirty="0"/>
-          </a:p>
-        </p:txBody>
-      </p:sp>
-      <p:sp>
-        <p:nvSpPr>
-          <p:cNvPr id="3" name="Content Placeholder 2">
-            <a:extLst>
-              <a:ext uri="{FF2B5EF4-FFF2-40B4-BE49-F238E27FC236}">
-                <a16:creationId xmlns:a16="http://schemas.microsoft.com/office/drawing/2014/main" id="{8E9B9C4C-657E-523A-A299-62F7B73EB0D3}"/>
+            <p:ph type="ctrTitle"/>
+          </p:nvPr>
+        </p:nvSpPr>
+        <p:spPr>
+          <a:xfrm>
+            <a:off x="6730000" y="639097"/>
+            <a:ext cx="4813072" cy="3494791"/>
+          </a:xfrm>
+        </p:spPr>
+        <p:txBody>
+          <a:bodyPr>
+            <a:normAutofit/>
+          </a:bodyPr>
+          <a:lstStyle/>
+          <a:p>
+            <a:r>
+              <a:rPr lang="en-US" dirty="0"/>
+              <a:t>Explore it an android app</a:t>
+            </a:r>
+          </a:p>
+        </p:txBody>
+      </p:sp>
+      <p:sp>
+        <p:nvSpPr>
+          <p:cNvPr id="3" name="Subtitle 2">
+            <a:extLst>
+              <a:ext uri="{FF2B5EF4-FFF2-40B4-BE49-F238E27FC236}">
+                <a16:creationId xmlns:a16="http://schemas.microsoft.com/office/drawing/2014/main" id="{255E1F2F-E259-4EA8-9FFD-3A10AF541859}"/>
               </a:ext>
             </a:extLst>
           </p:cNvPr>
@@ -3853,101 +3517,161 @@
             <a:spLocks noGrp="1"/>
           </p:cNvSpPr>
           <p:nvPr>
-            <p:ph idx="1"/>
-          </p:nvPr>
-        </p:nvSpPr>
-        <p:spPr/>
+            <p:ph type="subTitle" idx="1"/>
+          </p:nvPr>
+        </p:nvSpPr>
+        <p:spPr>
+          <a:xfrm>
+            <a:off x="6729999" y="4455621"/>
+            <a:ext cx="4829101" cy="1238616"/>
+          </a:xfrm>
+        </p:spPr>
         <p:txBody>
           <a:bodyPr>
-            <a:normAutofit/>
+            <a:normAutofit fontScale="47500" lnSpcReduction="20000"/>
           </a:bodyPr>
           <a:lstStyle/>
           <a:p>
-            <a:pPr algn="just"/>
-            <a:r>
-              <a:rPr lang="en-US" b="1" dirty="0"/>
-              <a:t>1.0 Introduction</a:t>
-            </a:r>
-          </a:p>
-          <a:p>
-            <a:r>
-              <a:rPr lang="en-US" b="1" dirty="0"/>
-              <a:t>2.0 Tool used</a:t>
-            </a:r>
-          </a:p>
-          <a:p>
-            <a:r>
-              <a:rPr lang="en-US" b="1" dirty="0"/>
-              <a:t>3.0 Challenges and solutions</a:t>
-            </a:r>
-          </a:p>
-          <a:p>
-            <a:r>
-              <a:rPr lang="en-US" b="1" dirty="0"/>
-              <a:t>4.0 Flow chart</a:t>
-            </a:r>
-          </a:p>
-          <a:p>
-            <a:r>
-              <a:rPr lang="en-US" b="1" dirty="0"/>
-              <a:t>5.0 Working </a:t>
-            </a:r>
-          </a:p>
-          <a:p>
-            <a:r>
-              <a:rPr lang="en-US" b="1" dirty="0"/>
-              <a:t>6.0 Conclusion </a:t>
-            </a:r>
-          </a:p>
-          <a:p>
-            <a:r>
-              <a:rPr lang="en-US" b="1" dirty="0"/>
-              <a:t>7.0 References</a:t>
-            </a:r>
-            <a:endParaRPr lang="en-IN" b="1" dirty="0"/>
-          </a:p>
-        </p:txBody>
-      </p:sp>
-      <p:sp>
-        <p:nvSpPr>
-          <p:cNvPr id="5" name="TextBox 4">
-            <a:extLst>
-              <a:ext uri="{FF2B5EF4-FFF2-40B4-BE49-F238E27FC236}">
-                <a16:creationId xmlns:a16="http://schemas.microsoft.com/office/drawing/2014/main" id="{AFEFA562-06B0-05CD-3CAE-95842BFF68F3}"/>
-              </a:ext>
-            </a:extLst>
-          </p:cNvPr>
-          <p:cNvSpPr txBox="1"/>
+            <a:r>
+              <a:rPr lang="en-US" dirty="0"/>
+              <a:t>Team leader : vasa </a:t>
+            </a:r>
+            <a:r>
+              <a:rPr lang="en-US" dirty="0" err="1"/>
+              <a:t>vigneshwar</a:t>
+            </a:r>
+            <a:endParaRPr lang="en-US" dirty="0"/>
+          </a:p>
+          <a:p>
+            <a:r>
+              <a:rPr lang="en-US" dirty="0"/>
+              <a:t>Roll no : 42390</a:t>
+            </a:r>
+          </a:p>
+          <a:p>
+            <a:r>
+              <a:rPr lang="en-US" dirty="0"/>
+              <a:t>Team mate : </a:t>
+            </a:r>
+            <a:r>
+              <a:rPr lang="en-US" dirty="0" err="1"/>
+              <a:t>karthik</a:t>
+            </a:r>
+            <a:r>
+              <a:rPr lang="en-US" dirty="0"/>
+              <a:t> </a:t>
+            </a:r>
+            <a:r>
+              <a:rPr lang="en-US" dirty="0" err="1"/>
+              <a:t>yadav</a:t>
+            </a:r>
+            <a:endParaRPr lang="en-US" dirty="0"/>
+          </a:p>
+          <a:p>
+            <a:r>
+              <a:rPr lang="en-US" dirty="0"/>
+              <a:t>Roll no :423165</a:t>
+            </a:r>
+          </a:p>
+        </p:txBody>
+      </p:sp>
+      <p:pic>
+        <p:nvPicPr>
+          <p:cNvPr id="6" name="Picture 5">
+            <a:extLst>
+              <a:ext uri="{FF2B5EF4-FFF2-40B4-BE49-F238E27FC236}">
+                <a16:creationId xmlns:a16="http://schemas.microsoft.com/office/drawing/2014/main" id="{8940CBE3-3F91-419A-A649-32AB388ECA8B}"/>
+              </a:ext>
+              <a:ext uri="{C183D7F6-B498-43B3-948B-1728B52AA6E4}">
+                <adec:decorative xmlns:adec="http://schemas.microsoft.com/office/drawing/2017/decorative" val="1"/>
+              </a:ext>
+            </a:extLst>
+          </p:cNvPr>
+          <p:cNvPicPr>
+            <a:picLocks noChangeAspect="1"/>
+          </p:cNvPicPr>
           <p:nvPr/>
-        </p:nvSpPr>
+        </p:nvPicPr>
+        <p:blipFill rotWithShape="1">
+          <a:blip r:embed="rId3">
+            <a:extLst>
+              <a:ext uri="{28A0092B-C50C-407E-A947-70E740481C1C}">
+                <a14:useLocalDpi xmlns:a14="http://schemas.microsoft.com/office/drawing/2010/main" val="0"/>
+              </a:ext>
+            </a:extLst>
+          </a:blip>
+          <a:srcRect/>
+          <a:stretch/>
+        </p:blipFill>
         <p:spPr>
           <a:xfrm>
-            <a:off x="10376965" y="101937"/>
-            <a:ext cx="1238865" cy="369332"/>
+            <a:off x="1" y="10"/>
+            <a:ext cx="6096000" cy="6857990"/>
           </a:xfrm>
           <a:prstGeom prst="rect">
             <a:avLst/>
           </a:prstGeom>
-          <a:noFill/>
-        </p:spPr>
-        <p:txBody>
-          <a:bodyPr wrap="square" rtlCol="0">
-            <a:spAutoFit/>
-          </a:bodyPr>
-          <a:lstStyle/>
-          <a:p>
-            <a:r>
-              <a:rPr lang="en-US" dirty="0"/>
-              <a:t>iii</a:t>
-            </a:r>
-            <a:endParaRPr lang="en-IN" dirty="0"/>
-          </a:p>
-        </p:txBody>
-      </p:sp>
+        </p:spPr>
+      </p:pic>
+      <p:cxnSp>
+        <p:nvCxnSpPr>
+          <p:cNvPr id="26" name="Straight Connector 25">
+            <a:extLst>
+              <a:ext uri="{FF2B5EF4-FFF2-40B4-BE49-F238E27FC236}">
+                <a16:creationId xmlns:a16="http://schemas.microsoft.com/office/drawing/2014/main" id="{D28A9C89-B313-458F-9C85-515930A51A93}"/>
+              </a:ext>
+              <a:ext uri="{C183D7F6-B498-43B3-948B-1728B52AA6E4}">
+                <adec:decorative xmlns:adec="http://schemas.microsoft.com/office/drawing/2017/decorative" val="1"/>
+              </a:ext>
+            </a:extLst>
+          </p:cNvPr>
+          <p:cNvCxnSpPr>
+            <a:cxnSpLocks noGrp="1" noRot="1" noChangeAspect="1" noMove="1" noResize="1" noEditPoints="1" noAdjustHandles="1" noChangeArrowheads="1" noChangeShapeType="1"/>
+          </p:cNvCxnSpPr>
+          <p:nvPr>
+            <p:extLst>
+              <p:ext uri="{386F3935-93C4-4BCD-93E2-E3B085C9AB24}">
+                <p16:designElem xmlns:p16="http://schemas.microsoft.com/office/powerpoint/2015/main" val="1"/>
+              </p:ext>
+            </p:extLst>
+          </p:nvPr>
+        </p:nvCxnSpPr>
+        <p:spPr>
+          <a:xfrm>
+            <a:off x="6805053" y="4294754"/>
+            <a:ext cx="4389120" cy="0"/>
+          </a:xfrm>
+          <a:prstGeom prst="line">
+            <a:avLst/>
+          </a:prstGeom>
+          <a:ln w="12700">
+            <a:solidFill>
+              <a:schemeClr val="tx1">
+                <a:lumMod val="75000"/>
+                <a:lumOff val="25000"/>
+              </a:schemeClr>
+            </a:solidFill>
+          </a:ln>
+        </p:spPr>
+        <p:style>
+          <a:lnRef idx="1">
+            <a:schemeClr val="accent1"/>
+          </a:lnRef>
+          <a:fillRef idx="0">
+            <a:schemeClr val="accent1"/>
+          </a:fillRef>
+          <a:effectRef idx="0">
+            <a:schemeClr val="accent1"/>
+          </a:effectRef>
+          <a:fontRef idx="minor">
+            <a:schemeClr val="tx1"/>
+          </a:fontRef>
+        </p:style>
+      </p:cxnSp>
     </p:spTree>
     <p:extLst>
       <p:ext uri="{BB962C8B-B14F-4D97-AF65-F5344CB8AC3E}">
-        <p14:creationId xmlns:p14="http://schemas.microsoft.com/office/powerpoint/2010/main" val="1106309244"/>
+        <p14:creationId xmlns:p14="http://schemas.microsoft.com/office/powerpoint/2010/main" val="895915843"/>
       </p:ext>
     </p:extLst>
   </p:cSld>
@@ -3982,7 +3706,7 @@
           <p:cNvPr id="2" name="Title 1">
             <a:extLst>
               <a:ext uri="{FF2B5EF4-FFF2-40B4-BE49-F238E27FC236}">
-                <a16:creationId xmlns:a16="http://schemas.microsoft.com/office/drawing/2014/main" id="{55D646DD-ADFD-F17F-96C1-4325550544F2}"/>
+                <a16:creationId xmlns:a16="http://schemas.microsoft.com/office/drawing/2014/main" id="{86925128-2284-ACA6-433A-BDDFAD72D11C}"/>
               </a:ext>
             </a:extLst>
           </p:cNvPr>
@@ -3995,20 +3719,24 @@
         </p:nvSpPr>
         <p:spPr>
           <a:xfrm>
-            <a:off x="1097280" y="286603"/>
-            <a:ext cx="10058400" cy="702305"/>
-          </a:xfrm>
+            <a:off x="0" y="152400"/>
+            <a:ext cx="12120880" cy="6108064"/>
+          </a:xfrm>
+          <a:pattFill prst="pct5">
+            <a:fgClr>
+              <a:schemeClr val="accent1"/>
+            </a:fgClr>
+            <a:bgClr>
+              <a:schemeClr val="bg1"/>
+            </a:bgClr>
+          </a:pattFill>
         </p:spPr>
         <p:txBody>
           <a:bodyPr>
-            <a:normAutofit fontScale="90000"/>
+            <a:normAutofit/>
           </a:bodyPr>
           <a:lstStyle/>
           <a:p>
-            <a:r>
-              <a:rPr lang="en-US" dirty="0"/>
-              <a:t>Home page</a:t>
-            </a:r>
             <a:endParaRPr lang="en-IN" dirty="0"/>
           </a:p>
         </p:txBody>
@@ -4018,7 +3746,7 @@
           <p:cNvPr id="5" name="Content Placeholder 4">
             <a:extLst>
               <a:ext uri="{FF2B5EF4-FFF2-40B4-BE49-F238E27FC236}">
-                <a16:creationId xmlns:a16="http://schemas.microsoft.com/office/drawing/2014/main" id="{3B33D8E6-1812-7D57-0758-42F0ECEBF443}"/>
+                <a16:creationId xmlns:a16="http://schemas.microsoft.com/office/drawing/2014/main" id="{70222D56-5CAD-66C9-1DA8-AFC96941F865}"/>
               </a:ext>
             </a:extLst>
           </p:cNvPr>
@@ -4037,17 +3765,76 @@
         </p:blipFill>
         <p:spPr>
           <a:xfrm>
-            <a:off x="9557459" y="888127"/>
-            <a:ext cx="2070169" cy="4619625"/>
-          </a:xfrm>
+            <a:off x="9344864" y="678814"/>
+            <a:ext cx="2503397" cy="5581650"/>
+          </a:xfrm>
+          <a:prstGeom prst="rect">
+            <a:avLst/>
+          </a:prstGeom>
+          <a:ln>
+            <a:noFill/>
+          </a:ln>
+          <a:effectLst>
+            <a:outerShdw blurRad="292100" dist="139700" dir="2700000" algn="tl" rotWithShape="0">
+              <a:srgbClr val="333333">
+                <a:alpha val="65000"/>
+              </a:srgbClr>
+            </a:outerShdw>
+          </a:effectLst>
         </p:spPr>
       </p:pic>
       <p:sp>
         <p:nvSpPr>
-          <p:cNvPr id="6" name="TextBox 5">
-            <a:extLst>
-              <a:ext uri="{FF2B5EF4-FFF2-40B4-BE49-F238E27FC236}">
-                <a16:creationId xmlns:a16="http://schemas.microsoft.com/office/drawing/2014/main" id="{8DB913C1-134A-B7D4-D19D-F8F7FC8D7327}"/>
+          <p:cNvPr id="6" name="Arrow: Down 5">
+            <a:extLst>
+              <a:ext uri="{FF2B5EF4-FFF2-40B4-BE49-F238E27FC236}">
+                <a16:creationId xmlns:a16="http://schemas.microsoft.com/office/drawing/2014/main" id="{E194D30D-98A3-0918-27E1-559CEC868559}"/>
+              </a:ext>
+            </a:extLst>
+          </p:cNvPr>
+          <p:cNvSpPr/>
+          <p:nvPr/>
+        </p:nvSpPr>
+        <p:spPr>
+          <a:xfrm rot="16200000">
+            <a:off x="1097280" y="394334"/>
+            <a:ext cx="213360" cy="782320"/>
+          </a:xfrm>
+          <a:prstGeom prst="downArrow">
+            <a:avLst/>
+          </a:prstGeom>
+        </p:spPr>
+        <p:style>
+          <a:lnRef idx="2">
+            <a:schemeClr val="accent1">
+              <a:shade val="15000"/>
+            </a:schemeClr>
+          </a:lnRef>
+          <a:fillRef idx="1">
+            <a:schemeClr val="accent1"/>
+          </a:fillRef>
+          <a:effectRef idx="0">
+            <a:schemeClr val="accent1"/>
+          </a:effectRef>
+          <a:fontRef idx="minor">
+            <a:schemeClr val="lt1"/>
+          </a:fontRef>
+        </p:style>
+        <p:txBody>
+          <a:bodyPr rtlCol="0" anchor="ctr"/>
+          <a:lstStyle/>
+          <a:p>
+            <a:pPr algn="ctr"/>
+            <a:endParaRPr lang="en-IN"/>
+          </a:p>
+        </p:txBody>
+      </p:sp>
+      <p:sp>
+        <p:nvSpPr>
+          <p:cNvPr id="8" name="TextBox 7">
+            <a:extLst>
+              <a:ext uri="{FF2B5EF4-FFF2-40B4-BE49-F238E27FC236}">
+                <a16:creationId xmlns:a16="http://schemas.microsoft.com/office/drawing/2014/main" id="{CE08DE19-63D9-7E0E-06F1-97B902CE81C7}"/>
               </a:ext>
             </a:extLst>
           </p:cNvPr>
@@ -4055,9 +3842,9 @@
           <p:nvPr/>
         </p:nvSpPr>
         <p:spPr>
-          <a:xfrm rot="10800000" flipH="1" flipV="1">
-            <a:off x="1199535" y="1832642"/>
-            <a:ext cx="6656439" cy="923330"/>
+          <a:xfrm>
+            <a:off x="1695552" y="678814"/>
+            <a:ext cx="6146800" cy="923330"/>
           </a:xfrm>
           <a:prstGeom prst="rect">
             <a:avLst/>
@@ -4070,10 +3857,41 @@
           </a:bodyPr>
           <a:lstStyle/>
           <a:p>
-            <a:pPr algn="just"/>
-            <a:r>
-              <a:rPr lang="en-US" dirty="0"/>
-              <a:t>This  is home page  in the home page as you see at the  at the  bottom we there are  home navigation ,search navigation ,booking navigation ,and the profile navigation </a:t>
+            <a:r>
+              <a:rPr lang="en-US" dirty="0"/>
+              <a:t>If the user want to </a:t>
+            </a:r>
+            <a:r>
+              <a:rPr lang="en-US" b="1" dirty="0"/>
+              <a:t>log in </a:t>
+            </a:r>
+            <a:r>
+              <a:rPr lang="en-US" dirty="0"/>
+              <a:t> then the  user can simple  enter the already </a:t>
+            </a:r>
+            <a:r>
+              <a:rPr lang="en-US" dirty="0" err="1"/>
+              <a:t>registerd</a:t>
+            </a:r>
+            <a:r>
+              <a:rPr lang="en-US" dirty="0"/>
+              <a:t> </a:t>
+            </a:r>
+            <a:r>
+              <a:rPr lang="en-US" b="1" dirty="0"/>
+              <a:t> email Id  </a:t>
+            </a:r>
+            <a:r>
+              <a:rPr lang="en-US" dirty="0"/>
+              <a:t>and</a:t>
+            </a:r>
+            <a:r>
+              <a:rPr lang="en-US" b="1" dirty="0"/>
+              <a:t> Password </a:t>
+            </a:r>
+            <a:r>
+              <a:rPr lang="en-US" dirty="0"/>
+              <a:t> is at  the time of  registration the user used one.</a:t>
             </a:r>
             <a:endParaRPr lang="en-IN" dirty="0"/>
           </a:p>
@@ -4081,10 +3899,56 @@
       </p:sp>
       <p:sp>
         <p:nvSpPr>
-          <p:cNvPr id="7" name="TextBox 6">
-            <a:extLst>
-              <a:ext uri="{FF2B5EF4-FFF2-40B4-BE49-F238E27FC236}">
-                <a16:creationId xmlns:a16="http://schemas.microsoft.com/office/drawing/2014/main" id="{D0913E1E-9D86-6ED4-CE92-F1C79069E4E0}"/>
+          <p:cNvPr id="9" name="Arrow: Down 8">
+            <a:extLst>
+              <a:ext uri="{FF2B5EF4-FFF2-40B4-BE49-F238E27FC236}">
+                <a16:creationId xmlns:a16="http://schemas.microsoft.com/office/drawing/2014/main" id="{A3BD001A-79CE-52BE-43CC-1CAB4A7473E4}"/>
+              </a:ext>
+            </a:extLst>
+          </p:cNvPr>
+          <p:cNvSpPr/>
+          <p:nvPr/>
+        </p:nvSpPr>
+        <p:spPr>
+          <a:xfrm rot="16200000">
+            <a:off x="1097279" y="1501869"/>
+            <a:ext cx="213361" cy="812800"/>
+          </a:xfrm>
+          <a:prstGeom prst="downArrow">
+            <a:avLst/>
+          </a:prstGeom>
+        </p:spPr>
+        <p:style>
+          <a:lnRef idx="2">
+            <a:schemeClr val="accent1">
+              <a:shade val="15000"/>
+            </a:schemeClr>
+          </a:lnRef>
+          <a:fillRef idx="1">
+            <a:schemeClr val="accent1"/>
+          </a:fillRef>
+          <a:effectRef idx="0">
+            <a:schemeClr val="accent1"/>
+          </a:effectRef>
+          <a:fontRef idx="minor">
+            <a:schemeClr val="lt1"/>
+          </a:fontRef>
+        </p:style>
+        <p:txBody>
+          <a:bodyPr rtlCol="0" anchor="ctr"/>
+          <a:lstStyle/>
+          <a:p>
+            <a:pPr algn="ctr"/>
+            <a:endParaRPr lang="en-IN"/>
+          </a:p>
+        </p:txBody>
+      </p:sp>
+      <p:sp>
+        <p:nvSpPr>
+          <p:cNvPr id="10" name="TextBox 9">
+            <a:extLst>
+              <a:ext uri="{FF2B5EF4-FFF2-40B4-BE49-F238E27FC236}">
+                <a16:creationId xmlns:a16="http://schemas.microsoft.com/office/drawing/2014/main" id="{3A8EA1D2-5552-CE0F-C014-913B3286E95D}"/>
               </a:ext>
             </a:extLst>
           </p:cNvPr>
@@ -4093,8 +3957,8 @@
         </p:nvSpPr>
         <p:spPr>
           <a:xfrm>
-            <a:off x="1332271" y="2971800"/>
-            <a:ext cx="6189406" cy="923330"/>
+            <a:off x="1695552" y="1723603"/>
+            <a:ext cx="5716168" cy="1200329"/>
           </a:xfrm>
           <a:prstGeom prst="rect">
             <a:avLst/>
@@ -4107,18 +3971,91 @@
           </a:bodyPr>
           <a:lstStyle/>
           <a:p>
-            <a:pPr algn="just"/>
-            <a:r>
-              <a:rPr lang="en-US" dirty="0"/>
-              <a:t>In the interface there are we add places and hotels and  the user wants to give any feed back about the any </a:t>
-            </a:r>
-            <a:r>
-              <a:rPr lang="en-US" dirty="0" err="1"/>
-              <a:t>qiuary</a:t>
-            </a:r>
-            <a:r>
-              <a:rPr lang="en-US" dirty="0"/>
-              <a:t> we also provide that option also.</a:t>
+            <a:r>
+              <a:rPr lang="en-US" dirty="0"/>
+              <a:t>The  given data is matched with registered data then only the user can access to go through the further. If any case of the data could not matched the data  it will  through an error and suffers to move to further</a:t>
+            </a:r>
+            <a:endParaRPr lang="en-IN" dirty="0"/>
+          </a:p>
+        </p:txBody>
+      </p:sp>
+      <p:sp>
+        <p:nvSpPr>
+          <p:cNvPr id="11" name="Arrow: Down 10">
+            <a:extLst>
+              <a:ext uri="{FF2B5EF4-FFF2-40B4-BE49-F238E27FC236}">
+                <a16:creationId xmlns:a16="http://schemas.microsoft.com/office/drawing/2014/main" id="{F46DA1CD-BDD9-16B8-4AD7-5A14381FD0BE}"/>
+              </a:ext>
+            </a:extLst>
+          </p:cNvPr>
+          <p:cNvSpPr/>
+          <p:nvPr/>
+        </p:nvSpPr>
+        <p:spPr>
+          <a:xfrm rot="16200000">
+            <a:off x="1035291" y="2941876"/>
+            <a:ext cx="304318" cy="779779"/>
+          </a:xfrm>
+          <a:prstGeom prst="downArrow">
+            <a:avLst/>
+          </a:prstGeom>
+        </p:spPr>
+        <p:style>
+          <a:lnRef idx="2">
+            <a:schemeClr val="accent1">
+              <a:shade val="15000"/>
+            </a:schemeClr>
+          </a:lnRef>
+          <a:fillRef idx="1">
+            <a:schemeClr val="accent1"/>
+          </a:fillRef>
+          <a:effectRef idx="0">
+            <a:schemeClr val="accent1"/>
+          </a:effectRef>
+          <a:fontRef idx="minor">
+            <a:schemeClr val="lt1"/>
+          </a:fontRef>
+        </p:style>
+        <p:txBody>
+          <a:bodyPr rtlCol="0" anchor="ctr"/>
+          <a:lstStyle/>
+          <a:p>
+            <a:pPr algn="ctr"/>
+            <a:endParaRPr lang="en-IN"/>
+          </a:p>
+        </p:txBody>
+      </p:sp>
+      <p:sp>
+        <p:nvSpPr>
+          <p:cNvPr id="13" name="TextBox 12">
+            <a:extLst>
+              <a:ext uri="{FF2B5EF4-FFF2-40B4-BE49-F238E27FC236}">
+                <a16:creationId xmlns:a16="http://schemas.microsoft.com/office/drawing/2014/main" id="{B49A9797-405B-75BA-5AA7-D321C5A3B4E0}"/>
+              </a:ext>
+            </a:extLst>
+          </p:cNvPr>
+          <p:cNvSpPr txBox="1"/>
+          <p:nvPr/>
+        </p:nvSpPr>
+        <p:spPr>
+          <a:xfrm>
+            <a:off x="1695552" y="3203257"/>
+            <a:ext cx="5568848" cy="646331"/>
+          </a:xfrm>
+          <a:prstGeom prst="rect">
+            <a:avLst/>
+          </a:prstGeom>
+          <a:noFill/>
+        </p:spPr>
+        <p:txBody>
+          <a:bodyPr wrap="square" rtlCol="0">
+            <a:spAutoFit/>
+          </a:bodyPr>
+          <a:lstStyle/>
+          <a:p>
+            <a:r>
+              <a:rPr lang="en-US" dirty="0"/>
+              <a:t>There is a chance of forgetting the password  there is an option to change the password </a:t>
             </a:r>
             <a:endParaRPr lang="en-IN" dirty="0"/>
           </a:p>
@@ -4127,7 +4064,7 @@
     </p:spTree>
     <p:extLst>
       <p:ext uri="{BB962C8B-B14F-4D97-AF65-F5344CB8AC3E}">
-        <p14:creationId xmlns:p14="http://schemas.microsoft.com/office/powerpoint/2010/main" val="3947562125"/>
+        <p14:creationId xmlns:p14="http://schemas.microsoft.com/office/powerpoint/2010/main" val="294134591"/>
       </p:ext>
     </p:extLst>
   </p:cSld>
@@ -4162,7 +4099,7 @@
           <p:cNvPr id="2" name="Title 1">
             <a:extLst>
               <a:ext uri="{FF2B5EF4-FFF2-40B4-BE49-F238E27FC236}">
-                <a16:creationId xmlns:a16="http://schemas.microsoft.com/office/drawing/2014/main" id="{088F011A-B034-70C3-BB86-CCD250DE87AA}"/>
+                <a16:creationId xmlns:a16="http://schemas.microsoft.com/office/drawing/2014/main" id="{DBD48211-4720-7EDE-977A-7A846E9B993D}"/>
               </a:ext>
             </a:extLst>
           </p:cNvPr>
@@ -4173,15 +4110,19 @@
             <p:ph type="title"/>
           </p:nvPr>
         </p:nvSpPr>
-        <p:spPr/>
+        <p:spPr>
+          <a:xfrm>
+            <a:off x="1148080" y="286603"/>
+            <a:ext cx="10007600" cy="5982117"/>
+          </a:xfrm>
+          <a:solidFill>
+            <a:schemeClr val="bg1"/>
+          </a:solidFill>
+        </p:spPr>
         <p:txBody>
           <a:bodyPr/>
           <a:lstStyle/>
           <a:p>
-            <a:r>
-              <a:rPr lang="en-US" dirty="0"/>
-              <a:t>States page </a:t>
-            </a:r>
             <a:endParaRPr lang="en-IN" dirty="0"/>
           </a:p>
         </p:txBody>
@@ -4191,7 +4132,7 @@
           <p:cNvPr id="5" name="Content Placeholder 4">
             <a:extLst>
               <a:ext uri="{FF2B5EF4-FFF2-40B4-BE49-F238E27FC236}">
-                <a16:creationId xmlns:a16="http://schemas.microsoft.com/office/drawing/2014/main" id="{792541F4-2B5C-98E8-9EE9-8707EC904DC0}"/>
+                <a16:creationId xmlns:a16="http://schemas.microsoft.com/office/drawing/2014/main" id="{510ECCFF-6F7E-7DF6-2469-A3E721D12AEC}"/>
               </a:ext>
             </a:extLst>
           </p:cNvPr>
@@ -4210,17 +4151,76 @@
         </p:blipFill>
         <p:spPr>
           <a:xfrm>
-            <a:off x="8878529" y="732527"/>
-            <a:ext cx="2760607" cy="5186491"/>
-          </a:xfrm>
+            <a:off x="9039905" y="368618"/>
+            <a:ext cx="2503397" cy="5581650"/>
+          </a:xfrm>
+          <a:prstGeom prst="rect">
+            <a:avLst/>
+          </a:prstGeom>
+          <a:ln>
+            <a:noFill/>
+          </a:ln>
+          <a:effectLst>
+            <a:outerShdw blurRad="292100" dist="139700" dir="2700000" algn="tl" rotWithShape="0">
+              <a:srgbClr val="333333">
+                <a:alpha val="65000"/>
+              </a:srgbClr>
+            </a:outerShdw>
+          </a:effectLst>
         </p:spPr>
       </p:pic>
       <p:sp>
         <p:nvSpPr>
-          <p:cNvPr id="6" name="TextBox 5">
-            <a:extLst>
-              <a:ext uri="{FF2B5EF4-FFF2-40B4-BE49-F238E27FC236}">
-                <a16:creationId xmlns:a16="http://schemas.microsoft.com/office/drawing/2014/main" id="{91777A18-C22C-D768-0CAE-85C07285D788}"/>
+          <p:cNvPr id="6" name="Arrow: Down 5">
+            <a:extLst>
+              <a:ext uri="{FF2B5EF4-FFF2-40B4-BE49-F238E27FC236}">
+                <a16:creationId xmlns:a16="http://schemas.microsoft.com/office/drawing/2014/main" id="{46D2B0C4-A9CB-3D12-7AED-03CFDFF10C12}"/>
+              </a:ext>
+            </a:extLst>
+          </p:cNvPr>
+          <p:cNvSpPr/>
+          <p:nvPr/>
+        </p:nvSpPr>
+        <p:spPr>
+          <a:xfrm rot="16200000">
+            <a:off x="1356057" y="381303"/>
+            <a:ext cx="285086" cy="701040"/>
+          </a:xfrm>
+          <a:prstGeom prst="downArrow">
+            <a:avLst/>
+          </a:prstGeom>
+        </p:spPr>
+        <p:style>
+          <a:lnRef idx="2">
+            <a:schemeClr val="accent1">
+              <a:shade val="15000"/>
+            </a:schemeClr>
+          </a:lnRef>
+          <a:fillRef idx="1">
+            <a:schemeClr val="accent1"/>
+          </a:fillRef>
+          <a:effectRef idx="0">
+            <a:schemeClr val="accent1"/>
+          </a:effectRef>
+          <a:fontRef idx="minor">
+            <a:schemeClr val="lt1"/>
+          </a:fontRef>
+        </p:style>
+        <p:txBody>
+          <a:bodyPr rtlCol="0" anchor="ctr"/>
+          <a:lstStyle/>
+          <a:p>
+            <a:pPr algn="ctr"/>
+            <a:endParaRPr lang="en-IN"/>
+          </a:p>
+        </p:txBody>
+      </p:sp>
+      <p:sp>
+        <p:nvSpPr>
+          <p:cNvPr id="7" name="TextBox 6">
+            <a:extLst>
+              <a:ext uri="{FF2B5EF4-FFF2-40B4-BE49-F238E27FC236}">
+                <a16:creationId xmlns:a16="http://schemas.microsoft.com/office/drawing/2014/main" id="{A55EA424-5EC0-46F7-E986-A0AF2718742B}"/>
               </a:ext>
             </a:extLst>
           </p:cNvPr>
@@ -4229,8 +4229,8 @@
         </p:nvSpPr>
         <p:spPr>
           <a:xfrm>
-            <a:off x="1253613" y="2207342"/>
-            <a:ext cx="6159910" cy="923330"/>
+            <a:off x="1849120" y="589279"/>
+            <a:ext cx="6035040" cy="646331"/>
           </a:xfrm>
           <a:prstGeom prst="rect">
             <a:avLst/>
@@ -4243,18 +4243,293 @@
           </a:bodyPr>
           <a:lstStyle/>
           <a:p>
-            <a:pPr algn="just"/>
-            <a:r>
-              <a:rPr lang="en-US" dirty="0"/>
-              <a:t>In this states page we see the states in the India this page will helps to the user which state the user wants </a:t>
+            <a:r>
+              <a:rPr lang="en-US" dirty="0"/>
+              <a:t>In forgot page before you change the password you must verify your details for the security purpose.</a:t>
+            </a:r>
+            <a:endParaRPr lang="en-IN" dirty="0"/>
+          </a:p>
+        </p:txBody>
+      </p:sp>
+      <p:sp>
+        <p:nvSpPr>
+          <p:cNvPr id="8" name="Arrow: Down 7">
+            <a:extLst>
+              <a:ext uri="{FF2B5EF4-FFF2-40B4-BE49-F238E27FC236}">
+                <a16:creationId xmlns:a16="http://schemas.microsoft.com/office/drawing/2014/main" id="{A0C5FE29-2279-70EC-4878-CC5F52C9F8E3}"/>
+              </a:ext>
+            </a:extLst>
+          </p:cNvPr>
+          <p:cNvSpPr/>
+          <p:nvPr/>
+        </p:nvSpPr>
+        <p:spPr>
+          <a:xfrm rot="16200000">
+            <a:off x="1330960" y="1660595"/>
+            <a:ext cx="335280" cy="701040"/>
+          </a:xfrm>
+          <a:prstGeom prst="downArrow">
+            <a:avLst/>
+          </a:prstGeom>
+        </p:spPr>
+        <p:style>
+          <a:lnRef idx="2">
+            <a:schemeClr val="accent1">
+              <a:shade val="15000"/>
+            </a:schemeClr>
+          </a:lnRef>
+          <a:fillRef idx="1">
+            <a:schemeClr val="accent1"/>
+          </a:fillRef>
+          <a:effectRef idx="0">
+            <a:schemeClr val="accent1"/>
+          </a:effectRef>
+          <a:fontRef idx="minor">
+            <a:schemeClr val="lt1"/>
+          </a:fontRef>
+        </p:style>
+        <p:txBody>
+          <a:bodyPr rtlCol="0" anchor="ctr"/>
+          <a:lstStyle/>
+          <a:p>
+            <a:pPr algn="ctr"/>
+            <a:endParaRPr lang="en-IN"/>
+          </a:p>
+        </p:txBody>
+      </p:sp>
+      <p:sp>
+        <p:nvSpPr>
+          <p:cNvPr id="9" name="TextBox 8">
+            <a:extLst>
+              <a:ext uri="{FF2B5EF4-FFF2-40B4-BE49-F238E27FC236}">
+                <a16:creationId xmlns:a16="http://schemas.microsoft.com/office/drawing/2014/main" id="{DC08D90A-8A01-C56B-41C4-E5C68963D897}"/>
+              </a:ext>
+            </a:extLst>
+          </p:cNvPr>
+          <p:cNvSpPr txBox="1"/>
+          <p:nvPr/>
+        </p:nvSpPr>
+        <p:spPr>
+          <a:xfrm>
+            <a:off x="1950720" y="1843475"/>
+            <a:ext cx="5262879" cy="646331"/>
+          </a:xfrm>
+          <a:prstGeom prst="rect">
+            <a:avLst/>
+          </a:prstGeom>
+          <a:noFill/>
+        </p:spPr>
+        <p:txBody>
+          <a:bodyPr wrap="square" rtlCol="0">
+            <a:spAutoFit/>
+          </a:bodyPr>
+          <a:lstStyle/>
+          <a:p>
+            <a:r>
+              <a:rPr lang="en-US" dirty="0"/>
+              <a:t>For the verify your details you can enter your email address and your mobile number.</a:t>
+            </a:r>
+            <a:endParaRPr lang="en-IN" dirty="0"/>
+          </a:p>
+        </p:txBody>
+      </p:sp>
+      <p:sp>
+        <p:nvSpPr>
+          <p:cNvPr id="10" name="Arrow: Down 9">
+            <a:extLst>
+              <a:ext uri="{FF2B5EF4-FFF2-40B4-BE49-F238E27FC236}">
+                <a16:creationId xmlns:a16="http://schemas.microsoft.com/office/drawing/2014/main" id="{78B427FB-2B89-396D-23DB-B332E56ACCC7}"/>
+              </a:ext>
+            </a:extLst>
+          </p:cNvPr>
+          <p:cNvSpPr/>
+          <p:nvPr/>
+        </p:nvSpPr>
+        <p:spPr>
+          <a:xfrm rot="16200000">
+            <a:off x="1365389" y="2664132"/>
+            <a:ext cx="272647" cy="694815"/>
+          </a:xfrm>
+          <a:prstGeom prst="downArrow">
+            <a:avLst/>
+          </a:prstGeom>
+        </p:spPr>
+        <p:style>
+          <a:lnRef idx="2">
+            <a:schemeClr val="accent1">
+              <a:shade val="15000"/>
+            </a:schemeClr>
+          </a:lnRef>
+          <a:fillRef idx="1">
+            <a:schemeClr val="accent1"/>
+          </a:fillRef>
+          <a:effectRef idx="0">
+            <a:schemeClr val="accent1"/>
+          </a:effectRef>
+          <a:fontRef idx="minor">
+            <a:schemeClr val="lt1"/>
+          </a:fontRef>
+        </p:style>
+        <p:txBody>
+          <a:bodyPr rtlCol="0" anchor="ctr"/>
+          <a:lstStyle/>
+          <a:p>
+            <a:pPr algn="ctr"/>
+            <a:endParaRPr lang="en-IN"/>
+          </a:p>
+        </p:txBody>
+      </p:sp>
+      <p:sp>
+        <p:nvSpPr>
+          <p:cNvPr id="11" name="TextBox 10">
+            <a:extLst>
+              <a:ext uri="{FF2B5EF4-FFF2-40B4-BE49-F238E27FC236}">
+                <a16:creationId xmlns:a16="http://schemas.microsoft.com/office/drawing/2014/main" id="{D8169E65-C0D0-0510-2CD7-CA7255B74026}"/>
+              </a:ext>
+            </a:extLst>
+          </p:cNvPr>
+          <p:cNvSpPr txBox="1"/>
+          <p:nvPr/>
+        </p:nvSpPr>
+        <p:spPr>
+          <a:xfrm>
+            <a:off x="1991360" y="2875216"/>
+            <a:ext cx="4998720" cy="923330"/>
+          </a:xfrm>
+          <a:prstGeom prst="rect">
+            <a:avLst/>
+          </a:prstGeom>
+          <a:noFill/>
+        </p:spPr>
+        <p:txBody>
+          <a:bodyPr wrap="square" rtlCol="0">
+            <a:spAutoFit/>
+          </a:bodyPr>
+          <a:lstStyle/>
+          <a:p>
+            <a:r>
+              <a:rPr lang="en-US" dirty="0"/>
+              <a:t>After that the user can press on the send </a:t>
             </a:r>
             <a:r>
               <a:rPr lang="en-US" dirty="0" err="1"/>
-              <a:t>tao</a:t>
-            </a:r>
-            <a:r>
-              <a:rPr lang="en-US" dirty="0"/>
-              <a:t> explore user can chose </a:t>
+              <a:t>otp</a:t>
+            </a:r>
+            <a:r>
+              <a:rPr lang="en-US" dirty="0"/>
+              <a:t> button . The server will helps to send opts </a:t>
+            </a:r>
+            <a:r>
+              <a:rPr lang="en-US" dirty="0" err="1"/>
+              <a:t>twilo</a:t>
+            </a:r>
+            <a:r>
+              <a:rPr lang="en-US" dirty="0"/>
+              <a:t> </a:t>
+            </a:r>
+          </a:p>
+          <a:p>
+            <a:r>
+              <a:rPr lang="en-US" dirty="0"/>
+              <a:t>To the mobile numbers</a:t>
+            </a:r>
+            <a:endParaRPr lang="en-IN" dirty="0"/>
+          </a:p>
+        </p:txBody>
+      </p:sp>
+      <p:sp>
+        <p:nvSpPr>
+          <p:cNvPr id="12" name="Arrow: Down 11">
+            <a:extLst>
+              <a:ext uri="{FF2B5EF4-FFF2-40B4-BE49-F238E27FC236}">
+                <a16:creationId xmlns:a16="http://schemas.microsoft.com/office/drawing/2014/main" id="{6D2365F9-C70A-9387-1C59-E3EA3076744C}"/>
+              </a:ext>
+            </a:extLst>
+          </p:cNvPr>
+          <p:cNvSpPr/>
+          <p:nvPr/>
+        </p:nvSpPr>
+        <p:spPr>
+          <a:xfrm rot="16200000">
+            <a:off x="1396837" y="3652027"/>
+            <a:ext cx="298901" cy="796415"/>
+          </a:xfrm>
+          <a:prstGeom prst="downArrow">
+            <a:avLst/>
+          </a:prstGeom>
+        </p:spPr>
+        <p:style>
+          <a:lnRef idx="2">
+            <a:schemeClr val="accent1">
+              <a:shade val="15000"/>
+            </a:schemeClr>
+          </a:lnRef>
+          <a:fillRef idx="1">
+            <a:schemeClr val="accent1"/>
+          </a:fillRef>
+          <a:effectRef idx="0">
+            <a:schemeClr val="accent1"/>
+          </a:effectRef>
+          <a:fontRef idx="minor">
+            <a:schemeClr val="lt1"/>
+          </a:fontRef>
+        </p:style>
+        <p:txBody>
+          <a:bodyPr rtlCol="0" anchor="ctr"/>
+          <a:lstStyle/>
+          <a:p>
+            <a:pPr algn="ctr"/>
+            <a:endParaRPr lang="en-IN"/>
+          </a:p>
+        </p:txBody>
+      </p:sp>
+      <p:sp>
+        <p:nvSpPr>
+          <p:cNvPr id="14" name="TextBox 13">
+            <a:extLst>
+              <a:ext uri="{FF2B5EF4-FFF2-40B4-BE49-F238E27FC236}">
+                <a16:creationId xmlns:a16="http://schemas.microsoft.com/office/drawing/2014/main" id="{3D977772-2C7E-A2E2-7BF6-BAC75B0E1159}"/>
+              </a:ext>
+            </a:extLst>
+          </p:cNvPr>
+          <p:cNvSpPr txBox="1"/>
+          <p:nvPr/>
+        </p:nvSpPr>
+        <p:spPr>
+          <a:xfrm>
+            <a:off x="2057595" y="3895130"/>
+            <a:ext cx="5156004" cy="1200329"/>
+          </a:xfrm>
+          <a:prstGeom prst="rect">
+            <a:avLst/>
+          </a:prstGeom>
+          <a:noFill/>
+        </p:spPr>
+        <p:txBody>
+          <a:bodyPr wrap="square" rtlCol="0">
+            <a:spAutoFit/>
+          </a:bodyPr>
+          <a:lstStyle/>
+          <a:p>
+            <a:r>
+              <a:rPr lang="en-US" dirty="0"/>
+              <a:t>In database fetch the mobile number for conformation of the availability of the </a:t>
+            </a:r>
+            <a:r>
+              <a:rPr lang="en-US" dirty="0" err="1"/>
+              <a:t>detailes</a:t>
+            </a:r>
+            <a:r>
+              <a:rPr lang="en-US" dirty="0"/>
+              <a:t> if there is an available then you can access to enter the </a:t>
+            </a:r>
+            <a:r>
+              <a:rPr lang="en-US" dirty="0" err="1"/>
+              <a:t>otp</a:t>
+            </a:r>
+            <a:r>
+              <a:rPr lang="en-US" dirty="0"/>
+              <a:t> that send to your mobile number  </a:t>
             </a:r>
             <a:endParaRPr lang="en-IN" dirty="0"/>
           </a:p>
@@ -4263,7 +4538,7 @@
     </p:spTree>
     <p:extLst>
       <p:ext uri="{BB962C8B-B14F-4D97-AF65-F5344CB8AC3E}">
-        <p14:creationId xmlns:p14="http://schemas.microsoft.com/office/powerpoint/2010/main" val="1688492484"/>
+        <p14:creationId xmlns:p14="http://schemas.microsoft.com/office/powerpoint/2010/main" val="465225687"/>
       </p:ext>
     </p:extLst>
   </p:cSld>
@@ -4298,7 +4573,7 @@
           <p:cNvPr id="2" name="Title 1">
             <a:extLst>
               <a:ext uri="{FF2B5EF4-FFF2-40B4-BE49-F238E27FC236}">
-                <a16:creationId xmlns:a16="http://schemas.microsoft.com/office/drawing/2014/main" id="{DA0678B4-5362-921A-53BE-D09404DB092C}"/>
+                <a16:creationId xmlns:a16="http://schemas.microsoft.com/office/drawing/2014/main" id="{55D646DD-ADFD-F17F-96C1-4325550544F2}"/>
               </a:ext>
             </a:extLst>
           </p:cNvPr>
@@ -4309,14 +4584,21 @@
             <p:ph type="title"/>
           </p:nvPr>
         </p:nvSpPr>
-        <p:spPr/>
-        <p:txBody>
-          <a:bodyPr/>
-          <a:lstStyle/>
-          <a:p>
-            <a:r>
-              <a:rPr lang="en-US" dirty="0"/>
-              <a:t>Search engine</a:t>
+        <p:spPr>
+          <a:xfrm>
+            <a:off x="1097280" y="286603"/>
+            <a:ext cx="10058400" cy="702305"/>
+          </a:xfrm>
+        </p:spPr>
+        <p:txBody>
+          <a:bodyPr>
+            <a:normAutofit fontScale="90000"/>
+          </a:bodyPr>
+          <a:lstStyle/>
+          <a:p>
+            <a:r>
+              <a:rPr lang="en-US" dirty="0"/>
+              <a:t>Home page</a:t>
             </a:r>
             <a:endParaRPr lang="en-IN" dirty="0"/>
           </a:p>
@@ -4327,7 +4609,7 @@
           <p:cNvPr id="5" name="Content Placeholder 4">
             <a:extLst>
               <a:ext uri="{FF2B5EF4-FFF2-40B4-BE49-F238E27FC236}">
-                <a16:creationId xmlns:a16="http://schemas.microsoft.com/office/drawing/2014/main" id="{60D4D2C3-C332-94E1-52E4-B414347AC082}"/>
+                <a16:creationId xmlns:a16="http://schemas.microsoft.com/office/drawing/2014/main" id="{3B33D8E6-1812-7D57-0758-42F0ECEBF443}"/>
               </a:ext>
             </a:extLst>
           </p:cNvPr>
@@ -4346,17 +4628,17 @@
         </p:blipFill>
         <p:spPr>
           <a:xfrm>
-            <a:off x="8770375" y="603864"/>
-            <a:ext cx="2563962" cy="5138174"/>
+            <a:off x="9557459" y="888127"/>
+            <a:ext cx="2070169" cy="4619625"/>
           </a:xfrm>
         </p:spPr>
       </p:pic>
       <p:sp>
         <p:nvSpPr>
-          <p:cNvPr id="7" name="TextBox 6">
-            <a:extLst>
-              <a:ext uri="{FF2B5EF4-FFF2-40B4-BE49-F238E27FC236}">
-                <a16:creationId xmlns:a16="http://schemas.microsoft.com/office/drawing/2014/main" id="{41099E9D-6666-15F6-E62B-CCA4A99BEE75}"/>
+          <p:cNvPr id="6" name="TextBox 5">
+            <a:extLst>
+              <a:ext uri="{FF2B5EF4-FFF2-40B4-BE49-F238E27FC236}">
+                <a16:creationId xmlns:a16="http://schemas.microsoft.com/office/drawing/2014/main" id="{8DB913C1-134A-B7D4-D19D-F8F7FC8D7327}"/>
               </a:ext>
             </a:extLst>
           </p:cNvPr>
@@ -4364,9 +4646,9 @@
           <p:nvPr/>
         </p:nvSpPr>
         <p:spPr>
-          <a:xfrm>
-            <a:off x="1376516" y="2389239"/>
-            <a:ext cx="6322142" cy="923330"/>
+          <a:xfrm rot="10800000" flipH="1" flipV="1">
+            <a:off x="1199535" y="1832642"/>
+            <a:ext cx="6656439" cy="923330"/>
           </a:xfrm>
           <a:prstGeom prst="rect">
             <a:avLst/>
@@ -4381,10 +4663,52 @@
           <a:p>
             <a:r>
               <a:rPr lang="en-US" dirty="0"/>
-              <a:t>If the user can go though the search page this search engine will redirect the states page </a:t>
-            </a:r>
-          </a:p>
-          <a:p>
+              <a:t>This  is home page  in the home page as you see at the  at the  bottom we there are  home navigation ,search navigation ,booking navigation ,and the profile navigation </a:t>
+            </a:r>
+            <a:endParaRPr lang="en-IN" dirty="0"/>
+          </a:p>
+        </p:txBody>
+      </p:sp>
+      <p:sp>
+        <p:nvSpPr>
+          <p:cNvPr id="7" name="TextBox 6">
+            <a:extLst>
+              <a:ext uri="{FF2B5EF4-FFF2-40B4-BE49-F238E27FC236}">
+                <a16:creationId xmlns:a16="http://schemas.microsoft.com/office/drawing/2014/main" id="{D0913E1E-9D86-6ED4-CE92-F1C79069E4E0}"/>
+              </a:ext>
+            </a:extLst>
+          </p:cNvPr>
+          <p:cNvSpPr txBox="1"/>
+          <p:nvPr/>
+        </p:nvSpPr>
+        <p:spPr>
+          <a:xfrm>
+            <a:off x="1332271" y="2971800"/>
+            <a:ext cx="6189406" cy="923330"/>
+          </a:xfrm>
+          <a:prstGeom prst="rect">
+            <a:avLst/>
+          </a:prstGeom>
+          <a:noFill/>
+        </p:spPr>
+        <p:txBody>
+          <a:bodyPr wrap="square" rtlCol="0">
+            <a:spAutoFit/>
+          </a:bodyPr>
+          <a:lstStyle/>
+          <a:p>
+            <a:r>
+              <a:rPr lang="en-US" dirty="0"/>
+              <a:t>In the interface there are we add places and hotels and  the user wants to give any feed back about the any </a:t>
+            </a:r>
+            <a:r>
+              <a:rPr lang="en-US" dirty="0" err="1"/>
+              <a:t>qiuary</a:t>
+            </a:r>
+            <a:r>
+              <a:rPr lang="en-US" dirty="0"/>
+              <a:t> we also provide that option also.</a:t>
+            </a:r>
             <a:endParaRPr lang="en-IN" dirty="0"/>
           </a:p>
         </p:txBody>
@@ -4392,7 +4716,7 @@
     </p:spTree>
     <p:extLst>
       <p:ext uri="{BB962C8B-B14F-4D97-AF65-F5344CB8AC3E}">
-        <p14:creationId xmlns:p14="http://schemas.microsoft.com/office/powerpoint/2010/main" val="2386968873"/>
+        <p14:creationId xmlns:p14="http://schemas.microsoft.com/office/powerpoint/2010/main" val="3947562125"/>
       </p:ext>
     </p:extLst>
   </p:cSld>
@@ -4427,7 +4751,7 @@
           <p:cNvPr id="2" name="Title 1">
             <a:extLst>
               <a:ext uri="{FF2B5EF4-FFF2-40B4-BE49-F238E27FC236}">
-                <a16:creationId xmlns:a16="http://schemas.microsoft.com/office/drawing/2014/main" id="{50EF8C8A-C88C-0D83-59A1-36E7070D3946}"/>
+                <a16:creationId xmlns:a16="http://schemas.microsoft.com/office/drawing/2014/main" id="{088F011A-B034-70C3-BB86-CCD250DE87AA}"/>
               </a:ext>
             </a:extLst>
           </p:cNvPr>
@@ -4445,7 +4769,7 @@
           <a:p>
             <a:r>
               <a:rPr lang="en-US" dirty="0"/>
-              <a:t>Inside state page </a:t>
+              <a:t>States page </a:t>
             </a:r>
             <a:endParaRPr lang="en-IN" dirty="0"/>
           </a:p>
@@ -4456,7 +4780,7 @@
           <p:cNvPr id="5" name="Content Placeholder 4">
             <a:extLst>
               <a:ext uri="{FF2B5EF4-FFF2-40B4-BE49-F238E27FC236}">
-                <a16:creationId xmlns:a16="http://schemas.microsoft.com/office/drawing/2014/main" id="{826E5458-6AA8-0C8D-5AA1-1A9B6CE9D51F}"/>
+                <a16:creationId xmlns:a16="http://schemas.microsoft.com/office/drawing/2014/main" id="{792541F4-2B5C-98E8-9EE9-8707EC904DC0}"/>
               </a:ext>
             </a:extLst>
           </p:cNvPr>
@@ -4475,8 +4799,8 @@
         </p:blipFill>
         <p:spPr>
           <a:xfrm>
-            <a:off x="9409417" y="889000"/>
-            <a:ext cx="1685303" cy="3760788"/>
+            <a:off x="8878529" y="732527"/>
+            <a:ext cx="2760607" cy="5186491"/>
           </a:xfrm>
         </p:spPr>
       </p:pic>
@@ -4485,7 +4809,7 @@
           <p:cNvPr id="6" name="TextBox 5">
             <a:extLst>
               <a:ext uri="{FF2B5EF4-FFF2-40B4-BE49-F238E27FC236}">
-                <a16:creationId xmlns:a16="http://schemas.microsoft.com/office/drawing/2014/main" id="{9F1AB1AB-1F21-8AE0-F78B-FE16B1DA6666}"/>
+                <a16:creationId xmlns:a16="http://schemas.microsoft.com/office/drawing/2014/main" id="{91777A18-C22C-D768-0CAE-85C07285D788}"/>
               </a:ext>
             </a:extLst>
           </p:cNvPr>
@@ -4494,8 +4818,8 @@
         </p:nvSpPr>
         <p:spPr>
           <a:xfrm>
-            <a:off x="1097279" y="2094271"/>
-            <a:ext cx="7535443" cy="1200329"/>
+            <a:off x="1253613" y="2207342"/>
+            <a:ext cx="6159910" cy="923330"/>
           </a:xfrm>
           <a:prstGeom prst="rect">
             <a:avLst/>
@@ -4508,18 +4832,9 @@
           </a:bodyPr>
           <a:lstStyle/>
           <a:p>
-            <a:pPr algn="just"/>
-            <a:r>
-              <a:rPr lang="en-US" dirty="0"/>
-              <a:t>Here the user can choses the Telangana  state in side of the </a:t>
-            </a:r>
-            <a:r>
-              <a:rPr lang="en-US" dirty="0" err="1"/>
-              <a:t>Telngana</a:t>
-            </a:r>
-            <a:r>
-              <a:rPr lang="en-US" dirty="0"/>
-              <a:t> state   we see the paces to visit if the user can click on any place then it will redirect the next page , after that n the interface there is some information about the state an the culture of the state.</a:t>
+            <a:r>
+              <a:rPr lang="en-US" dirty="0"/>
+              <a:t>In this states page we see the states in the India this page will helps to the user which state the user wants to explore user can chose </a:t>
             </a:r>
             <a:endParaRPr lang="en-IN" dirty="0"/>
           </a:p>
@@ -4528,7 +4843,7 @@
     </p:spTree>
     <p:extLst>
       <p:ext uri="{BB962C8B-B14F-4D97-AF65-F5344CB8AC3E}">
-        <p14:creationId xmlns:p14="http://schemas.microsoft.com/office/powerpoint/2010/main" val="2137837853"/>
+        <p14:creationId xmlns:p14="http://schemas.microsoft.com/office/powerpoint/2010/main" val="1688492484"/>
       </p:ext>
     </p:extLst>
   </p:cSld>
@@ -4563,7 +4878,7 @@
           <p:cNvPr id="2" name="Title 1">
             <a:extLst>
               <a:ext uri="{FF2B5EF4-FFF2-40B4-BE49-F238E27FC236}">
-                <a16:creationId xmlns:a16="http://schemas.microsoft.com/office/drawing/2014/main" id="{C527CDEB-FC58-CDAE-75CF-CC387604D722}"/>
+                <a16:creationId xmlns:a16="http://schemas.microsoft.com/office/drawing/2014/main" id="{DA0678B4-5362-921A-53BE-D09404DB092C}"/>
               </a:ext>
             </a:extLst>
           </p:cNvPr>
@@ -4581,7 +4896,7 @@
           <a:p>
             <a:r>
               <a:rPr lang="en-US" dirty="0"/>
-              <a:t>Place to visit</a:t>
+              <a:t>Search engine</a:t>
             </a:r>
             <a:endParaRPr lang="en-IN" dirty="0"/>
           </a:p>
@@ -4592,7 +4907,7 @@
           <p:cNvPr id="5" name="Content Placeholder 4">
             <a:extLst>
               <a:ext uri="{FF2B5EF4-FFF2-40B4-BE49-F238E27FC236}">
-                <a16:creationId xmlns:a16="http://schemas.microsoft.com/office/drawing/2014/main" id="{8044A2F3-A58E-2F75-4AF4-EDFBFBF5A218}"/>
+                <a16:creationId xmlns:a16="http://schemas.microsoft.com/office/drawing/2014/main" id="{60D4D2C3-C332-94E1-52E4-B414347AC082}"/>
               </a:ext>
             </a:extLst>
           </p:cNvPr>
@@ -4611,8 +4926,8 @@
         </p:blipFill>
         <p:spPr>
           <a:xfrm>
-            <a:off x="9658866" y="1548606"/>
-            <a:ext cx="1685303" cy="3760788"/>
+            <a:off x="8770375" y="603864"/>
+            <a:ext cx="2563962" cy="5138174"/>
           </a:xfrm>
         </p:spPr>
       </p:pic>
@@ -4621,7 +4936,7 @@
           <p:cNvPr id="7" name="TextBox 6">
             <a:extLst>
               <a:ext uri="{FF2B5EF4-FFF2-40B4-BE49-F238E27FC236}">
-                <a16:creationId xmlns:a16="http://schemas.microsoft.com/office/drawing/2014/main" id="{D0ECE09E-6E11-5C2A-9364-C697BD078665}"/>
+                <a16:creationId xmlns:a16="http://schemas.microsoft.com/office/drawing/2014/main" id="{41099E9D-6666-15F6-E62B-CCA4A99BEE75}"/>
               </a:ext>
             </a:extLst>
           </p:cNvPr>
@@ -4630,8 +4945,8 @@
         </p:nvSpPr>
         <p:spPr>
           <a:xfrm>
-            <a:off x="1097280" y="2074606"/>
-            <a:ext cx="7584604" cy="923330"/>
+            <a:off x="1376516" y="2389239"/>
+            <a:ext cx="6322142" cy="923330"/>
           </a:xfrm>
           <a:prstGeom prst="rect">
             <a:avLst/>
@@ -4644,11 +4959,12 @@
           </a:bodyPr>
           <a:lstStyle/>
           <a:p>
-            <a:pPr algn="just"/>
-            <a:r>
-              <a:rPr lang="en-US" dirty="0"/>
-              <a:t>If the user  can click on the give list of places the it will redirected to the place of the page .in that interface we seen the list of mode of travelling to reach the chosen destination. </a:t>
-            </a:r>
+            <a:r>
+              <a:rPr lang="en-US" dirty="0"/>
+              <a:t>If the user can go though the search page this search engine will redirect the states page </a:t>
+            </a:r>
+          </a:p>
+          <a:p>
             <a:endParaRPr lang="en-IN" dirty="0"/>
           </a:p>
         </p:txBody>
@@ -4656,7 +4972,7 @@
     </p:spTree>
     <p:extLst>
       <p:ext uri="{BB962C8B-B14F-4D97-AF65-F5344CB8AC3E}">
-        <p14:creationId xmlns:p14="http://schemas.microsoft.com/office/powerpoint/2010/main" val="2967653657"/>
+        <p14:creationId xmlns:p14="http://schemas.microsoft.com/office/powerpoint/2010/main" val="2386968873"/>
       </p:ext>
     </p:extLst>
   </p:cSld>
@@ -4691,7 +5007,7 @@
           <p:cNvPr id="2" name="Title 1">
             <a:extLst>
               <a:ext uri="{FF2B5EF4-FFF2-40B4-BE49-F238E27FC236}">
-                <a16:creationId xmlns:a16="http://schemas.microsoft.com/office/drawing/2014/main" id="{C27B4C3F-D913-9F91-67E0-DF79E054F50A}"/>
+                <a16:creationId xmlns:a16="http://schemas.microsoft.com/office/drawing/2014/main" id="{50EF8C8A-C88C-0D83-59A1-36E7070D3946}"/>
               </a:ext>
             </a:extLst>
           </p:cNvPr>
@@ -4709,7 +5025,7 @@
           <a:p>
             <a:r>
               <a:rPr lang="en-US" dirty="0"/>
-              <a:t>Mode of  transport </a:t>
+              <a:t>Inside state page </a:t>
             </a:r>
             <a:endParaRPr lang="en-IN" dirty="0"/>
           </a:p>
@@ -4720,7 +5036,7 @@
           <p:cNvPr id="5" name="Content Placeholder 4">
             <a:extLst>
               <a:ext uri="{FF2B5EF4-FFF2-40B4-BE49-F238E27FC236}">
-                <a16:creationId xmlns:a16="http://schemas.microsoft.com/office/drawing/2014/main" id="{CA07DBDC-AB0B-6386-7560-671E4BAADDE8}"/>
+                <a16:creationId xmlns:a16="http://schemas.microsoft.com/office/drawing/2014/main" id="{826E5458-6AA8-0C8D-5AA1-1A9B6CE9D51F}"/>
               </a:ext>
             </a:extLst>
           </p:cNvPr>
@@ -4739,47 +5055,17 @@
         </p:blipFill>
         <p:spPr>
           <a:xfrm>
-            <a:off x="6896001" y="1882058"/>
+            <a:off x="9409417" y="889000"/>
             <a:ext cx="1685303" cy="3760788"/>
           </a:xfrm>
         </p:spPr>
       </p:pic>
-      <p:pic>
-        <p:nvPicPr>
-          <p:cNvPr id="7" name="Picture 6">
-            <a:extLst>
-              <a:ext uri="{FF2B5EF4-FFF2-40B4-BE49-F238E27FC236}">
-                <a16:creationId xmlns:a16="http://schemas.microsoft.com/office/drawing/2014/main" id="{3EAFDB98-FA96-6777-3F45-1811040AD79D}"/>
-              </a:ext>
-            </a:extLst>
-          </p:cNvPr>
-          <p:cNvPicPr>
-            <a:picLocks noChangeAspect="1"/>
-          </p:cNvPicPr>
-          <p:nvPr/>
-        </p:nvPicPr>
-        <p:blipFill>
-          <a:blip r:embed="rId3"/>
-          <a:stretch>
-            <a:fillRect/>
-          </a:stretch>
-        </p:blipFill>
-        <p:spPr>
-          <a:xfrm>
-            <a:off x="9135314" y="1882059"/>
-            <a:ext cx="1959406" cy="3760788"/>
-          </a:xfrm>
-          <a:prstGeom prst="rect">
-            <a:avLst/>
-          </a:prstGeom>
-        </p:spPr>
-      </p:pic>
-      <p:sp>
-        <p:nvSpPr>
-          <p:cNvPr id="8" name="TextBox 7">
-            <a:extLst>
-              <a:ext uri="{FF2B5EF4-FFF2-40B4-BE49-F238E27FC236}">
-                <a16:creationId xmlns:a16="http://schemas.microsoft.com/office/drawing/2014/main" id="{85E71E58-0359-F932-84B9-B43C99D15723}"/>
+      <p:sp>
+        <p:nvSpPr>
+          <p:cNvPr id="6" name="TextBox 5">
+            <a:extLst>
+              <a:ext uri="{FF2B5EF4-FFF2-40B4-BE49-F238E27FC236}">
+                <a16:creationId xmlns:a16="http://schemas.microsoft.com/office/drawing/2014/main" id="{9F1AB1AB-1F21-8AE0-F78B-FE16B1DA6666}"/>
               </a:ext>
             </a:extLst>
           </p:cNvPr>
@@ -4788,8 +5074,8 @@
         </p:nvSpPr>
         <p:spPr>
           <a:xfrm>
-            <a:off x="1194618" y="2128683"/>
-            <a:ext cx="5039033" cy="923330"/>
+            <a:off x="1097279" y="2094271"/>
+            <a:ext cx="7535443" cy="1200329"/>
           </a:xfrm>
           <a:prstGeom prst="rect">
             <a:avLst/>
@@ -4802,22 +5088,17 @@
           </a:bodyPr>
           <a:lstStyle/>
           <a:p>
-            <a:pPr algn="just"/>
-            <a:r>
-              <a:rPr lang="en-US" dirty="0"/>
-              <a:t>If the user reach the destination. After </a:t>
+            <a:r>
+              <a:rPr lang="en-US" dirty="0"/>
+              <a:t>Here the user can choses the Telangana  state in side of the </a:t>
             </a:r>
             <a:r>
               <a:rPr lang="en-US" dirty="0" err="1"/>
-              <a:t>rach</a:t>
-            </a:r>
-            <a:r>
-              <a:rPr lang="en-US" dirty="0"/>
-              <a:t> the destination user can use travel  locally via </a:t>
-            </a:r>
-            <a:r>
-              <a:rPr lang="en-US" dirty="0" err="1"/>
-              <a:t>bikes,cars</a:t>
+              <a:t>Telngana</a:t>
+            </a:r>
+            <a:r>
+              <a:rPr lang="en-US" dirty="0"/>
+              <a:t> state   we see the paces to visit if the user can click on any place then it will redirect the next page , after that n the interface there is some information about the state an the culture of the state.</a:t>
             </a:r>
             <a:endParaRPr lang="en-IN" dirty="0"/>
           </a:p>
@@ -4826,7 +5107,7 @@
     </p:spTree>
     <p:extLst>
       <p:ext uri="{BB962C8B-B14F-4D97-AF65-F5344CB8AC3E}">
-        <p14:creationId xmlns:p14="http://schemas.microsoft.com/office/powerpoint/2010/main" val="1063004387"/>
+        <p14:creationId xmlns:p14="http://schemas.microsoft.com/office/powerpoint/2010/main" val="2137837853"/>
       </p:ext>
     </p:extLst>
   </p:cSld>
@@ -4861,7 +5142,7 @@
           <p:cNvPr id="2" name="Title 1">
             <a:extLst>
               <a:ext uri="{FF2B5EF4-FFF2-40B4-BE49-F238E27FC236}">
-                <a16:creationId xmlns:a16="http://schemas.microsoft.com/office/drawing/2014/main" id="{231CBAC8-9AF0-7A70-9B57-B6567D6C3F84}"/>
+                <a16:creationId xmlns:a16="http://schemas.microsoft.com/office/drawing/2014/main" id="{C527CDEB-FC58-CDAE-75CF-CC387604D722}"/>
               </a:ext>
             </a:extLst>
           </p:cNvPr>
@@ -4879,7 +5160,7 @@
           <a:p>
             <a:r>
               <a:rPr lang="en-US" dirty="0"/>
-              <a:t>Profile page </a:t>
+              <a:t>Place to visit</a:t>
             </a:r>
             <a:endParaRPr lang="en-IN" dirty="0"/>
           </a:p>
@@ -4890,7 +5171,7 @@
           <p:cNvPr id="5" name="Content Placeholder 4">
             <a:extLst>
               <a:ext uri="{FF2B5EF4-FFF2-40B4-BE49-F238E27FC236}">
-                <a16:creationId xmlns:a16="http://schemas.microsoft.com/office/drawing/2014/main" id="{C5D1FB0F-B464-41E2-3A00-7F8795983538}"/>
+                <a16:creationId xmlns:a16="http://schemas.microsoft.com/office/drawing/2014/main" id="{8044A2F3-A58E-2F75-4AF4-EDFBFBF5A218}"/>
               </a:ext>
             </a:extLst>
           </p:cNvPr>
@@ -4909,7 +5190,7 @@
         </p:blipFill>
         <p:spPr>
           <a:xfrm>
-            <a:off x="9470377" y="1891890"/>
+            <a:off x="9658866" y="1548606"/>
             <a:ext cx="1685303" cy="3760788"/>
           </a:xfrm>
         </p:spPr>
@@ -4919,7 +5200,7 @@
           <p:cNvPr id="7" name="TextBox 6">
             <a:extLst>
               <a:ext uri="{FF2B5EF4-FFF2-40B4-BE49-F238E27FC236}">
-                <a16:creationId xmlns:a16="http://schemas.microsoft.com/office/drawing/2014/main" id="{69B9399D-D219-B95C-0DA7-D01BC650BF9F}"/>
+                <a16:creationId xmlns:a16="http://schemas.microsoft.com/office/drawing/2014/main" id="{D0ECE09E-6E11-5C2A-9364-C697BD078665}"/>
               </a:ext>
             </a:extLst>
           </p:cNvPr>
@@ -4927,9 +5208,9 @@
           <p:nvPr/>
         </p:nvSpPr>
         <p:spPr>
-          <a:xfrm flipH="1">
-            <a:off x="1264428" y="2171143"/>
-            <a:ext cx="6296577" cy="646331"/>
+          <a:xfrm>
+            <a:off x="1097280" y="2074606"/>
+            <a:ext cx="7584604" cy="923330"/>
           </a:xfrm>
           <a:prstGeom prst="rect">
             <a:avLst/>
@@ -4942,18 +5223,9 @@
           </a:bodyPr>
           <a:lstStyle/>
           <a:p>
-            <a:pPr algn="just"/>
-            <a:r>
-              <a:rPr lang="en-US" dirty="0"/>
-              <a:t>In this  profile page  </a:t>
-            </a:r>
-            <a:r>
-              <a:rPr lang="en-US" dirty="0" err="1"/>
-              <a:t>diplay</a:t>
-            </a:r>
-            <a:r>
-              <a:rPr lang="en-US" dirty="0"/>
-              <a:t> user details and the log out button for the log out from the user account</a:t>
+            <a:r>
+              <a:rPr lang="en-US" dirty="0"/>
+              <a:t>If the user  can click on the give list of places the it will redirected to the place of the page .in that interface we seen the list of mode of travelling to reach the chosen destination. </a:t>
             </a:r>
             <a:endParaRPr lang="en-IN" dirty="0"/>
           </a:p>
@@ -4962,7 +5234,7 @@
     </p:spTree>
     <p:extLst>
       <p:ext uri="{BB962C8B-B14F-4D97-AF65-F5344CB8AC3E}">
-        <p14:creationId xmlns:p14="http://schemas.microsoft.com/office/powerpoint/2010/main" val="3727284446"/>
+        <p14:creationId xmlns:p14="http://schemas.microsoft.com/office/powerpoint/2010/main" val="2967653657"/>
       </p:ext>
     </p:extLst>
   </p:cSld>
@@ -4997,7 +5269,7 @@
           <p:cNvPr id="2" name="Title 1">
             <a:extLst>
               <a:ext uri="{FF2B5EF4-FFF2-40B4-BE49-F238E27FC236}">
-                <a16:creationId xmlns:a16="http://schemas.microsoft.com/office/drawing/2014/main" id="{3678808B-D9F2-5373-7E29-020CF787FD41}"/>
+                <a16:creationId xmlns:a16="http://schemas.microsoft.com/office/drawing/2014/main" id="{C27B4C3F-D913-9F91-67E0-DF79E054F50A}"/>
               </a:ext>
             </a:extLst>
           </p:cNvPr>
@@ -5015,154 +5287,114 @@
           <a:p>
             <a:r>
               <a:rPr lang="en-US" dirty="0"/>
-              <a:t>References</a:t>
+              <a:t>Mode of  transport </a:t>
             </a:r>
             <a:endParaRPr lang="en-IN" dirty="0"/>
           </a:p>
         </p:txBody>
       </p:sp>
-      <p:sp>
-        <p:nvSpPr>
-          <p:cNvPr id="3" name="Content Placeholder 2">
-            <a:extLst>
-              <a:ext uri="{FF2B5EF4-FFF2-40B4-BE49-F238E27FC236}">
-                <a16:creationId xmlns:a16="http://schemas.microsoft.com/office/drawing/2014/main" id="{882B1536-8681-685F-B349-A606176349B6}"/>
-              </a:ext>
-            </a:extLst>
-          </p:cNvPr>
-          <p:cNvSpPr>
-            <a:spLocks noGrp="1"/>
-          </p:cNvSpPr>
+      <p:pic>
+        <p:nvPicPr>
+          <p:cNvPr id="5" name="Content Placeholder 4">
+            <a:extLst>
+              <a:ext uri="{FF2B5EF4-FFF2-40B4-BE49-F238E27FC236}">
+                <a16:creationId xmlns:a16="http://schemas.microsoft.com/office/drawing/2014/main" id="{CA07DBDC-AB0B-6386-7560-671E4BAADDE8}"/>
+              </a:ext>
+            </a:extLst>
+          </p:cNvPr>
+          <p:cNvPicPr>
+            <a:picLocks noGrp="1" noChangeAspect="1"/>
+          </p:cNvPicPr>
           <p:nvPr>
             <p:ph idx="1"/>
           </p:nvPr>
-        </p:nvSpPr>
-        <p:spPr/>
-        <p:txBody>
-          <a:bodyPr/>
-          <a:lstStyle/>
-          <a:p>
-            <a:pPr rtl="0">
-              <a:spcBef>
-                <a:spcPts val="200"/>
-              </a:spcBef>
-              <a:spcAft>
-                <a:spcPts val="400"/>
-              </a:spcAft>
-              <a:buNone/>
-            </a:pPr>
-            <a:r>
-              <a:rPr lang="en-US" sz="1800" b="1" i="0" u="none" strike="noStrike" dirty="0">
-                <a:solidFill>
-                  <a:srgbClr val="404040"/>
-                </a:solidFill>
-                <a:effectLst/>
-                <a:latin typeface="Arial" panose="020B0604020202020204" pitchFamily="34" charset="0"/>
-              </a:rPr>
-              <a:t>References :</a:t>
-            </a:r>
-            <a:endParaRPr lang="en-US" b="0" dirty="0">
-              <a:effectLst/>
-            </a:endParaRPr>
-          </a:p>
-          <a:p>
-            <a:pPr rtl="0">
-              <a:spcBef>
-                <a:spcPts val="200"/>
-              </a:spcBef>
-              <a:spcAft>
-                <a:spcPts val="400"/>
-              </a:spcAft>
-              <a:buNone/>
-            </a:pPr>
-            <a:br>
-              <a:rPr lang="en-US" b="0" dirty="0">
-                <a:effectLst/>
-              </a:rPr>
-            </a:br>
-            <a:r>
-              <a:rPr lang="en-US" sz="1800" b="0" i="0" u="none" strike="noStrike" dirty="0">
-                <a:solidFill>
-                  <a:srgbClr val="404040"/>
-                </a:solidFill>
-                <a:effectLst/>
-                <a:latin typeface="Arial" panose="020B0604020202020204" pitchFamily="34" charset="0"/>
-              </a:rPr>
-              <a:t>We used the </a:t>
-            </a:r>
-            <a:r>
-              <a:rPr lang="en-US" sz="1800" b="0" i="0" u="sng" strike="noStrike" dirty="0">
-                <a:solidFill>
-                  <a:srgbClr val="1155CC"/>
-                </a:solidFill>
-                <a:effectLst/>
-                <a:latin typeface="Arial" panose="020B0604020202020204" pitchFamily="34" charset="0"/>
-                <a:hlinkClick r:id="rId2"/>
-              </a:rPr>
-              <a:t>www.youtube.com</a:t>
-            </a:r>
-            <a:r>
-              <a:rPr lang="en-US" sz="1800" b="0" i="0" u="none" strike="noStrike" dirty="0">
-                <a:solidFill>
-                  <a:srgbClr val="404040"/>
-                </a:solidFill>
-                <a:effectLst/>
-                <a:latin typeface="Arial" panose="020B0604020202020204" pitchFamily="34" charset="0"/>
-              </a:rPr>
-              <a:t> </a:t>
-            </a:r>
-            <a:endParaRPr lang="en-US" b="0" dirty="0">
-              <a:effectLst/>
-            </a:endParaRPr>
-          </a:p>
-          <a:p>
-            <a:pPr rtl="0">
-              <a:spcBef>
-                <a:spcPts val="200"/>
-              </a:spcBef>
-              <a:spcAft>
-                <a:spcPts val="400"/>
-              </a:spcAft>
-              <a:buNone/>
-            </a:pPr>
-            <a:r>
-              <a:rPr lang="en-US" sz="1800" b="0" i="0" u="none" strike="noStrike" dirty="0">
-                <a:solidFill>
-                  <a:srgbClr val="404040"/>
-                </a:solidFill>
-                <a:effectLst/>
-                <a:latin typeface="Arial" panose="020B0604020202020204" pitchFamily="34" charset="0"/>
-              </a:rPr>
-              <a:t>To know about the basics of the android app building and </a:t>
-            </a:r>
-            <a:endParaRPr lang="en-US" b="0" dirty="0">
-              <a:effectLst/>
-            </a:endParaRPr>
-          </a:p>
-          <a:p>
-            <a:pPr algn="just">
-              <a:buNone/>
-            </a:pPr>
-            <a:r>
-              <a:rPr lang="en-US" sz="1800" b="0" i="0" u="sng" strike="noStrike" dirty="0">
-                <a:solidFill>
-                  <a:srgbClr val="1155CC"/>
-                </a:solidFill>
-                <a:effectLst/>
-                <a:latin typeface="Arial" panose="020B0604020202020204" pitchFamily="34" charset="0"/>
-                <a:hlinkClick r:id="rId3"/>
-              </a:rPr>
-              <a:t>https://geeksforgeek.com</a:t>
-            </a:r>
-            <a:r>
-              <a:rPr lang="en-US" sz="1800" b="0" i="0" u="none" strike="noStrike" dirty="0">
-                <a:solidFill>
-                  <a:srgbClr val="404040"/>
-                </a:solidFill>
-                <a:effectLst/>
-                <a:latin typeface="Arial" panose="020B0604020202020204" pitchFamily="34" charset="0"/>
-              </a:rPr>
-              <a:t> also helps to know about the basic design</a:t>
+        </p:nvPicPr>
+        <p:blipFill>
+          <a:blip r:embed="rId2"/>
+          <a:stretch>
+            <a:fillRect/>
+          </a:stretch>
+        </p:blipFill>
+        <p:spPr>
+          <a:xfrm>
+            <a:off x="6896001" y="1882058"/>
+            <a:ext cx="1685303" cy="3760788"/>
+          </a:xfrm>
+        </p:spPr>
+      </p:pic>
+      <p:pic>
+        <p:nvPicPr>
+          <p:cNvPr id="7" name="Picture 6">
+            <a:extLst>
+              <a:ext uri="{FF2B5EF4-FFF2-40B4-BE49-F238E27FC236}">
+                <a16:creationId xmlns:a16="http://schemas.microsoft.com/office/drawing/2014/main" id="{3EAFDB98-FA96-6777-3F45-1811040AD79D}"/>
+              </a:ext>
+            </a:extLst>
+          </p:cNvPr>
+          <p:cNvPicPr>
+            <a:picLocks noChangeAspect="1"/>
+          </p:cNvPicPr>
+          <p:nvPr/>
+        </p:nvPicPr>
+        <p:blipFill>
+          <a:blip r:embed="rId3"/>
+          <a:stretch>
+            <a:fillRect/>
+          </a:stretch>
+        </p:blipFill>
+        <p:spPr>
+          <a:xfrm>
+            <a:off x="9135314" y="1882059"/>
+            <a:ext cx="1959406" cy="3760788"/>
+          </a:xfrm>
+          <a:prstGeom prst="rect">
+            <a:avLst/>
+          </a:prstGeom>
+        </p:spPr>
+      </p:pic>
+      <p:sp>
+        <p:nvSpPr>
+          <p:cNvPr id="8" name="TextBox 7">
+            <a:extLst>
+              <a:ext uri="{FF2B5EF4-FFF2-40B4-BE49-F238E27FC236}">
+                <a16:creationId xmlns:a16="http://schemas.microsoft.com/office/drawing/2014/main" id="{85E71E58-0359-F932-84B9-B43C99D15723}"/>
+              </a:ext>
+            </a:extLst>
+          </p:cNvPr>
+          <p:cNvSpPr txBox="1"/>
+          <p:nvPr/>
+        </p:nvSpPr>
+        <p:spPr>
+          <a:xfrm>
+            <a:off x="1194618" y="2128683"/>
+            <a:ext cx="5039033" cy="923330"/>
+          </a:xfrm>
+          <a:prstGeom prst="rect">
+            <a:avLst/>
+          </a:prstGeom>
+          <a:noFill/>
+        </p:spPr>
+        <p:txBody>
+          <a:bodyPr wrap="square" rtlCol="0">
+            <a:spAutoFit/>
+          </a:bodyPr>
+          <a:lstStyle/>
+          <a:p>
+            <a:r>
+              <a:rPr lang="en-US" dirty="0"/>
+              <a:t>If the user reach the destination. After </a:t>
+            </a:r>
+            <a:r>
+              <a:rPr lang="en-US" dirty="0" err="1"/>
+              <a:t>rach</a:t>
+            </a:r>
+            <a:r>
+              <a:rPr lang="en-US" dirty="0"/>
+              <a:t> the destination user can use travel  locally via </a:t>
+            </a:r>
+            <a:r>
+              <a:rPr lang="en-US" dirty="0" err="1"/>
+              <a:t>bikes,cars</a:t>
             </a:r>
             <a:endParaRPr lang="en-IN" dirty="0"/>
           </a:p>
@@ -5171,7 +5403,7 @@
     </p:spTree>
     <p:extLst>
       <p:ext uri="{BB962C8B-B14F-4D97-AF65-F5344CB8AC3E}">
-        <p14:creationId xmlns:p14="http://schemas.microsoft.com/office/powerpoint/2010/main" val="1034018857"/>
+        <p14:creationId xmlns:p14="http://schemas.microsoft.com/office/powerpoint/2010/main" val="1063004387"/>
       </p:ext>
     </p:extLst>
   </p:cSld>
@@ -5206,7 +5438,7 @@
           <p:cNvPr id="2" name="Title 1">
             <a:extLst>
               <a:ext uri="{FF2B5EF4-FFF2-40B4-BE49-F238E27FC236}">
-                <a16:creationId xmlns:a16="http://schemas.microsoft.com/office/drawing/2014/main" id="{8F8AFA23-4816-4EFE-9B69-5B039853EED7}"/>
+                <a16:creationId xmlns:a16="http://schemas.microsoft.com/office/drawing/2014/main" id="{231CBAC8-9AF0-7A70-9B57-B6567D6C3F84}"/>
               </a:ext>
             </a:extLst>
           </p:cNvPr>
@@ -5217,56 +5449,54 @@
             <p:ph type="title"/>
           </p:nvPr>
         </p:nvSpPr>
-        <p:spPr>
-          <a:xfrm flipV="1">
-            <a:off x="1097280" y="-698090"/>
-            <a:ext cx="10058400" cy="984693"/>
-          </a:xfrm>
-        </p:spPr>
+        <p:spPr/>
         <p:txBody>
           <a:bodyPr/>
           <a:lstStyle/>
           <a:p>
+            <a:r>
+              <a:rPr lang="en-US" dirty="0"/>
+              <a:t>Profile page </a:t>
+            </a:r>
             <a:endParaRPr lang="en-IN" dirty="0"/>
           </a:p>
         </p:txBody>
       </p:sp>
-      <p:sp>
-        <p:nvSpPr>
-          <p:cNvPr id="3" name="Content Placeholder 2">
-            <a:extLst>
-              <a:ext uri="{FF2B5EF4-FFF2-40B4-BE49-F238E27FC236}">
-                <a16:creationId xmlns:a16="http://schemas.microsoft.com/office/drawing/2014/main" id="{1179C713-F027-1EDC-AFC9-E4EDA51620DA}"/>
-              </a:ext>
-            </a:extLst>
-          </p:cNvPr>
-          <p:cNvSpPr>
-            <a:spLocks noGrp="1"/>
-          </p:cNvSpPr>
+      <p:pic>
+        <p:nvPicPr>
+          <p:cNvPr id="5" name="Content Placeholder 4">
+            <a:extLst>
+              <a:ext uri="{FF2B5EF4-FFF2-40B4-BE49-F238E27FC236}">
+                <a16:creationId xmlns:a16="http://schemas.microsoft.com/office/drawing/2014/main" id="{C5D1FB0F-B464-41E2-3A00-7F8795983538}"/>
+              </a:ext>
+            </a:extLst>
+          </p:cNvPr>
+          <p:cNvPicPr>
+            <a:picLocks noGrp="1" noChangeAspect="1"/>
+          </p:cNvPicPr>
           <p:nvPr>
             <p:ph idx="1"/>
           </p:nvPr>
-        </p:nvSpPr>
-        <p:spPr>
-          <a:xfrm flipV="1">
-            <a:off x="1818968" y="5869092"/>
-            <a:ext cx="9336712" cy="1573927"/>
-          </a:xfrm>
-        </p:spPr>
-        <p:txBody>
-          <a:bodyPr/>
-          <a:lstStyle/>
-          <a:p>
-            <a:endParaRPr lang="en-IN" dirty="0"/>
-          </a:p>
-        </p:txBody>
-      </p:sp>
-      <p:sp>
-        <p:nvSpPr>
-          <p:cNvPr id="5" name="TextBox 4">
-            <a:extLst>
-              <a:ext uri="{FF2B5EF4-FFF2-40B4-BE49-F238E27FC236}">
-                <a16:creationId xmlns:a16="http://schemas.microsoft.com/office/drawing/2014/main" id="{83CE2979-58D6-A8C8-AD7C-D8D07378C3CE}"/>
+        </p:nvPicPr>
+        <p:blipFill>
+          <a:blip r:embed="rId2"/>
+          <a:stretch>
+            <a:fillRect/>
+          </a:stretch>
+        </p:blipFill>
+        <p:spPr>
+          <a:xfrm>
+            <a:off x="9470377" y="1891890"/>
+            <a:ext cx="1685303" cy="3760788"/>
+          </a:xfrm>
+        </p:spPr>
+      </p:pic>
+      <p:sp>
+        <p:nvSpPr>
+          <p:cNvPr id="7" name="TextBox 6">
+            <a:extLst>
+              <a:ext uri="{FF2B5EF4-FFF2-40B4-BE49-F238E27FC236}">
+                <a16:creationId xmlns:a16="http://schemas.microsoft.com/office/drawing/2014/main" id="{69B9399D-D219-B95C-0DA7-D01BC650BF9F}"/>
               </a:ext>
             </a:extLst>
           </p:cNvPr>
@@ -5274,9 +5504,9 @@
           <p:nvPr/>
         </p:nvSpPr>
         <p:spPr>
-          <a:xfrm>
-            <a:off x="5289755" y="3342968"/>
-            <a:ext cx="1848464" cy="584775"/>
+          <a:xfrm flipH="1">
+            <a:off x="1264428" y="2171143"/>
+            <a:ext cx="6296577" cy="646331"/>
           </a:xfrm>
           <a:prstGeom prst="rect">
             <a:avLst/>
@@ -5290,17 +5520,25 @@
           <a:lstStyle/>
           <a:p>
             <a:r>
-              <a:rPr lang="en-US" sz="3200" b="1" dirty="0"/>
-              <a:t>END</a:t>
-            </a:r>
-            <a:endParaRPr lang="en-IN" sz="3200" b="1" dirty="0"/>
+              <a:rPr lang="en-US" dirty="0"/>
+              <a:t>In this  profile page  </a:t>
+            </a:r>
+            <a:r>
+              <a:rPr lang="en-US" dirty="0" err="1"/>
+              <a:t>diplay</a:t>
+            </a:r>
+            <a:r>
+              <a:rPr lang="en-US" dirty="0"/>
+              <a:t> user details and the log out button for the log out from the user account</a:t>
+            </a:r>
+            <a:endParaRPr lang="en-IN" dirty="0"/>
           </a:p>
         </p:txBody>
       </p:sp>
     </p:spTree>
     <p:extLst>
       <p:ext uri="{BB962C8B-B14F-4D97-AF65-F5344CB8AC3E}">
-        <p14:creationId xmlns:p14="http://schemas.microsoft.com/office/powerpoint/2010/main" val="418342374"/>
+        <p14:creationId xmlns:p14="http://schemas.microsoft.com/office/powerpoint/2010/main" val="3727284446"/>
       </p:ext>
     </p:extLst>
   </p:cSld>
@@ -5313,7 +5551,7 @@
 </p:sld>
 </file>
 
-<file path=ppt/slides/slide2.xml><?xml version="1.0" encoding="utf-8"?>
+<file path=ppt/slides/slide19.xml><?xml version="1.0" encoding="utf-8"?>
 <p:sld xmlns:a="http://schemas.openxmlformats.org/drawingml/2006/main" xmlns:r="http://schemas.openxmlformats.org/officeDocument/2006/relationships" xmlns:p="http://schemas.openxmlformats.org/presentationml/2006/main">
   <p:cSld>
     <p:spTree>
@@ -5335,7 +5573,7 @@
           <p:cNvPr id="2" name="Title 1">
             <a:extLst>
               <a:ext uri="{FF2B5EF4-FFF2-40B4-BE49-F238E27FC236}">
-                <a16:creationId xmlns:a16="http://schemas.microsoft.com/office/drawing/2014/main" id="{551AF44A-F8FC-9C77-3854-2495CE4AB069}"/>
+                <a16:creationId xmlns:a16="http://schemas.microsoft.com/office/drawing/2014/main" id="{3678808B-D9F2-5373-7E29-020CF787FD41}"/>
               </a:ext>
             </a:extLst>
           </p:cNvPr>
@@ -5352,8 +5590,8 @@
           <a:lstStyle/>
           <a:p>
             <a:r>
-              <a:rPr lang="en-US" b="1" dirty="0"/>
-              <a:t>1.0 Introduction</a:t>
+              <a:rPr lang="en-US" dirty="0"/>
+              <a:t>references</a:t>
             </a:r>
             <a:endParaRPr lang="en-IN" dirty="0"/>
           </a:p>
@@ -5364,7 +5602,7 @@
           <p:cNvPr id="3" name="Content Placeholder 2">
             <a:extLst>
               <a:ext uri="{FF2B5EF4-FFF2-40B4-BE49-F238E27FC236}">
-                <a16:creationId xmlns:a16="http://schemas.microsoft.com/office/drawing/2014/main" id="{3E80AB61-3BA8-B67E-C60A-560BE4A5C4EB}"/>
+                <a16:creationId xmlns:a16="http://schemas.microsoft.com/office/drawing/2014/main" id="{882B1536-8681-685F-B349-A606176349B6}"/>
               </a:ext>
             </a:extLst>
           </p:cNvPr>
@@ -5377,173 +5615,339 @@
         </p:nvSpPr>
         <p:spPr/>
         <p:txBody>
+          <a:bodyPr/>
+          <a:lstStyle/>
+          <a:p>
+            <a:r>
+              <a:rPr lang="en-US" dirty="0">
+                <a:hlinkClick r:id="rId2"/>
+              </a:rPr>
+              <a:t>Flight, Cheap Air Tickets , Hotels, Holiday, Trains Package Booking - Yatra.com</a:t>
+            </a:r>
+            <a:endParaRPr lang="en-US" dirty="0"/>
+          </a:p>
+          <a:p>
+            <a:endParaRPr lang="en-US" dirty="0"/>
+          </a:p>
+          <a:p>
+            <a:r>
+              <a:rPr lang="en-IN" dirty="0">
+                <a:hlinkClick r:id="rId3"/>
+              </a:rPr>
+              <a:t>IRCTC Next Generation </a:t>
+            </a:r>
+            <a:r>
+              <a:rPr lang="en-IN" dirty="0" err="1">
+                <a:hlinkClick r:id="rId3"/>
+              </a:rPr>
+              <a:t>eTicketing</a:t>
+            </a:r>
+            <a:r>
+              <a:rPr lang="en-IN" dirty="0">
+                <a:hlinkClick r:id="rId3"/>
+              </a:rPr>
+              <a:t> System</a:t>
+            </a:r>
+            <a:endParaRPr lang="en-IN" dirty="0"/>
+          </a:p>
+          <a:p>
+            <a:endParaRPr lang="en-IN" dirty="0"/>
+          </a:p>
+          <a:p>
+            <a:r>
+              <a:rPr lang="en-US" dirty="0">
+                <a:hlinkClick r:id="rId4"/>
+              </a:rPr>
+              <a:t>Bus Ticket Booking Online at Cheapest Price with Top Bus Operators- redBus</a:t>
+            </a:r>
+            <a:endParaRPr lang="en-US" dirty="0"/>
+          </a:p>
+          <a:p>
+            <a:endParaRPr lang="en-US" dirty="0"/>
+          </a:p>
+          <a:p>
+            <a:r>
+              <a:rPr lang="en-US" dirty="0"/>
+              <a:t>In these reference we used.</a:t>
+            </a:r>
+            <a:endParaRPr lang="en-IN" dirty="0"/>
+          </a:p>
+        </p:txBody>
+      </p:sp>
+    </p:spTree>
+    <p:extLst>
+      <p:ext uri="{BB962C8B-B14F-4D97-AF65-F5344CB8AC3E}">
+        <p14:creationId xmlns:p14="http://schemas.microsoft.com/office/powerpoint/2010/main" val="1034018857"/>
+      </p:ext>
+    </p:extLst>
+  </p:cSld>
+  <p:clrMapOvr>
+    <a:masterClrMapping/>
+  </p:clrMapOvr>
+  <p:transition spd="slow">
+    <p:randomBar dir="vert"/>
+  </p:transition>
+</p:sld>
+</file>
+
+<file path=ppt/slides/slide2.xml><?xml version="1.0" encoding="utf-8"?>
+<p:sld xmlns:a="http://schemas.openxmlformats.org/drawingml/2006/main" xmlns:r="http://schemas.openxmlformats.org/officeDocument/2006/relationships" xmlns:p="http://schemas.openxmlformats.org/presentationml/2006/main">
+  <p:cSld>
+    <p:bg>
+      <p:bgPr>
+        <a:solidFill>
+          <a:schemeClr val="bg1"/>
+        </a:solidFill>
+        <a:effectLst/>
+      </p:bgPr>
+    </p:bg>
+    <p:spTree>
+      <p:nvGrpSpPr>
+        <p:cNvPr id="1" name=""/>
+        <p:cNvGrpSpPr/>
+        <p:nvPr/>
+      </p:nvGrpSpPr>
+      <p:grpSpPr>
+        <a:xfrm>
+          <a:off x="0" y="0"/>
+          <a:ext cx="0" cy="0"/>
+          <a:chOff x="0" y="0"/>
+          <a:chExt cx="0" cy="0"/>
+        </a:xfrm>
+      </p:grpSpPr>
+      <p:sp>
+        <p:nvSpPr>
+          <p:cNvPr id="2" name="Title 1">
+            <a:extLst>
+              <a:ext uri="{FF2B5EF4-FFF2-40B4-BE49-F238E27FC236}">
+                <a16:creationId xmlns:a16="http://schemas.microsoft.com/office/drawing/2014/main" id="{66A47F5C-50EC-416A-AE8C-6F6BB4225673}"/>
+              </a:ext>
+            </a:extLst>
+          </p:cNvPr>
+          <p:cNvSpPr>
+            <a:spLocks noGrp="1"/>
+          </p:cNvSpPr>
+          <p:nvPr>
+            <p:ph type="title"/>
+          </p:nvPr>
+        </p:nvSpPr>
+        <p:spPr>
+          <a:xfrm>
+            <a:off x="1097280" y="286603"/>
+            <a:ext cx="10058400" cy="1450757"/>
+          </a:xfrm>
+        </p:spPr>
+        <p:txBody>
           <a:bodyPr>
             <a:normAutofit/>
           </a:bodyPr>
           <a:lstStyle/>
           <a:p>
-            <a:pPr marL="88900" rtl="0">
-              <a:spcBef>
-                <a:spcPts val="1200"/>
-              </a:spcBef>
-              <a:spcAft>
-                <a:spcPts val="200"/>
-              </a:spcAft>
-              <a:buNone/>
-            </a:pPr>
-            <a:r>
-              <a:rPr lang="en-US" sz="1800" b="1" i="0" u="none" strike="noStrike" dirty="0">
-                <a:solidFill>
-                  <a:srgbClr val="404040"/>
-                </a:solidFill>
-                <a:effectLst/>
-                <a:latin typeface="Arial" panose="020B0604020202020204" pitchFamily="34" charset="0"/>
-              </a:rPr>
-              <a:t>App Motto  is to "Plan Smart. Travel Easy."</a:t>
-            </a:r>
-            <a:endParaRPr lang="en-US" b="0" dirty="0">
-              <a:effectLst/>
-            </a:endParaRPr>
-          </a:p>
-          <a:p>
-            <a:pPr marL="88900" algn="just" rtl="0">
-              <a:spcBef>
-                <a:spcPts val="1200"/>
-              </a:spcBef>
-              <a:spcAft>
-                <a:spcPts val="200"/>
-              </a:spcAft>
-              <a:buNone/>
-            </a:pPr>
-            <a:r>
-              <a:rPr lang="en-US" sz="1800" b="1" i="0" u="none" strike="noStrike" dirty="0">
-                <a:solidFill>
-                  <a:srgbClr val="404040"/>
-                </a:solidFill>
-                <a:effectLst/>
-                <a:latin typeface="Arial" panose="020B0604020202020204" pitchFamily="34" charset="0"/>
-              </a:rPr>
-              <a:t>Overview of an app is designed to simplify your entire trip planning process with less effort and more clarity. Whether you're wondering </a:t>
-            </a:r>
-            <a:r>
-              <a:rPr lang="en-US" sz="1800" b="1" i="1" u="none" strike="noStrike" dirty="0">
-                <a:solidFill>
-                  <a:srgbClr val="404040"/>
-                </a:solidFill>
-                <a:effectLst/>
-                <a:latin typeface="Arial" panose="020B0604020202020204" pitchFamily="34" charset="0"/>
-              </a:rPr>
-              <a:t>where to go</a:t>
-            </a:r>
-            <a:r>
-              <a:rPr lang="en-US" sz="1800" b="1" i="0" u="none" strike="noStrike" dirty="0">
-                <a:solidFill>
-                  <a:srgbClr val="404040"/>
-                </a:solidFill>
-                <a:effectLst/>
-                <a:latin typeface="Arial" panose="020B0604020202020204" pitchFamily="34" charset="0"/>
-              </a:rPr>
-              <a:t> or </a:t>
-            </a:r>
-            <a:r>
-              <a:rPr lang="en-US" sz="1800" b="1" i="1" u="none" strike="noStrike" dirty="0">
-                <a:solidFill>
-                  <a:srgbClr val="404040"/>
-                </a:solidFill>
-                <a:effectLst/>
-                <a:latin typeface="Arial" panose="020B0604020202020204" pitchFamily="34" charset="0"/>
-              </a:rPr>
-              <a:t>how to get there</a:t>
-            </a:r>
-            <a:r>
-              <a:rPr lang="en-US" sz="1800" b="1" i="0" u="none" strike="noStrike" dirty="0">
-                <a:solidFill>
-                  <a:srgbClr val="404040"/>
-                </a:solidFill>
-                <a:effectLst/>
-                <a:latin typeface="Arial" panose="020B0604020202020204" pitchFamily="34" charset="0"/>
-              </a:rPr>
-              <a:t>, we’ve got it all covered.</a:t>
-            </a:r>
-            <a:endParaRPr lang="en-US" b="0" dirty="0">
-              <a:effectLst/>
-            </a:endParaRPr>
-          </a:p>
-          <a:p>
-            <a:pPr rtl="0">
-              <a:spcBef>
-                <a:spcPts val="1200"/>
-              </a:spcBef>
-              <a:spcAft>
-                <a:spcPts val="200"/>
-              </a:spcAft>
-              <a:buNone/>
-            </a:pPr>
-            <a:r>
-              <a:rPr lang="en-US" sz="1800" b="1" i="0" u="none" strike="noStrike" dirty="0">
-                <a:solidFill>
-                  <a:srgbClr val="E88B33"/>
-                </a:solidFill>
-                <a:effectLst/>
-                <a:latin typeface="Arial" panose="020B0604020202020204" pitchFamily="34" charset="0"/>
-              </a:rPr>
-              <a:t> </a:t>
-            </a:r>
-            <a:r>
-              <a:rPr lang="en-US" sz="1800" b="1" i="0" u="none" strike="noStrike" dirty="0">
-                <a:solidFill>
-                  <a:srgbClr val="404040"/>
-                </a:solidFill>
-                <a:effectLst/>
-                <a:latin typeface="Arial" panose="020B0604020202020204" pitchFamily="34" charset="0"/>
-              </a:rPr>
-              <a:t>Key Features:</a:t>
-            </a:r>
-            <a:endParaRPr lang="en-US" b="0" dirty="0">
-              <a:effectLst/>
-            </a:endParaRPr>
-          </a:p>
-          <a:p>
-            <a:pPr algn="just" rtl="0">
-              <a:spcBef>
-                <a:spcPts val="1200"/>
-              </a:spcBef>
-              <a:spcAft>
-                <a:spcPts val="200"/>
-              </a:spcAft>
-              <a:buNone/>
-            </a:pPr>
-            <a:r>
-              <a:rPr lang="en-US" sz="1800" b="1" i="0" u="none" strike="noStrike" dirty="0">
-                <a:solidFill>
-                  <a:srgbClr val="404040"/>
-                </a:solidFill>
-                <a:effectLst/>
-                <a:latin typeface="Arial" panose="020B0604020202020204" pitchFamily="34" charset="0"/>
-              </a:rPr>
-              <a:t>Plan your trip from start to finish — destinations, transportation, and feedback — all within a single, seamless environment.</a:t>
-            </a:r>
-            <a:endParaRPr lang="en-US" b="0" dirty="0">
-              <a:effectLst/>
-            </a:endParaRPr>
-          </a:p>
-          <a:p>
-            <a:pPr>
-              <a:buNone/>
-            </a:pPr>
-            <a:br>
-              <a:rPr lang="en-US" b="0" dirty="0">
-                <a:effectLst/>
-              </a:rPr>
-            </a:br>
-            <a:endParaRPr lang="en-US" dirty="0"/>
+            <a:r>
+              <a:rPr lang="en-US" dirty="0"/>
+              <a:t>Abstract </a:t>
+            </a:r>
+          </a:p>
+        </p:txBody>
+      </p:sp>
+      <p:sp>
+        <p:nvSpPr>
+          <p:cNvPr id="5" name="Content Placeholder 4">
+            <a:extLst>
+              <a:ext uri="{FF2B5EF4-FFF2-40B4-BE49-F238E27FC236}">
+                <a16:creationId xmlns:a16="http://schemas.microsoft.com/office/drawing/2014/main" id="{A68B2EF6-BEDA-FD84-1F34-6D5E32DC741F}"/>
+              </a:ext>
+            </a:extLst>
+          </p:cNvPr>
+          <p:cNvSpPr>
+            <a:spLocks noGrp="1"/>
+          </p:cNvSpPr>
+          <p:nvPr>
+            <p:ph idx="1"/>
+          </p:nvPr>
+        </p:nvSpPr>
+        <p:spPr/>
+        <p:txBody>
+          <a:bodyPr/>
+          <a:lstStyle/>
+          <a:p>
+            <a:r>
+              <a:rPr lang="en-US" dirty="0"/>
+              <a:t>The Traveling App is a comprehensive mobile application designed to enhance the travel experience by offering a user-friendly platform for discovering destinations, booking accommodations, and planning trips. With features such as personalized travel mode selection, curated lists of popular places and hotels, and user feedback integration, the app serves as an all-in-one solution for travelers. Users can explore detailed information about destinations, view images, read reviews, and access additional services to make informed decisions. The app aims to simplify travel planning, promote local tourism, and provide a convenient digital companion for travelers.</a:t>
+            </a:r>
+            <a:endParaRPr lang="en-IN" dirty="0"/>
+          </a:p>
+        </p:txBody>
+      </p:sp>
+      <p:sp>
+        <p:nvSpPr>
+          <p:cNvPr id="7" name="TextBox 6">
+            <a:extLst>
+              <a:ext uri="{FF2B5EF4-FFF2-40B4-BE49-F238E27FC236}">
+                <a16:creationId xmlns:a16="http://schemas.microsoft.com/office/drawing/2014/main" id="{75C69DD2-6B61-3D21-DC76-2D2549F50569}"/>
+              </a:ext>
+            </a:extLst>
+          </p:cNvPr>
+          <p:cNvSpPr txBox="1"/>
+          <p:nvPr/>
+        </p:nvSpPr>
+        <p:spPr>
+          <a:xfrm>
+            <a:off x="10545097" y="172064"/>
+            <a:ext cx="914400" cy="369332"/>
+          </a:xfrm>
+          <a:prstGeom prst="rect">
+            <a:avLst/>
+          </a:prstGeom>
+          <a:noFill/>
+        </p:spPr>
+        <p:txBody>
+          <a:bodyPr wrap="square" rtlCol="0">
+            <a:spAutoFit/>
+          </a:bodyPr>
+          <a:lstStyle/>
+          <a:p>
+            <a:r>
+              <a:rPr lang="en-US" dirty="0"/>
+              <a:t>ii</a:t>
+            </a:r>
+            <a:endParaRPr lang="en-IN" dirty="0"/>
           </a:p>
         </p:txBody>
       </p:sp>
     </p:spTree>
     <p:extLst>
       <p:ext uri="{BB962C8B-B14F-4D97-AF65-F5344CB8AC3E}">
-        <p14:creationId xmlns:p14="http://schemas.microsoft.com/office/powerpoint/2010/main" val="3548770455"/>
+        <p14:creationId xmlns:p14="http://schemas.microsoft.com/office/powerpoint/2010/main" val="265522590"/>
+      </p:ext>
+    </p:extLst>
+  </p:cSld>
+  <p:clrMapOvr>
+    <a:masterClrMapping/>
+  </p:clrMapOvr>
+  <p:transition spd="slow">
+    <p:randomBar dir="vert"/>
+  </p:transition>
+</p:sld>
+</file>
+
+<file path=ppt/slides/slide20.xml><?xml version="1.0" encoding="utf-8"?>
+<p:sld xmlns:a="http://schemas.openxmlformats.org/drawingml/2006/main" xmlns:r="http://schemas.openxmlformats.org/officeDocument/2006/relationships" xmlns:p="http://schemas.openxmlformats.org/presentationml/2006/main">
+  <p:cSld>
+    <p:spTree>
+      <p:nvGrpSpPr>
+        <p:cNvPr id="1" name=""/>
+        <p:cNvGrpSpPr/>
+        <p:nvPr/>
+      </p:nvGrpSpPr>
+      <p:grpSpPr>
+        <a:xfrm>
+          <a:off x="0" y="0"/>
+          <a:ext cx="0" cy="0"/>
+          <a:chOff x="0" y="0"/>
+          <a:chExt cx="0" cy="0"/>
+        </a:xfrm>
+      </p:grpSpPr>
+      <p:sp>
+        <p:nvSpPr>
+          <p:cNvPr id="2" name="Title 1">
+            <a:extLst>
+              <a:ext uri="{FF2B5EF4-FFF2-40B4-BE49-F238E27FC236}">
+                <a16:creationId xmlns:a16="http://schemas.microsoft.com/office/drawing/2014/main" id="{8F8AFA23-4816-4EFE-9B69-5B039853EED7}"/>
+              </a:ext>
+            </a:extLst>
+          </p:cNvPr>
+          <p:cNvSpPr>
+            <a:spLocks noGrp="1"/>
+          </p:cNvSpPr>
+          <p:nvPr>
+            <p:ph type="title"/>
+          </p:nvPr>
+        </p:nvSpPr>
+        <p:spPr>
+          <a:xfrm flipV="1">
+            <a:off x="1097280" y="-698090"/>
+            <a:ext cx="10058400" cy="984693"/>
+          </a:xfrm>
+        </p:spPr>
+        <p:txBody>
+          <a:bodyPr/>
+          <a:lstStyle/>
+          <a:p>
+            <a:endParaRPr lang="en-IN" dirty="0"/>
+          </a:p>
+        </p:txBody>
+      </p:sp>
+      <p:sp>
+        <p:nvSpPr>
+          <p:cNvPr id="3" name="Content Placeholder 2">
+            <a:extLst>
+              <a:ext uri="{FF2B5EF4-FFF2-40B4-BE49-F238E27FC236}">
+                <a16:creationId xmlns:a16="http://schemas.microsoft.com/office/drawing/2014/main" id="{1179C713-F027-1EDC-AFC9-E4EDA51620DA}"/>
+              </a:ext>
+            </a:extLst>
+          </p:cNvPr>
+          <p:cNvSpPr>
+            <a:spLocks noGrp="1"/>
+          </p:cNvSpPr>
+          <p:nvPr>
+            <p:ph idx="1"/>
+          </p:nvPr>
+        </p:nvSpPr>
+        <p:spPr>
+          <a:xfrm flipV="1">
+            <a:off x="1818968" y="5869092"/>
+            <a:ext cx="9336712" cy="1573927"/>
+          </a:xfrm>
+        </p:spPr>
+        <p:txBody>
+          <a:bodyPr/>
+          <a:lstStyle/>
+          <a:p>
+            <a:endParaRPr lang="en-IN" dirty="0"/>
+          </a:p>
+        </p:txBody>
+      </p:sp>
+      <p:sp>
+        <p:nvSpPr>
+          <p:cNvPr id="5" name="TextBox 4">
+            <a:extLst>
+              <a:ext uri="{FF2B5EF4-FFF2-40B4-BE49-F238E27FC236}">
+                <a16:creationId xmlns:a16="http://schemas.microsoft.com/office/drawing/2014/main" id="{83CE2979-58D6-A8C8-AD7C-D8D07378C3CE}"/>
+              </a:ext>
+            </a:extLst>
+          </p:cNvPr>
+          <p:cNvSpPr txBox="1"/>
+          <p:nvPr/>
+        </p:nvSpPr>
+        <p:spPr>
+          <a:xfrm>
+            <a:off x="5289755" y="3342968"/>
+            <a:ext cx="1848464" cy="584775"/>
+          </a:xfrm>
+          <a:prstGeom prst="rect">
+            <a:avLst/>
+          </a:prstGeom>
+          <a:noFill/>
+        </p:spPr>
+        <p:txBody>
+          <a:bodyPr wrap="square" rtlCol="0">
+            <a:spAutoFit/>
+          </a:bodyPr>
+          <a:lstStyle/>
+          <a:p>
+            <a:r>
+              <a:rPr lang="en-US" sz="3200" b="1" dirty="0"/>
+              <a:t>END</a:t>
+            </a:r>
+            <a:endParaRPr lang="en-IN" sz="3200" b="1" dirty="0"/>
+          </a:p>
+        </p:txBody>
+      </p:sp>
+    </p:spTree>
+    <p:extLst>
+      <p:ext uri="{BB962C8B-B14F-4D97-AF65-F5344CB8AC3E}">
+        <p14:creationId xmlns:p14="http://schemas.microsoft.com/office/powerpoint/2010/main" val="418342374"/>
       </p:ext>
     </p:extLst>
   </p:cSld>
@@ -5578,7 +5982,7 @@
           <p:cNvPr id="2" name="Title 1">
             <a:extLst>
               <a:ext uri="{FF2B5EF4-FFF2-40B4-BE49-F238E27FC236}">
-                <a16:creationId xmlns:a16="http://schemas.microsoft.com/office/drawing/2014/main" id="{02E3EEF1-73CC-128B-58F8-B6FA347765DB}"/>
+                <a16:creationId xmlns:a16="http://schemas.microsoft.com/office/drawing/2014/main" id="{C9595A16-5882-D573-90BC-70E6670D935C}"/>
               </a:ext>
             </a:extLst>
           </p:cNvPr>
@@ -5595,12 +5999,9 @@
           <a:lstStyle/>
           <a:p>
             <a:r>
-              <a:rPr lang="en-US" b="1" dirty="0"/>
-              <a:t>2.0 Tool used</a:t>
-            </a:r>
-            <a:br>
-              <a:rPr lang="en-US" b="1" dirty="0"/>
-            </a:br>
+              <a:rPr lang="en-US" dirty="0"/>
+              <a:t>CONTENTS</a:t>
+            </a:r>
             <a:endParaRPr lang="en-IN" dirty="0"/>
           </a:p>
         </p:txBody>
@@ -5610,7 +6011,7 @@
           <p:cNvPr id="3" name="Content Placeholder 2">
             <a:extLst>
               <a:ext uri="{FF2B5EF4-FFF2-40B4-BE49-F238E27FC236}">
-                <a16:creationId xmlns:a16="http://schemas.microsoft.com/office/drawing/2014/main" id="{402B1C5A-9DE3-E078-5FB3-B1113D9F9F9C}"/>
+                <a16:creationId xmlns:a16="http://schemas.microsoft.com/office/drawing/2014/main" id="{8E9B9C4C-657E-523A-A299-62F7B73EB0D3}"/>
               </a:ext>
             </a:extLst>
           </p:cNvPr>
@@ -5623,99 +6024,87 @@
         </p:nvSpPr>
         <p:spPr/>
         <p:txBody>
-          <a:bodyPr/>
-          <a:lstStyle/>
-          <a:p>
-            <a:r>
-              <a:rPr lang="en-US" dirty="0"/>
-              <a:t>2.1 The tool used for the back end is </a:t>
-            </a:r>
-          </a:p>
-          <a:p>
-            <a:pPr marL="384048" lvl="2" indent="0">
-              <a:buNone/>
-            </a:pPr>
-            <a:r>
-              <a:rPr lang="en-US" dirty="0"/>
-              <a:t>	* NODE JS</a:t>
-            </a:r>
-          </a:p>
-          <a:p>
-            <a:pPr marL="384048" lvl="2" indent="0">
-              <a:buNone/>
-            </a:pPr>
-            <a:r>
-              <a:rPr lang="en-US" dirty="0"/>
-              <a:t>2.1.1 The language is used for the Backend </a:t>
-            </a:r>
+          <a:bodyPr>
+            <a:normAutofit/>
+          </a:bodyPr>
+          <a:lstStyle/>
+          <a:p>
             <a:r>
               <a:rPr lang="en-US" b="1" dirty="0"/>
-              <a:t>POSTGRESQL</a:t>
-            </a:r>
-            <a:endParaRPr lang="en-IN" dirty="0"/>
-          </a:p>
-          <a:p>
-            <a:pPr marL="384048" lvl="2" indent="0">
-              <a:buNone/>
-            </a:pPr>
-            <a:r>
-              <a:rPr lang="en-IN" dirty="0"/>
-              <a:t>2.2The tools or environ men is used for the front end is </a:t>
-            </a:r>
-          </a:p>
-          <a:p>
-            <a:pPr marL="384048" lvl="2" indent="0">
-              <a:buNone/>
-            </a:pPr>
-            <a:r>
-              <a:rPr lang="en-IN" dirty="0"/>
-              <a:t>	2.2.1 Android Studio</a:t>
-            </a:r>
-          </a:p>
-          <a:p>
-            <a:pPr marL="384048" lvl="2" indent="0">
-              <a:buNone/>
-            </a:pPr>
-            <a:r>
-              <a:rPr lang="en-IN" dirty="0"/>
-              <a:t>2.3The languages are used for the frontend is </a:t>
-            </a:r>
-          </a:p>
-          <a:p>
-            <a:pPr marL="384048" lvl="2" indent="0">
-              <a:buNone/>
-            </a:pPr>
-            <a:r>
-              <a:rPr lang="en-IN" dirty="0"/>
-              <a:t>	2.3.1 For the creations we used language </a:t>
-            </a:r>
-            <a:r>
-              <a:rPr lang="en-IN" b="1" dirty="0"/>
-              <a:t>XML</a:t>
-            </a:r>
-            <a:endParaRPr lang="en-IN" dirty="0"/>
-          </a:p>
-          <a:p>
-            <a:pPr marL="384048" lvl="2" indent="0">
-              <a:buNone/>
-            </a:pPr>
-            <a:r>
-              <a:rPr lang="en-IN" dirty="0"/>
-              <a:t>	2.3.2For the action  to be for those created elements  or linking of the one element to their action is </a:t>
-            </a:r>
-            <a:r>
-              <a:rPr lang="en-IN" b="1" dirty="0"/>
-              <a:t>JAVA</a:t>
-            </a:r>
-            <a:r>
-              <a:rPr lang="en-IN" dirty="0"/>
-              <a:t> is language is used </a:t>
-            </a:r>
-          </a:p>
-          <a:p>
-            <a:pPr marL="384048" lvl="2" indent="0">
-              <a:buNone/>
-            </a:pPr>
+              <a:t>1.0 Introduction</a:t>
+            </a:r>
+          </a:p>
+          <a:p>
+            <a:r>
+              <a:rPr lang="en-US" b="1" dirty="0"/>
+              <a:t>2.0 Tool used</a:t>
+            </a:r>
+          </a:p>
+          <a:p>
+            <a:r>
+              <a:rPr lang="en-US" b="1" dirty="0"/>
+              <a:t>3.0 Challenges and solutions</a:t>
+            </a:r>
+          </a:p>
+          <a:p>
+            <a:r>
+              <a:rPr lang="en-US" b="1" dirty="0"/>
+              <a:t>4.0 Flow chart</a:t>
+            </a:r>
+          </a:p>
+          <a:p>
+            <a:r>
+              <a:rPr lang="en-US" b="1" dirty="0"/>
+              <a:t>5.0 Working </a:t>
+            </a:r>
+          </a:p>
+          <a:p>
+            <a:r>
+              <a:rPr lang="en-US" b="1" dirty="0"/>
+              <a:t>6.0 Conclusion </a:t>
+            </a:r>
+          </a:p>
+          <a:p>
+            <a:r>
+              <a:rPr lang="en-US" b="1" dirty="0"/>
+              <a:t>7.0 References</a:t>
+            </a:r>
+            <a:endParaRPr lang="en-IN" b="1" dirty="0"/>
+          </a:p>
+        </p:txBody>
+      </p:sp>
+      <p:sp>
+        <p:nvSpPr>
+          <p:cNvPr id="5" name="TextBox 4">
+            <a:extLst>
+              <a:ext uri="{FF2B5EF4-FFF2-40B4-BE49-F238E27FC236}">
+                <a16:creationId xmlns:a16="http://schemas.microsoft.com/office/drawing/2014/main" id="{AFEFA562-06B0-05CD-3CAE-95842BFF68F3}"/>
+              </a:ext>
+            </a:extLst>
+          </p:cNvPr>
+          <p:cNvSpPr txBox="1"/>
+          <p:nvPr/>
+        </p:nvSpPr>
+        <p:spPr>
+          <a:xfrm>
+            <a:off x="10376965" y="101937"/>
+            <a:ext cx="1238865" cy="369332"/>
+          </a:xfrm>
+          <a:prstGeom prst="rect">
+            <a:avLst/>
+          </a:prstGeom>
+          <a:noFill/>
+        </p:spPr>
+        <p:txBody>
+          <a:bodyPr wrap="square" rtlCol="0">
+            <a:spAutoFit/>
+          </a:bodyPr>
+          <a:lstStyle/>
+          <a:p>
+            <a:r>
+              <a:rPr lang="en-US" dirty="0"/>
+              <a:t>iii</a:t>
+            </a:r>
             <a:endParaRPr lang="en-IN" dirty="0"/>
           </a:p>
         </p:txBody>
@@ -5723,7 +6112,7 @@
     </p:spTree>
     <p:extLst>
       <p:ext uri="{BB962C8B-B14F-4D97-AF65-F5344CB8AC3E}">
-        <p14:creationId xmlns:p14="http://schemas.microsoft.com/office/powerpoint/2010/main" val="3915422247"/>
+        <p14:creationId xmlns:p14="http://schemas.microsoft.com/office/powerpoint/2010/main" val="1106309244"/>
       </p:ext>
     </p:extLst>
   </p:cSld>
@@ -5758,7 +6147,7 @@
           <p:cNvPr id="2" name="Title 1">
             <a:extLst>
               <a:ext uri="{FF2B5EF4-FFF2-40B4-BE49-F238E27FC236}">
-                <a16:creationId xmlns:a16="http://schemas.microsoft.com/office/drawing/2014/main" id="{DCC9CBE4-ACE1-F23E-90FD-A3EE4F644A34}"/>
+                <a16:creationId xmlns:a16="http://schemas.microsoft.com/office/drawing/2014/main" id="{551AF44A-F8FC-9C77-3854-2495CE4AB069}"/>
               </a:ext>
             </a:extLst>
           </p:cNvPr>
@@ -5776,11 +6165,8 @@
           <a:p>
             <a:r>
               <a:rPr lang="en-US" b="1" dirty="0"/>
-              <a:t>3.0 Challenges and solutions</a:t>
-            </a:r>
-            <a:br>
-              <a:rPr lang="en-US" b="1" dirty="0"/>
-            </a:br>
+              <a:t>1.0 Introduction</a:t>
+            </a:r>
             <a:endParaRPr lang="en-IN" dirty="0"/>
           </a:p>
         </p:txBody>
@@ -5790,7 +6176,7 @@
           <p:cNvPr id="3" name="Content Placeholder 2">
             <a:extLst>
               <a:ext uri="{FF2B5EF4-FFF2-40B4-BE49-F238E27FC236}">
-                <a16:creationId xmlns:a16="http://schemas.microsoft.com/office/drawing/2014/main" id="{7469B781-5707-44C9-ED66-BF8796D05EBC}"/>
+                <a16:creationId xmlns:a16="http://schemas.microsoft.com/office/drawing/2014/main" id="{3E80AB61-3BA8-B67E-C60A-560BE4A5C4EB}"/>
               </a:ext>
             </a:extLst>
           </p:cNvPr>
@@ -5806,50 +6192,81 @@
           <a:bodyPr/>
           <a:lstStyle/>
           <a:p>
-            <a:pPr algn="just">
+            <a:pPr>
               <a:buNone/>
             </a:pPr>
             <a:r>
               <a:rPr lang="en-US" b="1" dirty="0"/>
-              <a:t>3.0.1 Main Challenge: Ticket Booking</a:t>
+              <a:t>App Motto</a:t>
             </a:r>
             <a:br>
               <a:rPr lang="en-US" dirty="0"/>
             </a:br>
             <a:r>
-              <a:rPr lang="en-US" dirty="0"/>
-              <a:t>One of the primary challenges users face is booking tickets efficiently.</a:t>
+              <a:rPr lang="en-US" b="1" dirty="0"/>
+              <a:t>"Plan Smart. Travel Easy."</a:t>
+            </a:r>
+            <a:endParaRPr lang="en-US" dirty="0"/>
+          </a:p>
+          <a:p>
+            <a:pPr>
+              <a:buNone/>
+            </a:pPr>
+            <a:r>
+              <a:rPr lang="en-US" b="1" dirty="0"/>
+              <a:t>Overview</a:t>
             </a:r>
             <a:br>
               <a:rPr lang="en-US" dirty="0"/>
             </a:br>
             <a:r>
+              <a:rPr lang="en-US" dirty="0"/>
+              <a:t>This app is designed to simplify your entire trip planning process with </a:t>
+            </a:r>
+            <a:r>
               <a:rPr lang="en-US" b="1" dirty="0"/>
-              <a:t>Solution:</a:t>
-            </a:r>
-            <a:r>
-              <a:rPr lang="en-US" dirty="0"/>
-              <a:t> To address this, we’ve integrated all major ticket booking resources directly into the app, allowing users to compare and book transport options without leaving the platform.</a:t>
+              <a:t>less effort and more clarity</a:t>
+            </a:r>
+            <a:r>
+              <a:rPr lang="en-US" dirty="0"/>
+              <a:t>. Whether you're wondering </a:t>
+            </a:r>
+            <a:r>
+              <a:rPr lang="en-US" i="1" dirty="0"/>
+              <a:t>where to go</a:t>
+            </a:r>
+            <a:r>
+              <a:rPr lang="en-US" dirty="0"/>
+              <a:t> or </a:t>
+            </a:r>
+            <a:r>
+              <a:rPr lang="en-US" i="1" dirty="0"/>
+              <a:t>how to get there</a:t>
+            </a:r>
+            <a:r>
+              <a:rPr lang="en-US" dirty="0"/>
+              <a:t>, we’ve got it all covered.</a:t>
             </a:r>
           </a:p>
           <a:p>
             <a:r>
               <a:rPr lang="en-US" b="1" dirty="0"/>
-              <a:t>3.0.2 Adventurous Experiences for Users</a:t>
+              <a:t>Key Feature</a:t>
             </a:r>
             <a:br>
               <a:rPr lang="en-US" dirty="0"/>
             </a:br>
             <a:r>
               <a:rPr lang="en-US" dirty="0"/>
-              <a:t>Beyond planning, the app encourages users to explore new destinations and activities.</a:t>
-            </a:r>
-            <a:br>
-              <a:rPr lang="en-US" dirty="0"/>
-            </a:br>
-            <a:r>
-              <a:rPr lang="en-US" dirty="0"/>
-              <a:t>We provide curated adventure experiences, personalized suggestions, and insider tips to make every trip more exciting and memorable.</a:t>
+              <a:t>Plan your trip from start to finish — destinations, transportation, and feedback — all within </a:t>
+            </a:r>
+            <a:r>
+              <a:rPr lang="en-US" b="1" dirty="0"/>
+              <a:t>a single, seamless environment</a:t>
+            </a:r>
+            <a:r>
+              <a:rPr lang="en-US" dirty="0"/>
+              <a:t>.</a:t>
             </a:r>
           </a:p>
         </p:txBody>
@@ -5857,7 +6274,7 @@
     </p:spTree>
     <p:extLst>
       <p:ext uri="{BB962C8B-B14F-4D97-AF65-F5344CB8AC3E}">
-        <p14:creationId xmlns:p14="http://schemas.microsoft.com/office/powerpoint/2010/main" val="1369127887"/>
+        <p14:creationId xmlns:p14="http://schemas.microsoft.com/office/powerpoint/2010/main" val="3548770455"/>
       </p:ext>
     </p:extLst>
   </p:cSld>
@@ -5871,16 +6288,8 @@
 </file>
 
 <file path=ppt/slides/slide5.xml><?xml version="1.0" encoding="utf-8"?>
-<p:sld xmlns:a="http://schemas.openxmlformats.org/drawingml/2006/main" xmlns:r="http://schemas.openxmlformats.org/officeDocument/2006/relationships" xmlns:p="http://schemas.openxmlformats.org/presentationml/2006/main" showMasterSp="0">
+<p:sld xmlns:a="http://schemas.openxmlformats.org/drawingml/2006/main" xmlns:r="http://schemas.openxmlformats.org/officeDocument/2006/relationships" xmlns:p="http://schemas.openxmlformats.org/presentationml/2006/main">
   <p:cSld>
-    <p:bg>
-      <p:bgPr>
-        <a:solidFill>
-          <a:schemeClr val="bg1"/>
-        </a:solidFill>
-        <a:effectLst/>
-      </p:bgPr>
-    </p:bg>
     <p:spTree>
       <p:nvGrpSpPr>
         <p:cNvPr id="1" name=""/>
@@ -5900,7 +6309,7 @@
           <p:cNvPr id="2" name="Title 1">
             <a:extLst>
               <a:ext uri="{FF2B5EF4-FFF2-40B4-BE49-F238E27FC236}">
-                <a16:creationId xmlns:a16="http://schemas.microsoft.com/office/drawing/2014/main" id="{9BC23064-84D4-5D30-45F5-C2FD40BB2328}"/>
+                <a16:creationId xmlns:a16="http://schemas.microsoft.com/office/drawing/2014/main" id="{02E3EEF1-73CC-128B-58F8-B6FA347765DB}"/>
               </a:ext>
             </a:extLst>
           </p:cNvPr>
@@ -5911,112 +6320,28 @@
             <p:ph type="title"/>
           </p:nvPr>
         </p:nvSpPr>
-        <p:spPr>
-          <a:xfrm>
-            <a:off x="1087448" y="286603"/>
-            <a:ext cx="10058400" cy="702305"/>
-          </a:xfrm>
-        </p:spPr>
-        <p:txBody>
-          <a:bodyPr>
-            <a:normAutofit fontScale="90000"/>
-          </a:bodyPr>
-          <a:lstStyle/>
-          <a:p>
-            <a:r>
-              <a:rPr lang="en-US" dirty="0"/>
-              <a:t>4.0 Flowchart</a:t>
-            </a:r>
+        <p:spPr/>
+        <p:txBody>
+          <a:bodyPr/>
+          <a:lstStyle/>
+          <a:p>
+            <a:r>
+              <a:rPr lang="en-US" b="1" dirty="0"/>
+              <a:t>2.0 Tool used</a:t>
+            </a:r>
+            <a:br>
+              <a:rPr lang="en-US" b="1" dirty="0"/>
+            </a:br>
             <a:endParaRPr lang="en-IN" dirty="0"/>
           </a:p>
         </p:txBody>
       </p:sp>
       <p:sp>
         <p:nvSpPr>
-          <p:cNvPr id="3" name="Flowchart: Terminator 2">
-            <a:extLst>
-              <a:ext uri="{FF2B5EF4-FFF2-40B4-BE49-F238E27FC236}">
-                <a16:creationId xmlns:a16="http://schemas.microsoft.com/office/drawing/2014/main" id="{E55EDA7A-542C-D9DC-E4AC-700E18BFD4C4}"/>
-              </a:ext>
-            </a:extLst>
-          </p:cNvPr>
-          <p:cNvSpPr/>
-          <p:nvPr/>
-        </p:nvSpPr>
-        <p:spPr>
-          <a:xfrm>
-            <a:off x="8072284" y="1297858"/>
-            <a:ext cx="1691148" cy="481781"/>
-          </a:xfrm>
-          <a:prstGeom prst="flowChartTerminator">
-            <a:avLst/>
-          </a:prstGeom>
-        </p:spPr>
-        <p:style>
-          <a:lnRef idx="2">
-            <a:schemeClr val="accent6"/>
-          </a:lnRef>
-          <a:fillRef idx="1">
-            <a:schemeClr val="lt1"/>
-          </a:fillRef>
-          <a:effectRef idx="0">
-            <a:schemeClr val="accent6"/>
-          </a:effectRef>
-          <a:fontRef idx="minor">
-            <a:schemeClr val="dk1"/>
-          </a:fontRef>
-        </p:style>
-        <p:txBody>
-          <a:bodyPr rtlCol="0" anchor="ctr"/>
-          <a:lstStyle/>
-          <a:p>
-            <a:pPr algn="ctr"/>
-            <a:endParaRPr lang="en-IN"/>
-          </a:p>
-        </p:txBody>
-      </p:sp>
-      <p:sp>
-        <p:nvSpPr>
-          <p:cNvPr id="4" name="TextBox 3">
-            <a:extLst>
-              <a:ext uri="{FF2B5EF4-FFF2-40B4-BE49-F238E27FC236}">
-                <a16:creationId xmlns:a16="http://schemas.microsoft.com/office/drawing/2014/main" id="{07336C56-F03E-0706-F8DD-F051C91EBF22}"/>
-              </a:ext>
-            </a:extLst>
-          </p:cNvPr>
-          <p:cNvSpPr txBox="1"/>
-          <p:nvPr/>
-        </p:nvSpPr>
-        <p:spPr>
-          <a:xfrm>
-            <a:off x="8406580" y="1272195"/>
-            <a:ext cx="1209368" cy="523220"/>
-          </a:xfrm>
-          <a:prstGeom prst="rect">
-            <a:avLst/>
-          </a:prstGeom>
-          <a:noFill/>
-        </p:spPr>
-        <p:txBody>
-          <a:bodyPr wrap="square" rtlCol="0">
-            <a:spAutoFit/>
-          </a:bodyPr>
-          <a:lstStyle/>
-          <a:p>
-            <a:r>
-              <a:rPr lang="en-US" sz="2800" b="1" dirty="0"/>
-              <a:t>Open</a:t>
-            </a:r>
-            <a:endParaRPr lang="en-IN" sz="2800" b="1" dirty="0"/>
-          </a:p>
-        </p:txBody>
-      </p:sp>
-      <p:sp>
-        <p:nvSpPr>
-          <p:cNvPr id="6" name="Content Placeholder 5">
-            <a:extLst>
-              <a:ext uri="{FF2B5EF4-FFF2-40B4-BE49-F238E27FC236}">
-                <a16:creationId xmlns:a16="http://schemas.microsoft.com/office/drawing/2014/main" id="{A8DEFCBD-B33D-D55C-4542-F16A8B573D91}"/>
+          <p:cNvPr id="3" name="Content Placeholder 2">
+            <a:extLst>
+              <a:ext uri="{FF2B5EF4-FFF2-40B4-BE49-F238E27FC236}">
+                <a16:creationId xmlns:a16="http://schemas.microsoft.com/office/drawing/2014/main" id="{402B1C5A-9DE3-E078-5FB3-B1113D9F9F9C}"/>
               </a:ext>
             </a:extLst>
           </p:cNvPr>
@@ -6027,1412 +6352,109 @@
             <p:ph idx="1"/>
           </p:nvPr>
         </p:nvSpPr>
-        <p:spPr>
-          <a:xfrm>
-            <a:off x="1097280" y="2108201"/>
-            <a:ext cx="10058400" cy="6121399"/>
-          </a:xfrm>
-        </p:spPr>
+        <p:spPr/>
         <p:txBody>
           <a:bodyPr/>
           <a:lstStyle/>
           <a:p>
+            <a:r>
+              <a:rPr lang="en-US" dirty="0"/>
+              <a:t>2.1 The tool used for the back end is </a:t>
+            </a:r>
+          </a:p>
+          <a:p>
+            <a:pPr marL="384048" lvl="2" indent="0">
+              <a:buNone/>
+            </a:pPr>
+            <a:r>
+              <a:rPr lang="en-US" dirty="0"/>
+              <a:t>	* NODE JS</a:t>
+            </a:r>
+          </a:p>
+          <a:p>
+            <a:pPr marL="384048" lvl="2" indent="0">
+              <a:buNone/>
+            </a:pPr>
+            <a:r>
+              <a:rPr lang="en-US" dirty="0"/>
+              <a:t>2.1.1 The language is used for the Backend </a:t>
+            </a:r>
+            <a:r>
+              <a:rPr lang="en-US" b="1" dirty="0"/>
+              <a:t>POSTGRESQL</a:t>
+            </a:r>
             <a:endParaRPr lang="en-IN" dirty="0"/>
           </a:p>
-        </p:txBody>
-      </p:sp>
-      <p:cxnSp>
-        <p:nvCxnSpPr>
-          <p:cNvPr id="9" name="Straight Arrow Connector 8">
-            <a:extLst>
-              <a:ext uri="{FF2B5EF4-FFF2-40B4-BE49-F238E27FC236}">
-                <a16:creationId xmlns:a16="http://schemas.microsoft.com/office/drawing/2014/main" id="{B3B74865-8D39-A6E3-C38B-C7A930D86B14}"/>
-              </a:ext>
-            </a:extLst>
-          </p:cNvPr>
-          <p:cNvCxnSpPr>
-            <a:stCxn id="4" idx="2"/>
-          </p:cNvCxnSpPr>
-          <p:nvPr/>
-        </p:nvCxnSpPr>
-        <p:spPr>
-          <a:xfrm>
-            <a:off x="9011264" y="1795415"/>
-            <a:ext cx="0" cy="426675"/>
-          </a:xfrm>
-          <a:prstGeom prst="straightConnector1">
-            <a:avLst/>
-          </a:prstGeom>
-          <a:ln>
-            <a:tailEnd type="triangle"/>
-          </a:ln>
-        </p:spPr>
-        <p:style>
-          <a:lnRef idx="1">
-            <a:schemeClr val="accent1"/>
-          </a:lnRef>
-          <a:fillRef idx="0">
-            <a:schemeClr val="accent1"/>
-          </a:fillRef>
-          <a:effectRef idx="0">
-            <a:schemeClr val="accent1"/>
-          </a:effectRef>
-          <a:fontRef idx="minor">
-            <a:schemeClr val="tx1"/>
-          </a:fontRef>
-        </p:style>
-      </p:cxnSp>
-      <p:sp>
-        <p:nvSpPr>
-          <p:cNvPr id="10" name="Parallelogram 9">
-            <a:extLst>
-              <a:ext uri="{FF2B5EF4-FFF2-40B4-BE49-F238E27FC236}">
-                <a16:creationId xmlns:a16="http://schemas.microsoft.com/office/drawing/2014/main" id="{F7BC2F8D-4A19-C367-5696-540A52FA0EEB}"/>
-              </a:ext>
-            </a:extLst>
-          </p:cNvPr>
-          <p:cNvSpPr/>
-          <p:nvPr/>
-        </p:nvSpPr>
-        <p:spPr>
-          <a:xfrm>
-            <a:off x="8003462" y="2229543"/>
-            <a:ext cx="2015603" cy="426675"/>
-          </a:xfrm>
-          <a:prstGeom prst="parallelogram">
-            <a:avLst/>
-          </a:prstGeom>
-        </p:spPr>
-        <p:style>
-          <a:lnRef idx="2">
-            <a:schemeClr val="accent6"/>
-          </a:lnRef>
-          <a:fillRef idx="1">
-            <a:schemeClr val="lt1"/>
-          </a:fillRef>
-          <a:effectRef idx="0">
-            <a:schemeClr val="accent6"/>
-          </a:effectRef>
-          <a:fontRef idx="minor">
-            <a:schemeClr val="dk1"/>
-          </a:fontRef>
-        </p:style>
-        <p:txBody>
-          <a:bodyPr rtlCol="0" anchor="ctr"/>
-          <a:lstStyle/>
-          <a:p>
-            <a:pPr algn="ctr"/>
+          <a:p>
+            <a:pPr marL="384048" lvl="2" indent="0">
+              <a:buNone/>
+            </a:pPr>
+            <a:r>
+              <a:rPr lang="en-IN" dirty="0"/>
+              <a:t>2.2The tools or environ men is used for the front end is </a:t>
+            </a:r>
+          </a:p>
+          <a:p>
+            <a:pPr marL="384048" lvl="2" indent="0">
+              <a:buNone/>
+            </a:pPr>
+            <a:r>
+              <a:rPr lang="en-IN" dirty="0"/>
+              <a:t>	2.2.1 Android Studio</a:t>
+            </a:r>
+          </a:p>
+          <a:p>
+            <a:pPr marL="384048" lvl="2" indent="0">
+              <a:buNone/>
+            </a:pPr>
+            <a:r>
+              <a:rPr lang="en-IN" dirty="0"/>
+              <a:t>2.3The languages are used for the frontend is </a:t>
+            </a:r>
+          </a:p>
+          <a:p>
+            <a:pPr marL="384048" lvl="2" indent="0">
+              <a:buNone/>
+            </a:pPr>
+            <a:r>
+              <a:rPr lang="en-IN" dirty="0"/>
+              <a:t>	2.3.1 For the creations we used language </a:t>
+            </a:r>
+            <a:r>
+              <a:rPr lang="en-IN" b="1" dirty="0"/>
+              <a:t>XML</a:t>
+            </a:r>
             <a:endParaRPr lang="en-IN" dirty="0"/>
           </a:p>
-        </p:txBody>
-      </p:sp>
-      <p:sp>
-        <p:nvSpPr>
-          <p:cNvPr id="11" name="TextBox 10">
-            <a:extLst>
-              <a:ext uri="{FF2B5EF4-FFF2-40B4-BE49-F238E27FC236}">
-                <a16:creationId xmlns:a16="http://schemas.microsoft.com/office/drawing/2014/main" id="{B10B7494-D9ED-55DD-7080-7A583300A9CE}"/>
-              </a:ext>
-            </a:extLst>
-          </p:cNvPr>
-          <p:cNvSpPr txBox="1"/>
-          <p:nvPr/>
-        </p:nvSpPr>
-        <p:spPr>
-          <a:xfrm>
-            <a:off x="8136182" y="2229543"/>
-            <a:ext cx="1882877" cy="707886"/>
-          </a:xfrm>
-          <a:prstGeom prst="rect">
-            <a:avLst/>
-          </a:prstGeom>
-          <a:noFill/>
-        </p:spPr>
-        <p:txBody>
-          <a:bodyPr wrap="square" rtlCol="0">
-            <a:spAutoFit/>
-          </a:bodyPr>
-          <a:lstStyle/>
-          <a:p>
-            <a:r>
-              <a:rPr lang="en-US" sz="2000" b="1" dirty="0"/>
-              <a:t>Authentication</a:t>
-            </a:r>
-            <a:endParaRPr lang="en-IN" sz="2000" b="1" dirty="0"/>
-          </a:p>
-          <a:p>
-            <a:endParaRPr lang="en-IN" sz="2000" b="1" dirty="0"/>
-          </a:p>
-        </p:txBody>
-      </p:sp>
-      <p:cxnSp>
-        <p:nvCxnSpPr>
-          <p:cNvPr id="13" name="Straight Arrow Connector 12">
-            <a:extLst>
-              <a:ext uri="{FF2B5EF4-FFF2-40B4-BE49-F238E27FC236}">
-                <a16:creationId xmlns:a16="http://schemas.microsoft.com/office/drawing/2014/main" id="{8DC50A93-41BF-0AA1-7B8F-DCCBC869A38C}"/>
-              </a:ext>
-            </a:extLst>
-          </p:cNvPr>
-          <p:cNvCxnSpPr/>
-          <p:nvPr/>
-        </p:nvCxnSpPr>
-        <p:spPr>
-          <a:xfrm>
-            <a:off x="9011263" y="2656218"/>
-            <a:ext cx="0" cy="480272"/>
-          </a:xfrm>
-          <a:prstGeom prst="straightConnector1">
-            <a:avLst/>
-          </a:prstGeom>
-          <a:ln>
-            <a:tailEnd type="triangle"/>
-          </a:ln>
-        </p:spPr>
-        <p:style>
-          <a:lnRef idx="1">
-            <a:schemeClr val="accent1"/>
-          </a:lnRef>
-          <a:fillRef idx="0">
-            <a:schemeClr val="accent1"/>
-          </a:fillRef>
-          <a:effectRef idx="0">
-            <a:schemeClr val="accent1"/>
-          </a:effectRef>
-          <a:fontRef idx="minor">
-            <a:schemeClr val="tx1"/>
-          </a:fontRef>
-        </p:style>
-      </p:cxnSp>
-      <p:sp>
-        <p:nvSpPr>
-          <p:cNvPr id="14" name="Flowchart: Decision 13">
-            <a:extLst>
-              <a:ext uri="{FF2B5EF4-FFF2-40B4-BE49-F238E27FC236}">
-                <a16:creationId xmlns:a16="http://schemas.microsoft.com/office/drawing/2014/main" id="{64FE2456-5D45-BF2A-8072-2C4B0BFE473B}"/>
-              </a:ext>
-            </a:extLst>
-          </p:cNvPr>
-          <p:cNvSpPr/>
-          <p:nvPr/>
-        </p:nvSpPr>
-        <p:spPr>
-          <a:xfrm>
-            <a:off x="8286135" y="3128275"/>
-            <a:ext cx="1450255" cy="1119293"/>
-          </a:xfrm>
-          <a:prstGeom prst="flowChartDecision">
-            <a:avLst/>
-          </a:prstGeom>
-        </p:spPr>
-        <p:style>
-          <a:lnRef idx="2">
-            <a:schemeClr val="accent6"/>
-          </a:lnRef>
-          <a:fillRef idx="1">
-            <a:schemeClr val="lt1"/>
-          </a:fillRef>
-          <a:effectRef idx="0">
-            <a:schemeClr val="accent6"/>
-          </a:effectRef>
-          <a:fontRef idx="minor">
-            <a:schemeClr val="dk1"/>
-          </a:fontRef>
-        </p:style>
-        <p:txBody>
-          <a:bodyPr rtlCol="0" anchor="ctr"/>
-          <a:lstStyle/>
-          <a:p>
-            <a:pPr algn="ctr"/>
+          <a:p>
+            <a:pPr marL="384048" lvl="2" indent="0">
+              <a:buNone/>
+            </a:pPr>
+            <a:r>
+              <a:rPr lang="en-IN" dirty="0"/>
+              <a:t>	2.3.2For the action  to be for those created elements  or linking of the one element to their action is </a:t>
+            </a:r>
+            <a:r>
+              <a:rPr lang="en-IN" b="1" dirty="0"/>
+              <a:t>JAVA</a:t>
+            </a:r>
+            <a:r>
+              <a:rPr lang="en-IN" dirty="0"/>
+              <a:t> is language is used </a:t>
+            </a:r>
+          </a:p>
+          <a:p>
+            <a:pPr marL="384048" lvl="2" indent="0">
+              <a:buNone/>
+            </a:pPr>
             <a:endParaRPr lang="en-IN" dirty="0"/>
           </a:p>
         </p:txBody>
       </p:sp>
-      <p:sp>
-        <p:nvSpPr>
-          <p:cNvPr id="17" name="TextBox 16">
-            <a:extLst>
-              <a:ext uri="{FF2B5EF4-FFF2-40B4-BE49-F238E27FC236}">
-                <a16:creationId xmlns:a16="http://schemas.microsoft.com/office/drawing/2014/main" id="{4D9D56E8-643D-8A3A-ABE7-8BCB9E4158A6}"/>
-              </a:ext>
-            </a:extLst>
-          </p:cNvPr>
-          <p:cNvSpPr txBox="1"/>
-          <p:nvPr/>
-        </p:nvSpPr>
-        <p:spPr>
-          <a:xfrm>
-            <a:off x="8620420" y="3465052"/>
-            <a:ext cx="914400" cy="461665"/>
-          </a:xfrm>
-          <a:prstGeom prst="rect">
-            <a:avLst/>
-          </a:prstGeom>
-          <a:noFill/>
-        </p:spPr>
-        <p:txBody>
-          <a:bodyPr wrap="square" rtlCol="0">
-            <a:spAutoFit/>
-          </a:bodyPr>
-          <a:lstStyle/>
-          <a:p>
-            <a:r>
-              <a:rPr lang="en-US" sz="2400" b="1" dirty="0"/>
-              <a:t>Login</a:t>
-            </a:r>
-            <a:endParaRPr lang="en-IN" sz="2400" b="1" dirty="0"/>
-          </a:p>
-        </p:txBody>
-      </p:sp>
-      <p:cxnSp>
-        <p:nvCxnSpPr>
-          <p:cNvPr id="19" name="Straight Arrow Connector 18">
-            <a:extLst>
-              <a:ext uri="{FF2B5EF4-FFF2-40B4-BE49-F238E27FC236}">
-                <a16:creationId xmlns:a16="http://schemas.microsoft.com/office/drawing/2014/main" id="{2C38FCDC-6847-6634-BCD5-9D140F1815AB}"/>
-              </a:ext>
-            </a:extLst>
-          </p:cNvPr>
-          <p:cNvCxnSpPr>
-            <a:stCxn id="14" idx="2"/>
-          </p:cNvCxnSpPr>
-          <p:nvPr/>
-        </p:nvCxnSpPr>
-        <p:spPr>
-          <a:xfrm flipH="1">
-            <a:off x="9011262" y="4247568"/>
-            <a:ext cx="1" cy="388343"/>
-          </a:xfrm>
-          <a:prstGeom prst="straightConnector1">
-            <a:avLst/>
-          </a:prstGeom>
-          <a:ln>
-            <a:tailEnd type="triangle"/>
-          </a:ln>
-        </p:spPr>
-        <p:style>
-          <a:lnRef idx="1">
-            <a:schemeClr val="accent1"/>
-          </a:lnRef>
-          <a:fillRef idx="0">
-            <a:schemeClr val="accent1"/>
-          </a:fillRef>
-          <a:effectRef idx="0">
-            <a:schemeClr val="accent1"/>
-          </a:effectRef>
-          <a:fontRef idx="minor">
-            <a:schemeClr val="tx1"/>
-          </a:fontRef>
-        </p:style>
-      </p:cxnSp>
-      <p:cxnSp>
-        <p:nvCxnSpPr>
-          <p:cNvPr id="23" name="Straight Connector 22">
-            <a:extLst>
-              <a:ext uri="{FF2B5EF4-FFF2-40B4-BE49-F238E27FC236}">
-                <a16:creationId xmlns:a16="http://schemas.microsoft.com/office/drawing/2014/main" id="{55080AB9-A9E1-9262-D08F-3CA4D8E41F31}"/>
-              </a:ext>
-            </a:extLst>
-          </p:cNvPr>
-          <p:cNvCxnSpPr>
-            <a:cxnSpLocks/>
-          </p:cNvCxnSpPr>
-          <p:nvPr/>
-        </p:nvCxnSpPr>
-        <p:spPr>
-          <a:xfrm flipH="1">
-            <a:off x="7570839" y="3687921"/>
-            <a:ext cx="715296" cy="0"/>
-          </a:xfrm>
-          <a:prstGeom prst="line">
-            <a:avLst/>
-          </a:prstGeom>
-        </p:spPr>
-        <p:style>
-          <a:lnRef idx="1">
-            <a:schemeClr val="accent1"/>
-          </a:lnRef>
-          <a:fillRef idx="0">
-            <a:schemeClr val="accent1"/>
-          </a:fillRef>
-          <a:effectRef idx="0">
-            <a:schemeClr val="accent1"/>
-          </a:effectRef>
-          <a:fontRef idx="minor">
-            <a:schemeClr val="tx1"/>
-          </a:fontRef>
-        </p:style>
-      </p:cxnSp>
-      <p:cxnSp>
-        <p:nvCxnSpPr>
-          <p:cNvPr id="26" name="Straight Arrow Connector 25">
-            <a:extLst>
-              <a:ext uri="{FF2B5EF4-FFF2-40B4-BE49-F238E27FC236}">
-                <a16:creationId xmlns:a16="http://schemas.microsoft.com/office/drawing/2014/main" id="{36461F3A-F3ED-187A-9C3C-9733DDC3587B}"/>
-              </a:ext>
-            </a:extLst>
-          </p:cNvPr>
-          <p:cNvCxnSpPr/>
-          <p:nvPr/>
-        </p:nvCxnSpPr>
-        <p:spPr>
-          <a:xfrm>
-            <a:off x="7570839" y="3687921"/>
-            <a:ext cx="0" cy="402298"/>
-          </a:xfrm>
-          <a:prstGeom prst="straightConnector1">
-            <a:avLst/>
-          </a:prstGeom>
-          <a:ln>
-            <a:tailEnd type="triangle"/>
-          </a:ln>
-        </p:spPr>
-        <p:style>
-          <a:lnRef idx="1">
-            <a:schemeClr val="accent1"/>
-          </a:lnRef>
-          <a:fillRef idx="0">
-            <a:schemeClr val="accent1"/>
-          </a:fillRef>
-          <a:effectRef idx="0">
-            <a:schemeClr val="accent1"/>
-          </a:effectRef>
-          <a:fontRef idx="minor">
-            <a:schemeClr val="tx1"/>
-          </a:fontRef>
-        </p:style>
-      </p:cxnSp>
-      <p:sp>
-        <p:nvSpPr>
-          <p:cNvPr id="27" name="TextBox 26">
-            <a:extLst>
-              <a:ext uri="{FF2B5EF4-FFF2-40B4-BE49-F238E27FC236}">
-                <a16:creationId xmlns:a16="http://schemas.microsoft.com/office/drawing/2014/main" id="{381718AC-6171-2E64-99C2-E49C05B34CE9}"/>
-              </a:ext>
-            </a:extLst>
-          </p:cNvPr>
-          <p:cNvSpPr txBox="1"/>
-          <p:nvPr/>
-        </p:nvSpPr>
-        <p:spPr>
-          <a:xfrm>
-            <a:off x="7624180" y="3389671"/>
-            <a:ext cx="914400" cy="369332"/>
-          </a:xfrm>
-          <a:prstGeom prst="rect">
-            <a:avLst/>
-          </a:prstGeom>
-          <a:noFill/>
-        </p:spPr>
-        <p:txBody>
-          <a:bodyPr wrap="square" rtlCol="0">
-            <a:spAutoFit/>
-          </a:bodyPr>
-          <a:lstStyle/>
-          <a:p>
-            <a:r>
-              <a:rPr lang="en-US" b="1" dirty="0" err="1"/>
-              <a:t>faill</a:t>
-            </a:r>
-            <a:endParaRPr lang="en-IN" b="1" dirty="0"/>
-          </a:p>
-        </p:txBody>
-      </p:sp>
-      <p:sp>
-        <p:nvSpPr>
-          <p:cNvPr id="28" name="Flowchart: Data 27">
-            <a:extLst>
-              <a:ext uri="{FF2B5EF4-FFF2-40B4-BE49-F238E27FC236}">
-                <a16:creationId xmlns:a16="http://schemas.microsoft.com/office/drawing/2014/main" id="{C8AAC2E7-6A90-C9A6-A74A-18A7B7FE3F73}"/>
-              </a:ext>
-            </a:extLst>
-          </p:cNvPr>
-          <p:cNvSpPr/>
-          <p:nvPr/>
-        </p:nvSpPr>
-        <p:spPr>
-          <a:xfrm>
-            <a:off x="6567459" y="4109014"/>
-            <a:ext cx="1839121" cy="590793"/>
-          </a:xfrm>
-          <a:prstGeom prst="flowChartInputOutput">
-            <a:avLst/>
-          </a:prstGeom>
-        </p:spPr>
-        <p:style>
-          <a:lnRef idx="2">
-            <a:schemeClr val="accent6"/>
-          </a:lnRef>
-          <a:fillRef idx="1">
-            <a:schemeClr val="lt1"/>
-          </a:fillRef>
-          <a:effectRef idx="0">
-            <a:schemeClr val="accent6"/>
-          </a:effectRef>
-          <a:fontRef idx="minor">
-            <a:schemeClr val="dk1"/>
-          </a:fontRef>
-        </p:style>
-        <p:txBody>
-          <a:bodyPr rtlCol="0" anchor="ctr"/>
-          <a:lstStyle/>
-          <a:p>
-            <a:pPr algn="ctr"/>
-            <a:endParaRPr lang="en-IN">
-              <a:solidFill>
-                <a:schemeClr val="bg2"/>
-              </a:solidFill>
-            </a:endParaRPr>
-          </a:p>
-        </p:txBody>
-      </p:sp>
-      <p:sp>
-        <p:nvSpPr>
-          <p:cNvPr id="29" name="TextBox 28">
-            <a:extLst>
-              <a:ext uri="{FF2B5EF4-FFF2-40B4-BE49-F238E27FC236}">
-                <a16:creationId xmlns:a16="http://schemas.microsoft.com/office/drawing/2014/main" id="{CE4B2FDE-6693-F5E1-3C7B-5ED5F7F2D4F5}"/>
-              </a:ext>
-            </a:extLst>
-          </p:cNvPr>
-          <p:cNvSpPr txBox="1"/>
-          <p:nvPr/>
-        </p:nvSpPr>
-        <p:spPr>
-          <a:xfrm>
-            <a:off x="6845712" y="4068965"/>
-            <a:ext cx="1450253" cy="646331"/>
-          </a:xfrm>
-          <a:prstGeom prst="rect">
-            <a:avLst/>
-          </a:prstGeom>
-          <a:noFill/>
-        </p:spPr>
-        <p:txBody>
-          <a:bodyPr wrap="square" rtlCol="0">
-            <a:spAutoFit/>
-          </a:bodyPr>
-          <a:lstStyle/>
-          <a:p>
-            <a:r>
-              <a:rPr lang="en-US" b="1" dirty="0"/>
-              <a:t>Forgot password</a:t>
-            </a:r>
-            <a:endParaRPr lang="en-IN" b="1" dirty="0"/>
-          </a:p>
-        </p:txBody>
-      </p:sp>
-      <p:cxnSp>
-        <p:nvCxnSpPr>
-          <p:cNvPr id="31" name="Straight Arrow Connector 30">
-            <a:extLst>
-              <a:ext uri="{FF2B5EF4-FFF2-40B4-BE49-F238E27FC236}">
-                <a16:creationId xmlns:a16="http://schemas.microsoft.com/office/drawing/2014/main" id="{7FD3C309-E77C-8931-81AA-D5F8930DB74D}"/>
-              </a:ext>
-            </a:extLst>
-          </p:cNvPr>
-          <p:cNvCxnSpPr>
-            <a:cxnSpLocks/>
-          </p:cNvCxnSpPr>
-          <p:nvPr/>
-        </p:nvCxnSpPr>
-        <p:spPr>
-          <a:xfrm>
-            <a:off x="7354529" y="4699807"/>
-            <a:ext cx="0" cy="396532"/>
-          </a:xfrm>
-          <a:prstGeom prst="straightConnector1">
-            <a:avLst/>
-          </a:prstGeom>
-          <a:ln>
-            <a:tailEnd type="triangle"/>
-          </a:ln>
-        </p:spPr>
-        <p:style>
-          <a:lnRef idx="1">
-            <a:schemeClr val="accent1"/>
-          </a:lnRef>
-          <a:fillRef idx="0">
-            <a:schemeClr val="accent1"/>
-          </a:fillRef>
-          <a:effectRef idx="0">
-            <a:schemeClr val="accent1"/>
-          </a:effectRef>
-          <a:fontRef idx="minor">
-            <a:schemeClr val="tx1"/>
-          </a:fontRef>
-        </p:style>
-      </p:cxnSp>
-      <p:sp>
-        <p:nvSpPr>
-          <p:cNvPr id="33" name="Flowchart: Data 32">
-            <a:extLst>
-              <a:ext uri="{FF2B5EF4-FFF2-40B4-BE49-F238E27FC236}">
-                <a16:creationId xmlns:a16="http://schemas.microsoft.com/office/drawing/2014/main" id="{A26C7C48-8647-A184-1E7A-2D5776876AB7}"/>
-              </a:ext>
-            </a:extLst>
-          </p:cNvPr>
-          <p:cNvSpPr/>
-          <p:nvPr/>
-        </p:nvSpPr>
-        <p:spPr>
-          <a:xfrm>
-            <a:off x="6434968" y="5084955"/>
-            <a:ext cx="1839121" cy="463803"/>
-          </a:xfrm>
-          <a:prstGeom prst="flowChartInputOutput">
-            <a:avLst/>
-          </a:prstGeom>
-        </p:spPr>
-        <p:style>
-          <a:lnRef idx="2">
-            <a:schemeClr val="accent6"/>
-          </a:lnRef>
-          <a:fillRef idx="1">
-            <a:schemeClr val="lt1"/>
-          </a:fillRef>
-          <a:effectRef idx="0">
-            <a:schemeClr val="accent6"/>
-          </a:effectRef>
-          <a:fontRef idx="minor">
-            <a:schemeClr val="dk1"/>
-          </a:fontRef>
-        </p:style>
-        <p:txBody>
-          <a:bodyPr rtlCol="0" anchor="ctr"/>
-          <a:lstStyle/>
-          <a:p>
-            <a:pPr algn="ctr"/>
-            <a:endParaRPr lang="en-IN"/>
-          </a:p>
-        </p:txBody>
-      </p:sp>
-      <p:sp>
-        <p:nvSpPr>
-          <p:cNvPr id="34" name="TextBox 33">
-            <a:extLst>
-              <a:ext uri="{FF2B5EF4-FFF2-40B4-BE49-F238E27FC236}">
-                <a16:creationId xmlns:a16="http://schemas.microsoft.com/office/drawing/2014/main" id="{CD21411F-967E-CDD6-30C6-3EA933B67D53}"/>
-              </a:ext>
-            </a:extLst>
-          </p:cNvPr>
-          <p:cNvSpPr txBox="1"/>
-          <p:nvPr/>
-        </p:nvSpPr>
-        <p:spPr>
-          <a:xfrm>
-            <a:off x="6878896" y="5074930"/>
-            <a:ext cx="1111046" cy="461665"/>
-          </a:xfrm>
-          <a:prstGeom prst="rect">
-            <a:avLst/>
-          </a:prstGeom>
-          <a:noFill/>
-        </p:spPr>
-        <p:txBody>
-          <a:bodyPr wrap="square" rtlCol="0">
-            <a:spAutoFit/>
-          </a:bodyPr>
-          <a:lstStyle/>
-          <a:p>
-            <a:r>
-              <a:rPr lang="en-US" sz="2400" b="1" dirty="0"/>
-              <a:t>Reset</a:t>
-            </a:r>
-            <a:endParaRPr lang="en-IN" sz="2400" b="1" dirty="0"/>
-          </a:p>
-        </p:txBody>
-      </p:sp>
-      <p:cxnSp>
-        <p:nvCxnSpPr>
-          <p:cNvPr id="36" name="Straight Connector 35">
-            <a:extLst>
-              <a:ext uri="{FF2B5EF4-FFF2-40B4-BE49-F238E27FC236}">
-                <a16:creationId xmlns:a16="http://schemas.microsoft.com/office/drawing/2014/main" id="{1809943E-6669-5BC6-AAF7-0AAC682FC424}"/>
-              </a:ext>
-            </a:extLst>
-          </p:cNvPr>
-          <p:cNvCxnSpPr>
-            <a:cxnSpLocks/>
-          </p:cNvCxnSpPr>
-          <p:nvPr/>
-        </p:nvCxnSpPr>
-        <p:spPr>
-          <a:xfrm flipH="1">
-            <a:off x="5869858" y="5316856"/>
-            <a:ext cx="697601" cy="0"/>
-          </a:xfrm>
-          <a:prstGeom prst="line">
-            <a:avLst/>
-          </a:prstGeom>
-        </p:spPr>
-        <p:style>
-          <a:lnRef idx="1">
-            <a:schemeClr val="accent1"/>
-          </a:lnRef>
-          <a:fillRef idx="0">
-            <a:schemeClr val="accent1"/>
-          </a:fillRef>
-          <a:effectRef idx="0">
-            <a:schemeClr val="accent1"/>
-          </a:effectRef>
-          <a:fontRef idx="minor">
-            <a:schemeClr val="tx1"/>
-          </a:fontRef>
-        </p:style>
-      </p:cxnSp>
-      <p:cxnSp>
-        <p:nvCxnSpPr>
-          <p:cNvPr id="39" name="Straight Connector 38">
-            <a:extLst>
-              <a:ext uri="{FF2B5EF4-FFF2-40B4-BE49-F238E27FC236}">
-                <a16:creationId xmlns:a16="http://schemas.microsoft.com/office/drawing/2014/main" id="{77817688-83D9-C90C-BE4D-71F333E732EC}"/>
-              </a:ext>
-            </a:extLst>
-          </p:cNvPr>
-          <p:cNvCxnSpPr/>
-          <p:nvPr/>
-        </p:nvCxnSpPr>
-        <p:spPr>
-          <a:xfrm flipV="1">
-            <a:off x="5869858" y="3048000"/>
-            <a:ext cx="0" cy="2268856"/>
-          </a:xfrm>
-          <a:prstGeom prst="line">
-            <a:avLst/>
-          </a:prstGeom>
-        </p:spPr>
-        <p:style>
-          <a:lnRef idx="1">
-            <a:schemeClr val="accent1"/>
-          </a:lnRef>
-          <a:fillRef idx="0">
-            <a:schemeClr val="accent1"/>
-          </a:fillRef>
-          <a:effectRef idx="0">
-            <a:schemeClr val="accent1"/>
-          </a:effectRef>
-          <a:fontRef idx="minor">
-            <a:schemeClr val="tx1"/>
-          </a:fontRef>
-        </p:style>
-      </p:cxnSp>
-      <p:cxnSp>
-        <p:nvCxnSpPr>
-          <p:cNvPr id="41" name="Straight Arrow Connector 40">
-            <a:extLst>
-              <a:ext uri="{FF2B5EF4-FFF2-40B4-BE49-F238E27FC236}">
-                <a16:creationId xmlns:a16="http://schemas.microsoft.com/office/drawing/2014/main" id="{EE7075D7-B495-8A7B-325E-A0E7F01C31F1}"/>
-              </a:ext>
-            </a:extLst>
-          </p:cNvPr>
-          <p:cNvCxnSpPr/>
-          <p:nvPr/>
-        </p:nvCxnSpPr>
-        <p:spPr>
-          <a:xfrm>
-            <a:off x="5869858" y="3048000"/>
-            <a:ext cx="3048000" cy="0"/>
-          </a:xfrm>
-          <a:prstGeom prst="straightConnector1">
-            <a:avLst/>
-          </a:prstGeom>
-          <a:ln>
-            <a:tailEnd type="triangle"/>
-          </a:ln>
-        </p:spPr>
-        <p:style>
-          <a:lnRef idx="1">
-            <a:schemeClr val="accent1"/>
-          </a:lnRef>
-          <a:fillRef idx="0">
-            <a:schemeClr val="accent1"/>
-          </a:fillRef>
-          <a:effectRef idx="0">
-            <a:schemeClr val="accent1"/>
-          </a:effectRef>
-          <a:fontRef idx="minor">
-            <a:schemeClr val="tx1"/>
-          </a:fontRef>
-        </p:style>
-      </p:cxnSp>
-      <p:sp>
-        <p:nvSpPr>
-          <p:cNvPr id="42" name="Rectangle 41">
-            <a:extLst>
-              <a:ext uri="{FF2B5EF4-FFF2-40B4-BE49-F238E27FC236}">
-                <a16:creationId xmlns:a16="http://schemas.microsoft.com/office/drawing/2014/main" id="{AE4BEC74-7970-0948-5A7D-11CB74D66A97}"/>
-              </a:ext>
-            </a:extLst>
-          </p:cNvPr>
-          <p:cNvSpPr/>
-          <p:nvPr/>
-        </p:nvSpPr>
-        <p:spPr>
-          <a:xfrm>
-            <a:off x="8337384" y="4670525"/>
-            <a:ext cx="1480472" cy="646331"/>
-          </a:xfrm>
-          <a:prstGeom prst="rect">
-            <a:avLst/>
-          </a:prstGeom>
-        </p:spPr>
-        <p:style>
-          <a:lnRef idx="2">
-            <a:schemeClr val="accent6"/>
-          </a:lnRef>
-          <a:fillRef idx="1">
-            <a:schemeClr val="lt1"/>
-          </a:fillRef>
-          <a:effectRef idx="0">
-            <a:schemeClr val="accent6"/>
-          </a:effectRef>
-          <a:fontRef idx="minor">
-            <a:schemeClr val="dk1"/>
-          </a:fontRef>
-        </p:style>
-        <p:txBody>
-          <a:bodyPr rtlCol="0" anchor="ctr"/>
-          <a:lstStyle/>
-          <a:p>
-            <a:pPr algn="ctr"/>
-            <a:endParaRPr lang="en-IN"/>
-          </a:p>
-        </p:txBody>
-      </p:sp>
-      <p:sp>
-        <p:nvSpPr>
-          <p:cNvPr id="43" name="TextBox 42">
-            <a:extLst>
-              <a:ext uri="{FF2B5EF4-FFF2-40B4-BE49-F238E27FC236}">
-                <a16:creationId xmlns:a16="http://schemas.microsoft.com/office/drawing/2014/main" id="{EBD22BED-1DB7-F1FD-5596-E1191E7D1E3B}"/>
-              </a:ext>
-            </a:extLst>
-          </p:cNvPr>
-          <p:cNvSpPr txBox="1"/>
-          <p:nvPr/>
-        </p:nvSpPr>
-        <p:spPr>
-          <a:xfrm>
-            <a:off x="8454944" y="4843703"/>
-            <a:ext cx="1902540" cy="369332"/>
-          </a:xfrm>
-          <a:prstGeom prst="rect">
-            <a:avLst/>
-          </a:prstGeom>
-          <a:noFill/>
-        </p:spPr>
-        <p:txBody>
-          <a:bodyPr wrap="square" rtlCol="0">
-            <a:spAutoFit/>
-          </a:bodyPr>
-          <a:lstStyle/>
-          <a:p>
-            <a:r>
-              <a:rPr lang="en-US" b="1" dirty="0"/>
-              <a:t>Home page</a:t>
-            </a:r>
-            <a:endParaRPr lang="en-IN" b="1" dirty="0"/>
-          </a:p>
-        </p:txBody>
-      </p:sp>
-      <p:cxnSp>
-        <p:nvCxnSpPr>
-          <p:cNvPr id="45" name="Straight Connector 44">
-            <a:extLst>
-              <a:ext uri="{FF2B5EF4-FFF2-40B4-BE49-F238E27FC236}">
-                <a16:creationId xmlns:a16="http://schemas.microsoft.com/office/drawing/2014/main" id="{43C31C3F-458E-0DF9-2453-CC03F63BFEA7}"/>
-              </a:ext>
-            </a:extLst>
-          </p:cNvPr>
-          <p:cNvCxnSpPr/>
-          <p:nvPr/>
-        </p:nvCxnSpPr>
-        <p:spPr>
-          <a:xfrm>
-            <a:off x="9011262" y="5316856"/>
-            <a:ext cx="0" cy="395686"/>
-          </a:xfrm>
-          <a:prstGeom prst="line">
-            <a:avLst/>
-          </a:prstGeom>
-        </p:spPr>
-        <p:style>
-          <a:lnRef idx="1">
-            <a:schemeClr val="accent1"/>
-          </a:lnRef>
-          <a:fillRef idx="0">
-            <a:schemeClr val="accent1"/>
-          </a:fillRef>
-          <a:effectRef idx="0">
-            <a:schemeClr val="accent1"/>
-          </a:effectRef>
-          <a:fontRef idx="minor">
-            <a:schemeClr val="tx1"/>
-          </a:fontRef>
-        </p:style>
-      </p:cxnSp>
-      <p:cxnSp>
-        <p:nvCxnSpPr>
-          <p:cNvPr id="47" name="Straight Connector 46">
-            <a:extLst>
-              <a:ext uri="{FF2B5EF4-FFF2-40B4-BE49-F238E27FC236}">
-                <a16:creationId xmlns:a16="http://schemas.microsoft.com/office/drawing/2014/main" id="{54961FCF-1DA2-F1C7-53D4-9710009B2C7A}"/>
-              </a:ext>
-            </a:extLst>
-          </p:cNvPr>
-          <p:cNvCxnSpPr>
-            <a:cxnSpLocks/>
-          </p:cNvCxnSpPr>
-          <p:nvPr/>
-        </p:nvCxnSpPr>
-        <p:spPr>
-          <a:xfrm>
-            <a:off x="7266039" y="5712542"/>
-            <a:ext cx="3736258" cy="0"/>
-          </a:xfrm>
-          <a:prstGeom prst="line">
-            <a:avLst/>
-          </a:prstGeom>
-        </p:spPr>
-        <p:style>
-          <a:lnRef idx="1">
-            <a:schemeClr val="accent1"/>
-          </a:lnRef>
-          <a:fillRef idx="0">
-            <a:schemeClr val="accent1"/>
-          </a:fillRef>
-          <a:effectRef idx="0">
-            <a:schemeClr val="accent1"/>
-          </a:effectRef>
-          <a:fontRef idx="minor">
-            <a:schemeClr val="tx1"/>
-          </a:fontRef>
-        </p:style>
-      </p:cxnSp>
-      <p:cxnSp>
-        <p:nvCxnSpPr>
-          <p:cNvPr id="50" name="Straight Arrow Connector 49">
-            <a:extLst>
-              <a:ext uri="{FF2B5EF4-FFF2-40B4-BE49-F238E27FC236}">
-                <a16:creationId xmlns:a16="http://schemas.microsoft.com/office/drawing/2014/main" id="{C8539B9A-45AE-7B4D-EA2E-664DEC67A43B}"/>
-              </a:ext>
-            </a:extLst>
-          </p:cNvPr>
-          <p:cNvCxnSpPr>
-            <a:cxnSpLocks/>
-          </p:cNvCxnSpPr>
-          <p:nvPr/>
-        </p:nvCxnSpPr>
-        <p:spPr>
-          <a:xfrm flipH="1">
-            <a:off x="7266039" y="5723974"/>
-            <a:ext cx="9832" cy="364560"/>
-          </a:xfrm>
-          <a:prstGeom prst="straightConnector1">
-            <a:avLst/>
-          </a:prstGeom>
-          <a:ln>
-            <a:tailEnd type="triangle"/>
-          </a:ln>
-        </p:spPr>
-        <p:style>
-          <a:lnRef idx="1">
-            <a:schemeClr val="accent1"/>
-          </a:lnRef>
-          <a:fillRef idx="0">
-            <a:schemeClr val="accent1"/>
-          </a:fillRef>
-          <a:effectRef idx="0">
-            <a:schemeClr val="accent1"/>
-          </a:effectRef>
-          <a:fontRef idx="minor">
-            <a:schemeClr val="tx1"/>
-          </a:fontRef>
-        </p:style>
-      </p:cxnSp>
-      <p:cxnSp>
-        <p:nvCxnSpPr>
-          <p:cNvPr id="52" name="Straight Arrow Connector 51">
-            <a:extLst>
-              <a:ext uri="{FF2B5EF4-FFF2-40B4-BE49-F238E27FC236}">
-                <a16:creationId xmlns:a16="http://schemas.microsoft.com/office/drawing/2014/main" id="{273B63DE-BB74-804D-9796-A90679CD8AF1}"/>
-              </a:ext>
-            </a:extLst>
-          </p:cNvPr>
-          <p:cNvCxnSpPr/>
-          <p:nvPr/>
-        </p:nvCxnSpPr>
-        <p:spPr>
-          <a:xfrm>
-            <a:off x="8620420" y="5723974"/>
-            <a:ext cx="0" cy="375991"/>
-          </a:xfrm>
-          <a:prstGeom prst="straightConnector1">
-            <a:avLst/>
-          </a:prstGeom>
-          <a:ln>
-            <a:tailEnd type="triangle"/>
-          </a:ln>
-        </p:spPr>
-        <p:style>
-          <a:lnRef idx="1">
-            <a:schemeClr val="accent1"/>
-          </a:lnRef>
-          <a:fillRef idx="0">
-            <a:schemeClr val="accent1"/>
-          </a:fillRef>
-          <a:effectRef idx="0">
-            <a:schemeClr val="accent1"/>
-          </a:effectRef>
-          <a:fontRef idx="minor">
-            <a:schemeClr val="tx1"/>
-          </a:fontRef>
-        </p:style>
-      </p:cxnSp>
-      <p:cxnSp>
-        <p:nvCxnSpPr>
-          <p:cNvPr id="54" name="Straight Arrow Connector 53">
-            <a:extLst>
-              <a:ext uri="{FF2B5EF4-FFF2-40B4-BE49-F238E27FC236}">
-                <a16:creationId xmlns:a16="http://schemas.microsoft.com/office/drawing/2014/main" id="{078640C3-EB06-0955-D8AA-E346AB2BB7F2}"/>
-              </a:ext>
-            </a:extLst>
-          </p:cNvPr>
-          <p:cNvCxnSpPr/>
-          <p:nvPr/>
-        </p:nvCxnSpPr>
-        <p:spPr>
-          <a:xfrm>
-            <a:off x="9910916" y="5723974"/>
-            <a:ext cx="0" cy="387422"/>
-          </a:xfrm>
-          <a:prstGeom prst="straightConnector1">
-            <a:avLst/>
-          </a:prstGeom>
-          <a:ln>
-            <a:tailEnd type="triangle"/>
-          </a:ln>
-        </p:spPr>
-        <p:style>
-          <a:lnRef idx="1">
-            <a:schemeClr val="accent1"/>
-          </a:lnRef>
-          <a:fillRef idx="0">
-            <a:schemeClr val="accent1"/>
-          </a:fillRef>
-          <a:effectRef idx="0">
-            <a:schemeClr val="accent1"/>
-          </a:effectRef>
-          <a:fontRef idx="minor">
-            <a:schemeClr val="tx1"/>
-          </a:fontRef>
-        </p:style>
-      </p:cxnSp>
-      <p:cxnSp>
-        <p:nvCxnSpPr>
-          <p:cNvPr id="56" name="Straight Arrow Connector 55">
-            <a:extLst>
-              <a:ext uri="{FF2B5EF4-FFF2-40B4-BE49-F238E27FC236}">
-                <a16:creationId xmlns:a16="http://schemas.microsoft.com/office/drawing/2014/main" id="{69CEA37A-0840-94F8-0D8E-D52A1732DFEC}"/>
-              </a:ext>
-            </a:extLst>
-          </p:cNvPr>
-          <p:cNvCxnSpPr/>
-          <p:nvPr/>
-        </p:nvCxnSpPr>
-        <p:spPr>
-          <a:xfrm>
-            <a:off x="11002297" y="5712542"/>
-            <a:ext cx="0" cy="375992"/>
-          </a:xfrm>
-          <a:prstGeom prst="straightConnector1">
-            <a:avLst/>
-          </a:prstGeom>
-          <a:ln>
-            <a:tailEnd type="triangle"/>
-          </a:ln>
-        </p:spPr>
-        <p:style>
-          <a:lnRef idx="1">
-            <a:schemeClr val="accent1"/>
-          </a:lnRef>
-          <a:fillRef idx="0">
-            <a:schemeClr val="accent1"/>
-          </a:fillRef>
-          <a:effectRef idx="0">
-            <a:schemeClr val="accent1"/>
-          </a:effectRef>
-          <a:fontRef idx="minor">
-            <a:schemeClr val="tx1"/>
-          </a:fontRef>
-        </p:style>
-      </p:cxnSp>
-      <p:sp>
-        <p:nvSpPr>
-          <p:cNvPr id="57" name="Flowchart: Data 56">
-            <a:extLst>
-              <a:ext uri="{FF2B5EF4-FFF2-40B4-BE49-F238E27FC236}">
-                <a16:creationId xmlns:a16="http://schemas.microsoft.com/office/drawing/2014/main" id="{DA067EA5-69D4-BCAB-AA7F-7A95A3BD0BC1}"/>
-              </a:ext>
-            </a:extLst>
-          </p:cNvPr>
-          <p:cNvSpPr/>
-          <p:nvPr/>
-        </p:nvSpPr>
-        <p:spPr>
-          <a:xfrm>
-            <a:off x="6434968" y="6111396"/>
-            <a:ext cx="1495982" cy="364560"/>
-          </a:xfrm>
-          <a:prstGeom prst="flowChartInputOutput">
-            <a:avLst/>
-          </a:prstGeom>
-        </p:spPr>
-        <p:style>
-          <a:lnRef idx="2">
-            <a:schemeClr val="accent6"/>
-          </a:lnRef>
-          <a:fillRef idx="1">
-            <a:schemeClr val="lt1"/>
-          </a:fillRef>
-          <a:effectRef idx="0">
-            <a:schemeClr val="accent6"/>
-          </a:effectRef>
-          <a:fontRef idx="minor">
-            <a:schemeClr val="dk1"/>
-          </a:fontRef>
-        </p:style>
-        <p:txBody>
-          <a:bodyPr rtlCol="0" anchor="ctr"/>
-          <a:lstStyle/>
-          <a:p>
-            <a:pPr algn="ctr"/>
-            <a:endParaRPr lang="en-IN" dirty="0"/>
-          </a:p>
-        </p:txBody>
-      </p:sp>
-      <p:sp>
-        <p:nvSpPr>
-          <p:cNvPr id="58" name="Flowchart: Data 57">
-            <a:extLst>
-              <a:ext uri="{FF2B5EF4-FFF2-40B4-BE49-F238E27FC236}">
-                <a16:creationId xmlns:a16="http://schemas.microsoft.com/office/drawing/2014/main" id="{D729671F-A4D0-5361-0A30-AE4CDF24C8BE}"/>
-              </a:ext>
-            </a:extLst>
-          </p:cNvPr>
-          <p:cNvSpPr/>
-          <p:nvPr/>
-        </p:nvSpPr>
-        <p:spPr>
-          <a:xfrm>
-            <a:off x="7790589" y="6124125"/>
-            <a:ext cx="1495982" cy="664615"/>
-          </a:xfrm>
-          <a:prstGeom prst="flowChartInputOutput">
-            <a:avLst/>
-          </a:prstGeom>
-        </p:spPr>
-        <p:style>
-          <a:lnRef idx="2">
-            <a:schemeClr val="accent6"/>
-          </a:lnRef>
-          <a:fillRef idx="1">
-            <a:schemeClr val="lt1"/>
-          </a:fillRef>
-          <a:effectRef idx="0">
-            <a:schemeClr val="accent6"/>
-          </a:effectRef>
-          <a:fontRef idx="minor">
-            <a:schemeClr val="dk1"/>
-          </a:fontRef>
-        </p:style>
-        <p:txBody>
-          <a:bodyPr rtlCol="0" anchor="ctr"/>
-          <a:lstStyle/>
-          <a:p>
-            <a:pPr algn="ctr"/>
-            <a:endParaRPr lang="en-IN" dirty="0"/>
-          </a:p>
-        </p:txBody>
-      </p:sp>
-      <p:sp>
-        <p:nvSpPr>
-          <p:cNvPr id="59" name="Flowchart: Data 58">
-            <a:extLst>
-              <a:ext uri="{FF2B5EF4-FFF2-40B4-BE49-F238E27FC236}">
-                <a16:creationId xmlns:a16="http://schemas.microsoft.com/office/drawing/2014/main" id="{E706A2D5-A1B0-1986-64BA-B0D9C4D2CD62}"/>
-              </a:ext>
-            </a:extLst>
-          </p:cNvPr>
-          <p:cNvSpPr/>
-          <p:nvPr/>
-        </p:nvSpPr>
-        <p:spPr>
-          <a:xfrm>
-            <a:off x="9175707" y="6135557"/>
-            <a:ext cx="1495982" cy="364560"/>
-          </a:xfrm>
-          <a:prstGeom prst="flowChartInputOutput">
-            <a:avLst/>
-          </a:prstGeom>
-        </p:spPr>
-        <p:style>
-          <a:lnRef idx="2">
-            <a:schemeClr val="accent6"/>
-          </a:lnRef>
-          <a:fillRef idx="1">
-            <a:schemeClr val="lt1"/>
-          </a:fillRef>
-          <a:effectRef idx="0">
-            <a:schemeClr val="accent6"/>
-          </a:effectRef>
-          <a:fontRef idx="minor">
-            <a:schemeClr val="dk1"/>
-          </a:fontRef>
-        </p:style>
-        <p:txBody>
-          <a:bodyPr rtlCol="0" anchor="ctr"/>
-          <a:lstStyle/>
-          <a:p>
-            <a:pPr algn="ctr"/>
-            <a:endParaRPr lang="en-IN" dirty="0"/>
-          </a:p>
-        </p:txBody>
-      </p:sp>
-      <p:sp>
-        <p:nvSpPr>
-          <p:cNvPr id="60" name="Flowchart: Data 59">
-            <a:extLst>
-              <a:ext uri="{FF2B5EF4-FFF2-40B4-BE49-F238E27FC236}">
-                <a16:creationId xmlns:a16="http://schemas.microsoft.com/office/drawing/2014/main" id="{7C2AEB4E-A8C5-B80A-29A7-5D898FC5279B}"/>
-              </a:ext>
-            </a:extLst>
-          </p:cNvPr>
-          <p:cNvSpPr/>
-          <p:nvPr/>
-        </p:nvSpPr>
-        <p:spPr>
-          <a:xfrm>
-            <a:off x="10506502" y="6135557"/>
-            <a:ext cx="1495982" cy="364560"/>
-          </a:xfrm>
-          <a:prstGeom prst="flowChartInputOutput">
-            <a:avLst/>
-          </a:prstGeom>
-        </p:spPr>
-        <p:style>
-          <a:lnRef idx="2">
-            <a:schemeClr val="accent6"/>
-          </a:lnRef>
-          <a:fillRef idx="1">
-            <a:schemeClr val="lt1"/>
-          </a:fillRef>
-          <a:effectRef idx="0">
-            <a:schemeClr val="accent6"/>
-          </a:effectRef>
-          <a:fontRef idx="minor">
-            <a:schemeClr val="dk1"/>
-          </a:fontRef>
-        </p:style>
-        <p:txBody>
-          <a:bodyPr rtlCol="0" anchor="ctr"/>
-          <a:lstStyle/>
-          <a:p>
-            <a:pPr algn="ctr"/>
-            <a:endParaRPr lang="en-IN" dirty="0"/>
-          </a:p>
-        </p:txBody>
-      </p:sp>
-      <p:sp>
-        <p:nvSpPr>
-          <p:cNvPr id="61" name="TextBox 60">
-            <a:extLst>
-              <a:ext uri="{FF2B5EF4-FFF2-40B4-BE49-F238E27FC236}">
-                <a16:creationId xmlns:a16="http://schemas.microsoft.com/office/drawing/2014/main" id="{7875796C-67F6-917A-D031-BA38F7EA05DA}"/>
-              </a:ext>
-            </a:extLst>
-          </p:cNvPr>
-          <p:cNvSpPr txBox="1"/>
-          <p:nvPr/>
-        </p:nvSpPr>
-        <p:spPr>
-          <a:xfrm>
-            <a:off x="6592292" y="6125173"/>
-            <a:ext cx="1198298" cy="369332"/>
-          </a:xfrm>
-          <a:prstGeom prst="rect">
-            <a:avLst/>
-          </a:prstGeom>
-          <a:noFill/>
-        </p:spPr>
-        <p:txBody>
-          <a:bodyPr wrap="square" rtlCol="0">
-            <a:spAutoFit/>
-          </a:bodyPr>
-          <a:lstStyle/>
-          <a:p>
-            <a:r>
-              <a:rPr lang="en-US" b="1" dirty="0"/>
-              <a:t>Feedback</a:t>
-            </a:r>
-            <a:endParaRPr lang="en-IN" b="1" dirty="0"/>
-          </a:p>
-        </p:txBody>
-      </p:sp>
-      <p:sp>
-        <p:nvSpPr>
-          <p:cNvPr id="62" name="TextBox 61">
-            <a:extLst>
-              <a:ext uri="{FF2B5EF4-FFF2-40B4-BE49-F238E27FC236}">
-                <a16:creationId xmlns:a16="http://schemas.microsoft.com/office/drawing/2014/main" id="{55163ACE-DC57-E3E4-1540-A18FF00301B7}"/>
-              </a:ext>
-            </a:extLst>
-          </p:cNvPr>
-          <p:cNvSpPr txBox="1"/>
-          <p:nvPr/>
-        </p:nvSpPr>
-        <p:spPr>
-          <a:xfrm>
-            <a:off x="8069091" y="6099965"/>
-            <a:ext cx="938978" cy="646331"/>
-          </a:xfrm>
-          <a:prstGeom prst="rect">
-            <a:avLst/>
-          </a:prstGeom>
-          <a:noFill/>
-        </p:spPr>
-        <p:txBody>
-          <a:bodyPr wrap="square" rtlCol="0">
-            <a:spAutoFit/>
-          </a:bodyPr>
-          <a:lstStyle/>
-          <a:p>
-            <a:r>
-              <a:rPr lang="en-US" b="1" dirty="0"/>
-              <a:t>Search engine</a:t>
-            </a:r>
-            <a:endParaRPr lang="en-IN" b="1" dirty="0"/>
-          </a:p>
-        </p:txBody>
-      </p:sp>
-      <p:sp>
-        <p:nvSpPr>
-          <p:cNvPr id="63" name="TextBox 62">
-            <a:extLst>
-              <a:ext uri="{FF2B5EF4-FFF2-40B4-BE49-F238E27FC236}">
-                <a16:creationId xmlns:a16="http://schemas.microsoft.com/office/drawing/2014/main" id="{8EAE609C-E277-1CB4-2843-B321333B4707}"/>
-              </a:ext>
-            </a:extLst>
-          </p:cNvPr>
-          <p:cNvSpPr txBox="1"/>
-          <p:nvPr/>
-        </p:nvSpPr>
-        <p:spPr>
-          <a:xfrm>
-            <a:off x="9498692" y="6129206"/>
-            <a:ext cx="914400" cy="369792"/>
-          </a:xfrm>
-          <a:prstGeom prst="rect">
-            <a:avLst/>
-          </a:prstGeom>
-          <a:noFill/>
-        </p:spPr>
-        <p:txBody>
-          <a:bodyPr wrap="square" rtlCol="0">
-            <a:spAutoFit/>
-          </a:bodyPr>
-          <a:lstStyle/>
-          <a:p>
-            <a:r>
-              <a:rPr lang="en-US" b="1" dirty="0"/>
-              <a:t>Hotels</a:t>
-            </a:r>
-            <a:endParaRPr lang="en-IN" b="1" dirty="0"/>
-          </a:p>
-        </p:txBody>
-      </p:sp>
-      <p:sp>
-        <p:nvSpPr>
-          <p:cNvPr id="64" name="TextBox 63">
-            <a:extLst>
-              <a:ext uri="{FF2B5EF4-FFF2-40B4-BE49-F238E27FC236}">
-                <a16:creationId xmlns:a16="http://schemas.microsoft.com/office/drawing/2014/main" id="{EBE2F2FC-B96F-58FB-89C1-3724C000798D}"/>
-              </a:ext>
-            </a:extLst>
-          </p:cNvPr>
-          <p:cNvSpPr txBox="1"/>
-          <p:nvPr/>
-        </p:nvSpPr>
-        <p:spPr>
-          <a:xfrm>
-            <a:off x="10821386" y="6135557"/>
-            <a:ext cx="855407" cy="373626"/>
-          </a:xfrm>
-          <a:prstGeom prst="rect">
-            <a:avLst/>
-          </a:prstGeom>
-          <a:noFill/>
-        </p:spPr>
-        <p:txBody>
-          <a:bodyPr wrap="square" rtlCol="0">
-            <a:spAutoFit/>
-          </a:bodyPr>
-          <a:lstStyle/>
-          <a:p>
-            <a:r>
-              <a:rPr lang="en-US" b="1" dirty="0"/>
-              <a:t>Profile</a:t>
-            </a:r>
-            <a:endParaRPr lang="en-IN" b="1" dirty="0"/>
-          </a:p>
-        </p:txBody>
-      </p:sp>
-      <p:cxnSp>
-        <p:nvCxnSpPr>
-          <p:cNvPr id="66" name="Straight Arrow Connector 65">
-            <a:extLst>
-              <a:ext uri="{FF2B5EF4-FFF2-40B4-BE49-F238E27FC236}">
-                <a16:creationId xmlns:a16="http://schemas.microsoft.com/office/drawing/2014/main" id="{F8233E60-DBDB-EE8C-9330-B303CF360E64}"/>
-              </a:ext>
-            </a:extLst>
-          </p:cNvPr>
-          <p:cNvCxnSpPr>
-            <a:stCxn id="61" idx="2"/>
-          </p:cNvCxnSpPr>
-          <p:nvPr/>
-        </p:nvCxnSpPr>
-        <p:spPr>
-          <a:xfrm>
-            <a:off x="7191441" y="6494505"/>
-            <a:ext cx="1263503" cy="604385"/>
-          </a:xfrm>
-          <a:prstGeom prst="straightConnector1">
-            <a:avLst/>
-          </a:prstGeom>
-          <a:ln>
-            <a:tailEnd type="triangle"/>
-          </a:ln>
-        </p:spPr>
-        <p:style>
-          <a:lnRef idx="1">
-            <a:schemeClr val="accent1"/>
-          </a:lnRef>
-          <a:fillRef idx="0">
-            <a:schemeClr val="accent1"/>
-          </a:fillRef>
-          <a:effectRef idx="0">
-            <a:schemeClr val="accent1"/>
-          </a:effectRef>
-          <a:fontRef idx="minor">
-            <a:schemeClr val="tx1"/>
-          </a:fontRef>
-        </p:style>
-      </p:cxnSp>
     </p:spTree>
     <p:extLst>
       <p:ext uri="{BB962C8B-B14F-4D97-AF65-F5344CB8AC3E}">
-        <p14:creationId xmlns:p14="http://schemas.microsoft.com/office/powerpoint/2010/main" val="2678212698"/>
+        <p14:creationId xmlns:p14="http://schemas.microsoft.com/office/powerpoint/2010/main" val="3915422247"/>
       </p:ext>
     </p:extLst>
   </p:cSld>
@@ -7467,6 +6489,246 @@
           <p:cNvPr id="2" name="Title 1">
             <a:extLst>
               <a:ext uri="{FF2B5EF4-FFF2-40B4-BE49-F238E27FC236}">
+                <a16:creationId xmlns:a16="http://schemas.microsoft.com/office/drawing/2014/main" id="{DCC9CBE4-ACE1-F23E-90FD-A3EE4F644A34}"/>
+              </a:ext>
+            </a:extLst>
+          </p:cNvPr>
+          <p:cNvSpPr>
+            <a:spLocks noGrp="1"/>
+          </p:cNvSpPr>
+          <p:nvPr>
+            <p:ph type="title"/>
+          </p:nvPr>
+        </p:nvSpPr>
+        <p:spPr/>
+        <p:txBody>
+          <a:bodyPr/>
+          <a:lstStyle/>
+          <a:p>
+            <a:r>
+              <a:rPr lang="en-US" b="1" dirty="0"/>
+              <a:t>3.0 Challenges and solutions</a:t>
+            </a:r>
+            <a:br>
+              <a:rPr lang="en-US" b="1" dirty="0"/>
+            </a:br>
+            <a:endParaRPr lang="en-IN" dirty="0"/>
+          </a:p>
+        </p:txBody>
+      </p:sp>
+      <p:sp>
+        <p:nvSpPr>
+          <p:cNvPr id="3" name="Content Placeholder 2">
+            <a:extLst>
+              <a:ext uri="{FF2B5EF4-FFF2-40B4-BE49-F238E27FC236}">
+                <a16:creationId xmlns:a16="http://schemas.microsoft.com/office/drawing/2014/main" id="{7469B781-5707-44C9-ED66-BF8796D05EBC}"/>
+              </a:ext>
+            </a:extLst>
+          </p:cNvPr>
+          <p:cNvSpPr>
+            <a:spLocks noGrp="1"/>
+          </p:cNvSpPr>
+          <p:nvPr>
+            <p:ph idx="1"/>
+          </p:nvPr>
+        </p:nvSpPr>
+        <p:spPr/>
+        <p:txBody>
+          <a:bodyPr/>
+          <a:lstStyle/>
+          <a:p>
+            <a:pPr>
+              <a:buNone/>
+            </a:pPr>
+            <a:r>
+              <a:rPr lang="en-US" b="1" dirty="0"/>
+              <a:t>3.0.1 Main Challenge: Ticket Booking</a:t>
+            </a:r>
+            <a:br>
+              <a:rPr lang="en-US" dirty="0"/>
+            </a:br>
+            <a:r>
+              <a:rPr lang="en-US" dirty="0"/>
+              <a:t>One of the primary challenges users face is booking tickets efficiently.</a:t>
+            </a:r>
+            <a:br>
+              <a:rPr lang="en-US" dirty="0"/>
+            </a:br>
+            <a:r>
+              <a:rPr lang="en-US" b="1" dirty="0"/>
+              <a:t>Solution:</a:t>
+            </a:r>
+            <a:r>
+              <a:rPr lang="en-US" dirty="0"/>
+              <a:t> To address this, we’ve integrated all major ticket booking resources directly into the app, allowing users to compare and book transport options without leaving the platform.</a:t>
+            </a:r>
+          </a:p>
+          <a:p>
+            <a:r>
+              <a:rPr lang="en-US" b="1" dirty="0"/>
+              <a:t>3.0.2 Adventurous Experiences for Users</a:t>
+            </a:r>
+            <a:br>
+              <a:rPr lang="en-US" dirty="0"/>
+            </a:br>
+            <a:r>
+              <a:rPr lang="en-US" dirty="0"/>
+              <a:t>Beyond planning, the app encourages users to explore new destinations and activities.</a:t>
+            </a:r>
+            <a:br>
+              <a:rPr lang="en-US" dirty="0"/>
+            </a:br>
+            <a:r>
+              <a:rPr lang="en-US" dirty="0"/>
+              <a:t>We provide curated adventure experiences, personalized suggestions, and insider tips to make every trip more exciting and memorable.</a:t>
+            </a:r>
+          </a:p>
+        </p:txBody>
+      </p:sp>
+    </p:spTree>
+    <p:extLst>
+      <p:ext uri="{BB962C8B-B14F-4D97-AF65-F5344CB8AC3E}">
+        <p14:creationId xmlns:p14="http://schemas.microsoft.com/office/powerpoint/2010/main" val="1369127887"/>
+      </p:ext>
+    </p:extLst>
+  </p:cSld>
+  <p:clrMapOvr>
+    <a:masterClrMapping/>
+  </p:clrMapOvr>
+  <p:transition spd="slow">
+    <p:randomBar dir="vert"/>
+  </p:transition>
+</p:sld>
+</file>
+
+<file path=ppt/slides/slide7.xml><?xml version="1.0" encoding="utf-8"?>
+<p:sld xmlns:a="http://schemas.openxmlformats.org/drawingml/2006/main" xmlns:r="http://schemas.openxmlformats.org/officeDocument/2006/relationships" xmlns:p="http://schemas.openxmlformats.org/presentationml/2006/main" showMasterSp="0">
+  <p:cSld>
+    <p:bg>
+      <p:bgPr>
+        <a:solidFill>
+          <a:schemeClr val="bg1"/>
+        </a:solidFill>
+        <a:effectLst/>
+      </p:bgPr>
+    </p:bg>
+    <p:spTree>
+      <p:nvGrpSpPr>
+        <p:cNvPr id="1" name=""/>
+        <p:cNvGrpSpPr/>
+        <p:nvPr/>
+      </p:nvGrpSpPr>
+      <p:grpSpPr>
+        <a:xfrm>
+          <a:off x="0" y="0"/>
+          <a:ext cx="0" cy="0"/>
+          <a:chOff x="0" y="0"/>
+          <a:chExt cx="0" cy="0"/>
+        </a:xfrm>
+      </p:grpSpPr>
+      <p:sp>
+        <p:nvSpPr>
+          <p:cNvPr id="2" name="Title 1">
+            <a:extLst>
+              <a:ext uri="{FF2B5EF4-FFF2-40B4-BE49-F238E27FC236}">
+                <a16:creationId xmlns:a16="http://schemas.microsoft.com/office/drawing/2014/main" id="{9BC23064-84D4-5D30-45F5-C2FD40BB2328}"/>
+              </a:ext>
+            </a:extLst>
+          </p:cNvPr>
+          <p:cNvSpPr>
+            <a:spLocks noGrp="1"/>
+          </p:cNvSpPr>
+          <p:nvPr>
+            <p:ph type="title"/>
+          </p:nvPr>
+        </p:nvSpPr>
+        <p:spPr>
+          <a:xfrm>
+            <a:off x="1087448" y="286603"/>
+            <a:ext cx="10058400" cy="702305"/>
+          </a:xfrm>
+        </p:spPr>
+        <p:txBody>
+          <a:bodyPr>
+            <a:normAutofit fontScale="90000"/>
+          </a:bodyPr>
+          <a:lstStyle/>
+          <a:p>
+            <a:r>
+              <a:rPr lang="en-US" dirty="0"/>
+              <a:t>4.0 Flowchart</a:t>
+            </a:r>
+            <a:endParaRPr lang="en-IN" dirty="0"/>
+          </a:p>
+        </p:txBody>
+      </p:sp>
+      <p:pic>
+        <p:nvPicPr>
+          <p:cNvPr id="8" name="Content Placeholder 7">
+            <a:extLst>
+              <a:ext uri="{FF2B5EF4-FFF2-40B4-BE49-F238E27FC236}">
+                <a16:creationId xmlns:a16="http://schemas.microsoft.com/office/drawing/2014/main" id="{626A2962-C7BE-536D-9771-B8F3BF16ADA7}"/>
+              </a:ext>
+            </a:extLst>
+          </p:cNvPr>
+          <p:cNvPicPr>
+            <a:picLocks noGrp="1" noChangeAspect="1"/>
+          </p:cNvPicPr>
+          <p:nvPr>
+            <p:ph idx="1"/>
+          </p:nvPr>
+        </p:nvPicPr>
+        <p:blipFill>
+          <a:blip r:embed="rId2"/>
+          <a:stretch>
+            <a:fillRect/>
+          </a:stretch>
+        </p:blipFill>
+        <p:spPr>
+          <a:xfrm>
+            <a:off x="3323302" y="988908"/>
+            <a:ext cx="4611329" cy="5869092"/>
+          </a:xfrm>
+        </p:spPr>
+      </p:pic>
+    </p:spTree>
+    <p:extLst>
+      <p:ext uri="{BB962C8B-B14F-4D97-AF65-F5344CB8AC3E}">
+        <p14:creationId xmlns:p14="http://schemas.microsoft.com/office/powerpoint/2010/main" val="2678212698"/>
+      </p:ext>
+    </p:extLst>
+  </p:cSld>
+  <p:clrMapOvr>
+    <a:masterClrMapping/>
+  </p:clrMapOvr>
+  <p:transition spd="slow">
+    <p:randomBar dir="vert"/>
+  </p:transition>
+</p:sld>
+</file>
+
+<file path=ppt/slides/slide8.xml><?xml version="1.0" encoding="utf-8"?>
+<p:sld xmlns:a="http://schemas.openxmlformats.org/drawingml/2006/main" xmlns:r="http://schemas.openxmlformats.org/officeDocument/2006/relationships" xmlns:p="http://schemas.openxmlformats.org/presentationml/2006/main">
+  <p:cSld>
+    <p:spTree>
+      <p:nvGrpSpPr>
+        <p:cNvPr id="1" name=""/>
+        <p:cNvGrpSpPr/>
+        <p:nvPr/>
+      </p:nvGrpSpPr>
+      <p:grpSpPr>
+        <a:xfrm>
+          <a:off x="0" y="0"/>
+          <a:ext cx="0" cy="0"/>
+          <a:chOff x="0" y="0"/>
+          <a:chExt cx="0" cy="0"/>
+        </a:xfrm>
+      </p:grpSpPr>
+      <p:sp>
+        <p:nvSpPr>
+          <p:cNvPr id="2" name="Title 1">
+            <a:extLst>
+              <a:ext uri="{FF2B5EF4-FFF2-40B4-BE49-F238E27FC236}">
                 <a16:creationId xmlns:a16="http://schemas.microsoft.com/office/drawing/2014/main" id="{9FA4CDF9-F7EC-F20F-B27B-FF208A8A78C8}"/>
               </a:ext>
             </a:extLst>
@@ -7847,7 +7109,7 @@
 </p:sld>
 </file>
 
-<file path=ppt/slides/slide7.xml><?xml version="1.0" encoding="utf-8"?>
+<file path=ppt/slides/slide9.xml><?xml version="1.0" encoding="utf-8"?>
 <p:sld xmlns:a="http://schemas.openxmlformats.org/drawingml/2006/main" xmlns:r="http://schemas.openxmlformats.org/officeDocument/2006/relationships" xmlns:p="http://schemas.openxmlformats.org/presentationml/2006/main" showMasterSp="0">
   <p:cSld>
     <p:bg>
@@ -8046,7 +7308,6 @@
           </a:bodyPr>
           <a:lstStyle/>
           <a:p>
-            <a:pPr algn="just"/>
             <a:r>
               <a:rPr lang="en-US" dirty="0"/>
               <a:t>If the user don’t have an account the user wants to create  an account in the explore it the interface will be display on the screen  </a:t>
@@ -8129,7 +7390,6 @@
           </a:bodyPr>
           <a:lstStyle/>
           <a:p>
-            <a:pPr algn="just"/>
             <a:r>
               <a:rPr lang="en-US" dirty="0"/>
               <a:t>If the user want to create an account then user enter the details like they display.</a:t>
@@ -8212,7 +7472,6 @@
           </a:bodyPr>
           <a:lstStyle/>
           <a:p>
-            <a:pPr algn="just"/>
             <a:r>
               <a:rPr lang="en-US" dirty="0"/>
               <a:t>The details entered by the user the details are stores in the database. In database we created a table with the columns </a:t>
@@ -8303,7 +7562,6 @@
           </a:bodyPr>
           <a:lstStyle/>
           <a:p>
-            <a:pPr algn="just"/>
             <a:r>
               <a:rPr lang="en-US" dirty="0"/>
               <a:t>After entering of all details in the give interface then click the </a:t>
@@ -8691,873 +7949,6 @@
 </p:sld>
 </file>
 
-<file path=ppt/slides/slide8.xml><?xml version="1.0" encoding="utf-8"?>
-<p:sld xmlns:a="http://schemas.openxmlformats.org/drawingml/2006/main" xmlns:r="http://schemas.openxmlformats.org/officeDocument/2006/relationships" xmlns:p="http://schemas.openxmlformats.org/presentationml/2006/main">
-  <p:cSld>
-    <p:spTree>
-      <p:nvGrpSpPr>
-        <p:cNvPr id="1" name=""/>
-        <p:cNvGrpSpPr/>
-        <p:nvPr/>
-      </p:nvGrpSpPr>
-      <p:grpSpPr>
-        <a:xfrm>
-          <a:off x="0" y="0"/>
-          <a:ext cx="0" cy="0"/>
-          <a:chOff x="0" y="0"/>
-          <a:chExt cx="0" cy="0"/>
-        </a:xfrm>
-      </p:grpSpPr>
-      <p:sp>
-        <p:nvSpPr>
-          <p:cNvPr id="2" name="Title 1">
-            <a:extLst>
-              <a:ext uri="{FF2B5EF4-FFF2-40B4-BE49-F238E27FC236}">
-                <a16:creationId xmlns:a16="http://schemas.microsoft.com/office/drawing/2014/main" id="{86925128-2284-ACA6-433A-BDDFAD72D11C}"/>
-              </a:ext>
-            </a:extLst>
-          </p:cNvPr>
-          <p:cNvSpPr>
-            <a:spLocks noGrp="1"/>
-          </p:cNvSpPr>
-          <p:nvPr>
-            <p:ph type="title"/>
-          </p:nvPr>
-        </p:nvSpPr>
-        <p:spPr>
-          <a:xfrm>
-            <a:off x="0" y="152400"/>
-            <a:ext cx="12120880" cy="6108064"/>
-          </a:xfrm>
-          <a:pattFill prst="pct5">
-            <a:fgClr>
-              <a:schemeClr val="accent1"/>
-            </a:fgClr>
-            <a:bgClr>
-              <a:schemeClr val="bg1"/>
-            </a:bgClr>
-          </a:pattFill>
-        </p:spPr>
-        <p:txBody>
-          <a:bodyPr>
-            <a:normAutofit/>
-          </a:bodyPr>
-          <a:lstStyle/>
-          <a:p>
-            <a:endParaRPr lang="en-IN" dirty="0"/>
-          </a:p>
-        </p:txBody>
-      </p:sp>
-      <p:pic>
-        <p:nvPicPr>
-          <p:cNvPr id="5" name="Content Placeholder 4">
-            <a:extLst>
-              <a:ext uri="{FF2B5EF4-FFF2-40B4-BE49-F238E27FC236}">
-                <a16:creationId xmlns:a16="http://schemas.microsoft.com/office/drawing/2014/main" id="{70222D56-5CAD-66C9-1DA8-AFC96941F865}"/>
-              </a:ext>
-            </a:extLst>
-          </p:cNvPr>
-          <p:cNvPicPr>
-            <a:picLocks noGrp="1" noChangeAspect="1"/>
-          </p:cNvPicPr>
-          <p:nvPr>
-            <p:ph idx="1"/>
-          </p:nvPr>
-        </p:nvPicPr>
-        <p:blipFill>
-          <a:blip r:embed="rId2"/>
-          <a:stretch>
-            <a:fillRect/>
-          </a:stretch>
-        </p:blipFill>
-        <p:spPr>
-          <a:xfrm>
-            <a:off x="9344864" y="678814"/>
-            <a:ext cx="2503397" cy="5581650"/>
-          </a:xfrm>
-          <a:prstGeom prst="rect">
-            <a:avLst/>
-          </a:prstGeom>
-          <a:ln>
-            <a:noFill/>
-          </a:ln>
-          <a:effectLst>
-            <a:outerShdw blurRad="292100" dist="139700" dir="2700000" algn="tl" rotWithShape="0">
-              <a:srgbClr val="333333">
-                <a:alpha val="65000"/>
-              </a:srgbClr>
-            </a:outerShdw>
-          </a:effectLst>
-        </p:spPr>
-      </p:pic>
-      <p:sp>
-        <p:nvSpPr>
-          <p:cNvPr id="6" name="Arrow: Down 5">
-            <a:extLst>
-              <a:ext uri="{FF2B5EF4-FFF2-40B4-BE49-F238E27FC236}">
-                <a16:creationId xmlns:a16="http://schemas.microsoft.com/office/drawing/2014/main" id="{E194D30D-98A3-0918-27E1-559CEC868559}"/>
-              </a:ext>
-            </a:extLst>
-          </p:cNvPr>
-          <p:cNvSpPr/>
-          <p:nvPr/>
-        </p:nvSpPr>
-        <p:spPr>
-          <a:xfrm rot="16200000">
-            <a:off x="1097280" y="394334"/>
-            <a:ext cx="213360" cy="782320"/>
-          </a:xfrm>
-          <a:prstGeom prst="downArrow">
-            <a:avLst/>
-          </a:prstGeom>
-        </p:spPr>
-        <p:style>
-          <a:lnRef idx="2">
-            <a:schemeClr val="accent1">
-              <a:shade val="15000"/>
-            </a:schemeClr>
-          </a:lnRef>
-          <a:fillRef idx="1">
-            <a:schemeClr val="accent1"/>
-          </a:fillRef>
-          <a:effectRef idx="0">
-            <a:schemeClr val="accent1"/>
-          </a:effectRef>
-          <a:fontRef idx="minor">
-            <a:schemeClr val="lt1"/>
-          </a:fontRef>
-        </p:style>
-        <p:txBody>
-          <a:bodyPr rtlCol="0" anchor="ctr"/>
-          <a:lstStyle/>
-          <a:p>
-            <a:pPr algn="ctr"/>
-            <a:endParaRPr lang="en-IN"/>
-          </a:p>
-        </p:txBody>
-      </p:sp>
-      <p:sp>
-        <p:nvSpPr>
-          <p:cNvPr id="8" name="TextBox 7">
-            <a:extLst>
-              <a:ext uri="{FF2B5EF4-FFF2-40B4-BE49-F238E27FC236}">
-                <a16:creationId xmlns:a16="http://schemas.microsoft.com/office/drawing/2014/main" id="{CE08DE19-63D9-7E0E-06F1-97B902CE81C7}"/>
-              </a:ext>
-            </a:extLst>
-          </p:cNvPr>
-          <p:cNvSpPr txBox="1"/>
-          <p:nvPr/>
-        </p:nvSpPr>
-        <p:spPr>
-          <a:xfrm>
-            <a:off x="1695552" y="678814"/>
-            <a:ext cx="6146800" cy="923330"/>
-          </a:xfrm>
-          <a:prstGeom prst="rect">
-            <a:avLst/>
-          </a:prstGeom>
-          <a:noFill/>
-        </p:spPr>
-        <p:txBody>
-          <a:bodyPr wrap="square" rtlCol="0">
-            <a:spAutoFit/>
-          </a:bodyPr>
-          <a:lstStyle/>
-          <a:p>
-            <a:r>
-              <a:rPr lang="en-US" dirty="0"/>
-              <a:t>If the user want to </a:t>
-            </a:r>
-            <a:r>
-              <a:rPr lang="en-US" b="1" dirty="0"/>
-              <a:t>log in </a:t>
-            </a:r>
-            <a:r>
-              <a:rPr lang="en-US" dirty="0"/>
-              <a:t> then the  user can simple  enter the already </a:t>
-            </a:r>
-            <a:r>
-              <a:rPr lang="en-US" dirty="0" err="1"/>
-              <a:t>registerd</a:t>
-            </a:r>
-            <a:r>
-              <a:rPr lang="en-US" dirty="0"/>
-              <a:t> </a:t>
-            </a:r>
-            <a:r>
-              <a:rPr lang="en-US" b="1" dirty="0"/>
-              <a:t> email Id  </a:t>
-            </a:r>
-            <a:r>
-              <a:rPr lang="en-US" dirty="0"/>
-              <a:t>and</a:t>
-            </a:r>
-            <a:r>
-              <a:rPr lang="en-US" b="1" dirty="0"/>
-              <a:t> Password </a:t>
-            </a:r>
-            <a:r>
-              <a:rPr lang="en-US" dirty="0"/>
-              <a:t> is at  the time of  registration the user used one.</a:t>
-            </a:r>
-            <a:endParaRPr lang="en-IN" dirty="0"/>
-          </a:p>
-        </p:txBody>
-      </p:sp>
-      <p:sp>
-        <p:nvSpPr>
-          <p:cNvPr id="9" name="Arrow: Down 8">
-            <a:extLst>
-              <a:ext uri="{FF2B5EF4-FFF2-40B4-BE49-F238E27FC236}">
-                <a16:creationId xmlns:a16="http://schemas.microsoft.com/office/drawing/2014/main" id="{A3BD001A-79CE-52BE-43CC-1CAB4A7473E4}"/>
-              </a:ext>
-            </a:extLst>
-          </p:cNvPr>
-          <p:cNvSpPr/>
-          <p:nvPr/>
-        </p:nvSpPr>
-        <p:spPr>
-          <a:xfrm rot="16200000">
-            <a:off x="1097279" y="1501869"/>
-            <a:ext cx="213361" cy="812800"/>
-          </a:xfrm>
-          <a:prstGeom prst="downArrow">
-            <a:avLst/>
-          </a:prstGeom>
-        </p:spPr>
-        <p:style>
-          <a:lnRef idx="2">
-            <a:schemeClr val="accent1">
-              <a:shade val="15000"/>
-            </a:schemeClr>
-          </a:lnRef>
-          <a:fillRef idx="1">
-            <a:schemeClr val="accent1"/>
-          </a:fillRef>
-          <a:effectRef idx="0">
-            <a:schemeClr val="accent1"/>
-          </a:effectRef>
-          <a:fontRef idx="minor">
-            <a:schemeClr val="lt1"/>
-          </a:fontRef>
-        </p:style>
-        <p:txBody>
-          <a:bodyPr rtlCol="0" anchor="ctr"/>
-          <a:lstStyle/>
-          <a:p>
-            <a:pPr algn="ctr"/>
-            <a:endParaRPr lang="en-IN"/>
-          </a:p>
-        </p:txBody>
-      </p:sp>
-      <p:sp>
-        <p:nvSpPr>
-          <p:cNvPr id="10" name="TextBox 9">
-            <a:extLst>
-              <a:ext uri="{FF2B5EF4-FFF2-40B4-BE49-F238E27FC236}">
-                <a16:creationId xmlns:a16="http://schemas.microsoft.com/office/drawing/2014/main" id="{3A8EA1D2-5552-CE0F-C014-913B3286E95D}"/>
-              </a:ext>
-            </a:extLst>
-          </p:cNvPr>
-          <p:cNvSpPr txBox="1"/>
-          <p:nvPr/>
-        </p:nvSpPr>
-        <p:spPr>
-          <a:xfrm>
-            <a:off x="1695552" y="1723603"/>
-            <a:ext cx="5716168" cy="1200329"/>
-          </a:xfrm>
-          <a:prstGeom prst="rect">
-            <a:avLst/>
-          </a:prstGeom>
-          <a:noFill/>
-        </p:spPr>
-        <p:txBody>
-          <a:bodyPr wrap="square" rtlCol="0">
-            <a:spAutoFit/>
-          </a:bodyPr>
-          <a:lstStyle/>
-          <a:p>
-            <a:r>
-              <a:rPr lang="en-US" dirty="0"/>
-              <a:t>The  given data is matched with registered data then only the user can access to go through the further. If any case of the data could not matched the data  it will  through an error and suffers to move to further</a:t>
-            </a:r>
-            <a:endParaRPr lang="en-IN" dirty="0"/>
-          </a:p>
-        </p:txBody>
-      </p:sp>
-      <p:sp>
-        <p:nvSpPr>
-          <p:cNvPr id="11" name="Arrow: Down 10">
-            <a:extLst>
-              <a:ext uri="{FF2B5EF4-FFF2-40B4-BE49-F238E27FC236}">
-                <a16:creationId xmlns:a16="http://schemas.microsoft.com/office/drawing/2014/main" id="{F46DA1CD-BDD9-16B8-4AD7-5A14381FD0BE}"/>
-              </a:ext>
-            </a:extLst>
-          </p:cNvPr>
-          <p:cNvSpPr/>
-          <p:nvPr/>
-        </p:nvSpPr>
-        <p:spPr>
-          <a:xfrm rot="16200000">
-            <a:off x="1035291" y="2941876"/>
-            <a:ext cx="304318" cy="779779"/>
-          </a:xfrm>
-          <a:prstGeom prst="downArrow">
-            <a:avLst/>
-          </a:prstGeom>
-        </p:spPr>
-        <p:style>
-          <a:lnRef idx="2">
-            <a:schemeClr val="accent1">
-              <a:shade val="15000"/>
-            </a:schemeClr>
-          </a:lnRef>
-          <a:fillRef idx="1">
-            <a:schemeClr val="accent1"/>
-          </a:fillRef>
-          <a:effectRef idx="0">
-            <a:schemeClr val="accent1"/>
-          </a:effectRef>
-          <a:fontRef idx="minor">
-            <a:schemeClr val="lt1"/>
-          </a:fontRef>
-        </p:style>
-        <p:txBody>
-          <a:bodyPr rtlCol="0" anchor="ctr"/>
-          <a:lstStyle/>
-          <a:p>
-            <a:pPr algn="ctr"/>
-            <a:endParaRPr lang="en-IN"/>
-          </a:p>
-        </p:txBody>
-      </p:sp>
-      <p:sp>
-        <p:nvSpPr>
-          <p:cNvPr id="13" name="TextBox 12">
-            <a:extLst>
-              <a:ext uri="{FF2B5EF4-FFF2-40B4-BE49-F238E27FC236}">
-                <a16:creationId xmlns:a16="http://schemas.microsoft.com/office/drawing/2014/main" id="{B49A9797-405B-75BA-5AA7-D321C5A3B4E0}"/>
-              </a:ext>
-            </a:extLst>
-          </p:cNvPr>
-          <p:cNvSpPr txBox="1"/>
-          <p:nvPr/>
-        </p:nvSpPr>
-        <p:spPr>
-          <a:xfrm>
-            <a:off x="1695552" y="3203257"/>
-            <a:ext cx="5568848" cy="646331"/>
-          </a:xfrm>
-          <a:prstGeom prst="rect">
-            <a:avLst/>
-          </a:prstGeom>
-          <a:noFill/>
-        </p:spPr>
-        <p:txBody>
-          <a:bodyPr wrap="square" rtlCol="0">
-            <a:spAutoFit/>
-          </a:bodyPr>
-          <a:lstStyle/>
-          <a:p>
-            <a:r>
-              <a:rPr lang="en-US" dirty="0"/>
-              <a:t>There is a chance of forgetting the password  there is an option to change the password </a:t>
-            </a:r>
-            <a:endParaRPr lang="en-IN" dirty="0"/>
-          </a:p>
-        </p:txBody>
-      </p:sp>
-    </p:spTree>
-    <p:extLst>
-      <p:ext uri="{BB962C8B-B14F-4D97-AF65-F5344CB8AC3E}">
-        <p14:creationId xmlns:p14="http://schemas.microsoft.com/office/powerpoint/2010/main" val="294134591"/>
-      </p:ext>
-    </p:extLst>
-  </p:cSld>
-  <p:clrMapOvr>
-    <a:masterClrMapping/>
-  </p:clrMapOvr>
-  <p:transition spd="slow">
-    <p:randomBar dir="vert"/>
-  </p:transition>
-</p:sld>
-</file>
-
-<file path=ppt/slides/slide9.xml><?xml version="1.0" encoding="utf-8"?>
-<p:sld xmlns:a="http://schemas.openxmlformats.org/drawingml/2006/main" xmlns:r="http://schemas.openxmlformats.org/officeDocument/2006/relationships" xmlns:p="http://schemas.openxmlformats.org/presentationml/2006/main">
-  <p:cSld>
-    <p:spTree>
-      <p:nvGrpSpPr>
-        <p:cNvPr id="1" name=""/>
-        <p:cNvGrpSpPr/>
-        <p:nvPr/>
-      </p:nvGrpSpPr>
-      <p:grpSpPr>
-        <a:xfrm>
-          <a:off x="0" y="0"/>
-          <a:ext cx="0" cy="0"/>
-          <a:chOff x="0" y="0"/>
-          <a:chExt cx="0" cy="0"/>
-        </a:xfrm>
-      </p:grpSpPr>
-      <p:sp>
-        <p:nvSpPr>
-          <p:cNvPr id="2" name="Title 1">
-            <a:extLst>
-              <a:ext uri="{FF2B5EF4-FFF2-40B4-BE49-F238E27FC236}">
-                <a16:creationId xmlns:a16="http://schemas.microsoft.com/office/drawing/2014/main" id="{DBD48211-4720-7EDE-977A-7A846E9B993D}"/>
-              </a:ext>
-            </a:extLst>
-          </p:cNvPr>
-          <p:cNvSpPr>
-            <a:spLocks noGrp="1"/>
-          </p:cNvSpPr>
-          <p:nvPr>
-            <p:ph type="title"/>
-          </p:nvPr>
-        </p:nvSpPr>
-        <p:spPr>
-          <a:xfrm>
-            <a:off x="1148080" y="286603"/>
-            <a:ext cx="10007600" cy="5982117"/>
-          </a:xfrm>
-          <a:solidFill>
-            <a:schemeClr val="bg1"/>
-          </a:solidFill>
-        </p:spPr>
-        <p:txBody>
-          <a:bodyPr/>
-          <a:lstStyle/>
-          <a:p>
-            <a:endParaRPr lang="en-IN" dirty="0"/>
-          </a:p>
-        </p:txBody>
-      </p:sp>
-      <p:pic>
-        <p:nvPicPr>
-          <p:cNvPr id="5" name="Content Placeholder 4">
-            <a:extLst>
-              <a:ext uri="{FF2B5EF4-FFF2-40B4-BE49-F238E27FC236}">
-                <a16:creationId xmlns:a16="http://schemas.microsoft.com/office/drawing/2014/main" id="{510ECCFF-6F7E-7DF6-2469-A3E721D12AEC}"/>
-              </a:ext>
-            </a:extLst>
-          </p:cNvPr>
-          <p:cNvPicPr>
-            <a:picLocks noGrp="1" noChangeAspect="1"/>
-          </p:cNvPicPr>
-          <p:nvPr>
-            <p:ph idx="1"/>
-          </p:nvPr>
-        </p:nvPicPr>
-        <p:blipFill>
-          <a:blip r:embed="rId2"/>
-          <a:stretch>
-            <a:fillRect/>
-          </a:stretch>
-        </p:blipFill>
-        <p:spPr>
-          <a:xfrm>
-            <a:off x="9039905" y="368618"/>
-            <a:ext cx="2503397" cy="5581650"/>
-          </a:xfrm>
-          <a:prstGeom prst="rect">
-            <a:avLst/>
-          </a:prstGeom>
-          <a:ln>
-            <a:noFill/>
-          </a:ln>
-          <a:effectLst>
-            <a:outerShdw blurRad="292100" dist="139700" dir="2700000" algn="tl" rotWithShape="0">
-              <a:srgbClr val="333333">
-                <a:alpha val="65000"/>
-              </a:srgbClr>
-            </a:outerShdw>
-          </a:effectLst>
-        </p:spPr>
-      </p:pic>
-      <p:sp>
-        <p:nvSpPr>
-          <p:cNvPr id="6" name="Arrow: Down 5">
-            <a:extLst>
-              <a:ext uri="{FF2B5EF4-FFF2-40B4-BE49-F238E27FC236}">
-                <a16:creationId xmlns:a16="http://schemas.microsoft.com/office/drawing/2014/main" id="{46D2B0C4-A9CB-3D12-7AED-03CFDFF10C12}"/>
-              </a:ext>
-            </a:extLst>
-          </p:cNvPr>
-          <p:cNvSpPr/>
-          <p:nvPr/>
-        </p:nvSpPr>
-        <p:spPr>
-          <a:xfrm rot="16200000">
-            <a:off x="1356057" y="381303"/>
-            <a:ext cx="285086" cy="701040"/>
-          </a:xfrm>
-          <a:prstGeom prst="downArrow">
-            <a:avLst/>
-          </a:prstGeom>
-        </p:spPr>
-        <p:style>
-          <a:lnRef idx="2">
-            <a:schemeClr val="accent1">
-              <a:shade val="15000"/>
-            </a:schemeClr>
-          </a:lnRef>
-          <a:fillRef idx="1">
-            <a:schemeClr val="accent1"/>
-          </a:fillRef>
-          <a:effectRef idx="0">
-            <a:schemeClr val="accent1"/>
-          </a:effectRef>
-          <a:fontRef idx="minor">
-            <a:schemeClr val="lt1"/>
-          </a:fontRef>
-        </p:style>
-        <p:txBody>
-          <a:bodyPr rtlCol="0" anchor="ctr"/>
-          <a:lstStyle/>
-          <a:p>
-            <a:pPr algn="ctr"/>
-            <a:endParaRPr lang="en-IN"/>
-          </a:p>
-        </p:txBody>
-      </p:sp>
-      <p:sp>
-        <p:nvSpPr>
-          <p:cNvPr id="7" name="TextBox 6">
-            <a:extLst>
-              <a:ext uri="{FF2B5EF4-FFF2-40B4-BE49-F238E27FC236}">
-                <a16:creationId xmlns:a16="http://schemas.microsoft.com/office/drawing/2014/main" id="{A55EA424-5EC0-46F7-E986-A0AF2718742B}"/>
-              </a:ext>
-            </a:extLst>
-          </p:cNvPr>
-          <p:cNvSpPr txBox="1"/>
-          <p:nvPr/>
-        </p:nvSpPr>
-        <p:spPr>
-          <a:xfrm>
-            <a:off x="1849120" y="589279"/>
-            <a:ext cx="6035040" cy="646331"/>
-          </a:xfrm>
-          <a:prstGeom prst="rect">
-            <a:avLst/>
-          </a:prstGeom>
-          <a:noFill/>
-        </p:spPr>
-        <p:txBody>
-          <a:bodyPr wrap="square" rtlCol="0">
-            <a:spAutoFit/>
-          </a:bodyPr>
-          <a:lstStyle/>
-          <a:p>
-            <a:r>
-              <a:rPr lang="en-US" dirty="0"/>
-              <a:t>In forgot page before you change the password you must verify your details for the security purpose.</a:t>
-            </a:r>
-            <a:endParaRPr lang="en-IN" dirty="0"/>
-          </a:p>
-        </p:txBody>
-      </p:sp>
-      <p:sp>
-        <p:nvSpPr>
-          <p:cNvPr id="8" name="Arrow: Down 7">
-            <a:extLst>
-              <a:ext uri="{FF2B5EF4-FFF2-40B4-BE49-F238E27FC236}">
-                <a16:creationId xmlns:a16="http://schemas.microsoft.com/office/drawing/2014/main" id="{A0C5FE29-2279-70EC-4878-CC5F52C9F8E3}"/>
-              </a:ext>
-            </a:extLst>
-          </p:cNvPr>
-          <p:cNvSpPr/>
-          <p:nvPr/>
-        </p:nvSpPr>
-        <p:spPr>
-          <a:xfrm rot="16200000">
-            <a:off x="1330960" y="1660595"/>
-            <a:ext cx="335280" cy="701040"/>
-          </a:xfrm>
-          <a:prstGeom prst="downArrow">
-            <a:avLst/>
-          </a:prstGeom>
-        </p:spPr>
-        <p:style>
-          <a:lnRef idx="2">
-            <a:schemeClr val="accent1">
-              <a:shade val="15000"/>
-            </a:schemeClr>
-          </a:lnRef>
-          <a:fillRef idx="1">
-            <a:schemeClr val="accent1"/>
-          </a:fillRef>
-          <a:effectRef idx="0">
-            <a:schemeClr val="accent1"/>
-          </a:effectRef>
-          <a:fontRef idx="minor">
-            <a:schemeClr val="lt1"/>
-          </a:fontRef>
-        </p:style>
-        <p:txBody>
-          <a:bodyPr rtlCol="0" anchor="ctr"/>
-          <a:lstStyle/>
-          <a:p>
-            <a:pPr algn="ctr"/>
-            <a:endParaRPr lang="en-IN"/>
-          </a:p>
-        </p:txBody>
-      </p:sp>
-      <p:sp>
-        <p:nvSpPr>
-          <p:cNvPr id="9" name="TextBox 8">
-            <a:extLst>
-              <a:ext uri="{FF2B5EF4-FFF2-40B4-BE49-F238E27FC236}">
-                <a16:creationId xmlns:a16="http://schemas.microsoft.com/office/drawing/2014/main" id="{DC08D90A-8A01-C56B-41C4-E5C68963D897}"/>
-              </a:ext>
-            </a:extLst>
-          </p:cNvPr>
-          <p:cNvSpPr txBox="1"/>
-          <p:nvPr/>
-        </p:nvSpPr>
-        <p:spPr>
-          <a:xfrm>
-            <a:off x="1950720" y="1843475"/>
-            <a:ext cx="5262879" cy="646331"/>
-          </a:xfrm>
-          <a:prstGeom prst="rect">
-            <a:avLst/>
-          </a:prstGeom>
-          <a:noFill/>
-        </p:spPr>
-        <p:txBody>
-          <a:bodyPr wrap="square" rtlCol="0">
-            <a:spAutoFit/>
-          </a:bodyPr>
-          <a:lstStyle/>
-          <a:p>
-            <a:r>
-              <a:rPr lang="en-US" dirty="0"/>
-              <a:t>For the verify your details you can enter your email address and your mobile number.</a:t>
-            </a:r>
-            <a:endParaRPr lang="en-IN" dirty="0"/>
-          </a:p>
-        </p:txBody>
-      </p:sp>
-      <p:sp>
-        <p:nvSpPr>
-          <p:cNvPr id="10" name="Arrow: Down 9">
-            <a:extLst>
-              <a:ext uri="{FF2B5EF4-FFF2-40B4-BE49-F238E27FC236}">
-                <a16:creationId xmlns:a16="http://schemas.microsoft.com/office/drawing/2014/main" id="{78B427FB-2B89-396D-23DB-B332E56ACCC7}"/>
-              </a:ext>
-            </a:extLst>
-          </p:cNvPr>
-          <p:cNvSpPr/>
-          <p:nvPr/>
-        </p:nvSpPr>
-        <p:spPr>
-          <a:xfrm rot="16200000">
-            <a:off x="1365389" y="2664132"/>
-            <a:ext cx="272647" cy="694815"/>
-          </a:xfrm>
-          <a:prstGeom prst="downArrow">
-            <a:avLst/>
-          </a:prstGeom>
-        </p:spPr>
-        <p:style>
-          <a:lnRef idx="2">
-            <a:schemeClr val="accent1">
-              <a:shade val="15000"/>
-            </a:schemeClr>
-          </a:lnRef>
-          <a:fillRef idx="1">
-            <a:schemeClr val="accent1"/>
-          </a:fillRef>
-          <a:effectRef idx="0">
-            <a:schemeClr val="accent1"/>
-          </a:effectRef>
-          <a:fontRef idx="minor">
-            <a:schemeClr val="lt1"/>
-          </a:fontRef>
-        </p:style>
-        <p:txBody>
-          <a:bodyPr rtlCol="0" anchor="ctr"/>
-          <a:lstStyle/>
-          <a:p>
-            <a:pPr algn="ctr"/>
-            <a:endParaRPr lang="en-IN"/>
-          </a:p>
-        </p:txBody>
-      </p:sp>
-      <p:sp>
-        <p:nvSpPr>
-          <p:cNvPr id="11" name="TextBox 10">
-            <a:extLst>
-              <a:ext uri="{FF2B5EF4-FFF2-40B4-BE49-F238E27FC236}">
-                <a16:creationId xmlns:a16="http://schemas.microsoft.com/office/drawing/2014/main" id="{D8169E65-C0D0-0510-2CD7-CA7255B74026}"/>
-              </a:ext>
-            </a:extLst>
-          </p:cNvPr>
-          <p:cNvSpPr txBox="1"/>
-          <p:nvPr/>
-        </p:nvSpPr>
-        <p:spPr>
-          <a:xfrm>
-            <a:off x="1991360" y="2875216"/>
-            <a:ext cx="4998720" cy="923330"/>
-          </a:xfrm>
-          <a:prstGeom prst="rect">
-            <a:avLst/>
-          </a:prstGeom>
-          <a:noFill/>
-        </p:spPr>
-        <p:txBody>
-          <a:bodyPr wrap="square" rtlCol="0">
-            <a:spAutoFit/>
-          </a:bodyPr>
-          <a:lstStyle/>
-          <a:p>
-            <a:r>
-              <a:rPr lang="en-US" dirty="0"/>
-              <a:t>After that the user can press on the send </a:t>
-            </a:r>
-            <a:r>
-              <a:rPr lang="en-US" dirty="0" err="1"/>
-              <a:t>otp</a:t>
-            </a:r>
-            <a:r>
-              <a:rPr lang="en-US" dirty="0"/>
-              <a:t> button . The server will helps to send opts </a:t>
-            </a:r>
-            <a:r>
-              <a:rPr lang="en-US" dirty="0" err="1"/>
-              <a:t>twilo</a:t>
-            </a:r>
-            <a:r>
-              <a:rPr lang="en-US" dirty="0"/>
-              <a:t> </a:t>
-            </a:r>
-          </a:p>
-          <a:p>
-            <a:r>
-              <a:rPr lang="en-US" dirty="0"/>
-              <a:t>To the mobile numbers</a:t>
-            </a:r>
-            <a:endParaRPr lang="en-IN" dirty="0"/>
-          </a:p>
-        </p:txBody>
-      </p:sp>
-      <p:sp>
-        <p:nvSpPr>
-          <p:cNvPr id="12" name="Arrow: Down 11">
-            <a:extLst>
-              <a:ext uri="{FF2B5EF4-FFF2-40B4-BE49-F238E27FC236}">
-                <a16:creationId xmlns:a16="http://schemas.microsoft.com/office/drawing/2014/main" id="{6D2365F9-C70A-9387-1C59-E3EA3076744C}"/>
-              </a:ext>
-            </a:extLst>
-          </p:cNvPr>
-          <p:cNvSpPr/>
-          <p:nvPr/>
-        </p:nvSpPr>
-        <p:spPr>
-          <a:xfrm rot="16200000">
-            <a:off x="1396837" y="3652027"/>
-            <a:ext cx="298901" cy="796415"/>
-          </a:xfrm>
-          <a:prstGeom prst="downArrow">
-            <a:avLst/>
-          </a:prstGeom>
-        </p:spPr>
-        <p:style>
-          <a:lnRef idx="2">
-            <a:schemeClr val="accent1">
-              <a:shade val="15000"/>
-            </a:schemeClr>
-          </a:lnRef>
-          <a:fillRef idx="1">
-            <a:schemeClr val="accent1"/>
-          </a:fillRef>
-          <a:effectRef idx="0">
-            <a:schemeClr val="accent1"/>
-          </a:effectRef>
-          <a:fontRef idx="minor">
-            <a:schemeClr val="lt1"/>
-          </a:fontRef>
-        </p:style>
-        <p:txBody>
-          <a:bodyPr rtlCol="0" anchor="ctr"/>
-          <a:lstStyle/>
-          <a:p>
-            <a:pPr algn="ctr"/>
-            <a:endParaRPr lang="en-IN"/>
-          </a:p>
-        </p:txBody>
-      </p:sp>
-      <p:sp>
-        <p:nvSpPr>
-          <p:cNvPr id="14" name="TextBox 13">
-            <a:extLst>
-              <a:ext uri="{FF2B5EF4-FFF2-40B4-BE49-F238E27FC236}">
-                <a16:creationId xmlns:a16="http://schemas.microsoft.com/office/drawing/2014/main" id="{3D977772-2C7E-A2E2-7BF6-BAC75B0E1159}"/>
-              </a:ext>
-            </a:extLst>
-          </p:cNvPr>
-          <p:cNvSpPr txBox="1"/>
-          <p:nvPr/>
-        </p:nvSpPr>
-        <p:spPr>
-          <a:xfrm>
-            <a:off x="2057595" y="3895130"/>
-            <a:ext cx="5156004" cy="1200329"/>
-          </a:xfrm>
-          <a:prstGeom prst="rect">
-            <a:avLst/>
-          </a:prstGeom>
-          <a:noFill/>
-        </p:spPr>
-        <p:txBody>
-          <a:bodyPr wrap="square" rtlCol="0">
-            <a:spAutoFit/>
-          </a:bodyPr>
-          <a:lstStyle/>
-          <a:p>
-            <a:r>
-              <a:rPr lang="en-US" dirty="0"/>
-              <a:t>In database fetch the mobile number for conformation of the availability of the </a:t>
-            </a:r>
-            <a:r>
-              <a:rPr lang="en-US" dirty="0" err="1"/>
-              <a:t>detailes</a:t>
-            </a:r>
-            <a:r>
-              <a:rPr lang="en-US" dirty="0"/>
-              <a:t> if there is an available then you can access to enter the </a:t>
-            </a:r>
-            <a:r>
-              <a:rPr lang="en-US" dirty="0" err="1"/>
-              <a:t>otp</a:t>
-            </a:r>
-            <a:r>
-              <a:rPr lang="en-US" dirty="0"/>
-              <a:t> that send to your mobile number  </a:t>
-            </a:r>
-            <a:endParaRPr lang="en-IN" dirty="0"/>
-          </a:p>
-        </p:txBody>
-      </p:sp>
-    </p:spTree>
-    <p:extLst>
-      <p:ext uri="{BB962C8B-B14F-4D97-AF65-F5344CB8AC3E}">
-        <p14:creationId xmlns:p14="http://schemas.microsoft.com/office/powerpoint/2010/main" val="465225687"/>
-      </p:ext>
-    </p:extLst>
-  </p:cSld>
-  <p:clrMapOvr>
-    <a:masterClrMapping/>
-  </p:clrMapOvr>
-  <p:transition spd="slow">
-    <p:randomBar dir="vert"/>
-  </p:transition>
-</p:sld>
-</file>
-
 <file path=ppt/theme/theme1.xml><?xml version="1.0" encoding="utf-8"?>
 <a:theme xmlns:a="http://schemas.openxmlformats.org/drawingml/2006/main" name="RetrospectVTI">
   <a:themeElements>
@@ -9841,13 +8232,99 @@
 </a:theme>
 </file>
 
+<file path=ppt/theme/themeOverride1.xml><?xml version="1.0" encoding="utf-8"?>
+<a:themeOverride xmlns:a="http://schemas.openxmlformats.org/drawingml/2006/main">
+  <a:clrScheme name="Custom 40">
+    <a:dk1>
+      <a:sysClr val="windowText" lastClr="000000"/>
+    </a:dk1>
+    <a:lt1>
+      <a:sysClr val="window" lastClr="FFFFFF"/>
+    </a:lt1>
+    <a:dk2>
+      <a:srgbClr val="545D57"/>
+    </a:dk2>
+    <a:lt2>
+      <a:srgbClr val="EBEBE8"/>
+    </a:lt2>
+    <a:accent1>
+      <a:srgbClr val="579858"/>
+    </a:accent1>
+    <a:accent2>
+      <a:srgbClr val="ED583E"/>
+    </a:accent2>
+    <a:accent3>
+      <a:srgbClr val="D3BA59"/>
+    </a:accent3>
+    <a:accent4>
+      <a:srgbClr val="4C94AC"/>
+    </a:accent4>
+    <a:accent5>
+      <a:srgbClr val="A09E84"/>
+    </a:accent5>
+    <a:accent6>
+      <a:srgbClr val="FC7D4A"/>
+    </a:accent6>
+    <a:hlink>
+      <a:srgbClr val="04A2DA"/>
+    </a:hlink>
+    <a:folHlink>
+      <a:srgbClr val="808080"/>
+    </a:folHlink>
+  </a:clrScheme>
+</a:themeOverride>
+</file>
+
+<file path=ppt/theme/themeOverride2.xml><?xml version="1.0" encoding="utf-8"?>
+<a:themeOverride xmlns:a="http://schemas.openxmlformats.org/drawingml/2006/main">
+  <a:clrScheme name="Custom 40">
+    <a:dk1>
+      <a:sysClr val="windowText" lastClr="000000"/>
+    </a:dk1>
+    <a:lt1>
+      <a:sysClr val="window" lastClr="FFFFFF"/>
+    </a:lt1>
+    <a:dk2>
+      <a:srgbClr val="545D57"/>
+    </a:dk2>
+    <a:lt2>
+      <a:srgbClr val="EBEBE8"/>
+    </a:lt2>
+    <a:accent1>
+      <a:srgbClr val="579858"/>
+    </a:accent1>
+    <a:accent2>
+      <a:srgbClr val="ED583E"/>
+    </a:accent2>
+    <a:accent3>
+      <a:srgbClr val="D3BA59"/>
+    </a:accent3>
+    <a:accent4>
+      <a:srgbClr val="4C94AC"/>
+    </a:accent4>
+    <a:accent5>
+      <a:srgbClr val="A09E84"/>
+    </a:accent5>
+    <a:accent6>
+      <a:srgbClr val="FC7D4A"/>
+    </a:accent6>
+    <a:hlink>
+      <a:srgbClr val="04A2DA"/>
+    </a:hlink>
+    <a:folHlink>
+      <a:srgbClr val="808080"/>
+    </a:folHlink>
+  </a:clrScheme>
+</a:themeOverride>
+</file>
+
 <file path=customXml/item1.xml><?xml version="1.0" encoding="utf-8"?>
-<p:properties xmlns:p="http://schemas.microsoft.com/office/2006/metadata/properties" xmlns:xsi="http://www.w3.org/2001/XMLSchema-instance" xmlns:pc="http://schemas.microsoft.com/office/infopath/2007/PartnerControls">
-  <documentManagement>
-    <Status xmlns="71af3243-3dd4-4a8d-8c0d-dd76da1f02a5">Not started</Status>
-    <MediaServiceKeyPoints xmlns="71af3243-3dd4-4a8d-8c0d-dd76da1f02a5" xsi:nil="true"/>
-  </documentManagement>
-</p:properties>
+<?mso-contentType ?>
+<FormTemplates xmlns="http://schemas.microsoft.com/sharepoint/v3/contenttype/forms">
+  <Display>DocumentLibraryForm</Display>
+  <Edit>DocumentLibraryForm</Edit>
+  <New>DocumentLibraryForm</New>
+</FormTemplates>
 </file>
 
 <file path=customXml/item2.xml><?xml version="1.0" encoding="utf-8"?>
@@ -10072,20 +8549,18 @@
 </file>
 
 <file path=customXml/item3.xml><?xml version="1.0" encoding="utf-8"?>
-<?mso-contentType ?>
-<FormTemplates xmlns="http://schemas.microsoft.com/sharepoint/v3/contenttype/forms">
-  <Display>DocumentLibraryForm</Display>
-  <Edit>DocumentLibraryForm</Edit>
-  <New>DocumentLibraryForm</New>
-</FormTemplates>
+<p:properties xmlns:p="http://schemas.microsoft.com/office/2006/metadata/properties" xmlns:xsi="http://www.w3.org/2001/XMLSchema-instance" xmlns:pc="http://schemas.microsoft.com/office/infopath/2007/PartnerControls">
+  <documentManagement>
+    <Status xmlns="71af3243-3dd4-4a8d-8c0d-dd76da1f02a5">Not started</Status>
+    <MediaServiceKeyPoints xmlns="71af3243-3dd4-4a8d-8c0d-dd76da1f02a5" xsi:nil="true"/>
+  </documentManagement>
+</p:properties>
 </file>
 
 <file path=customXml/itemProps1.xml><?xml version="1.0" encoding="utf-8"?>
-<ds:datastoreItem xmlns:ds="http://schemas.openxmlformats.org/officeDocument/2006/customXml" ds:itemID="{8F3CD65D-61A5-43C9-A837-6EC73C7DA8AB}">
+<ds:datastoreItem xmlns:ds="http://schemas.openxmlformats.org/officeDocument/2006/customXml" ds:itemID="{31F006B4-A9E1-4F39-85C8-FB836F919348}">
   <ds:schemaRefs>
-    <ds:schemaRef ds:uri="http://schemas.microsoft.com/office/2006/metadata/properties"/>
-    <ds:schemaRef ds:uri="http://schemas.microsoft.com/office/infopath/2007/PartnerControls"/>
-    <ds:schemaRef ds:uri="71af3243-3dd4-4a8d-8c0d-dd76da1f02a5"/>
+    <ds:schemaRef ds:uri="http://schemas.microsoft.com/sharepoint/v3/contenttype/forms"/>
   </ds:schemaRefs>
 </ds:datastoreItem>
 </file>
@@ -10110,9 +8585,11 @@
 </file>
 
 <file path=customXml/itemProps3.xml><?xml version="1.0" encoding="utf-8"?>
-<ds:datastoreItem xmlns:ds="http://schemas.openxmlformats.org/officeDocument/2006/customXml" ds:itemID="{31F006B4-A9E1-4F39-85C8-FB836F919348}">
+<ds:datastoreItem xmlns:ds="http://schemas.openxmlformats.org/officeDocument/2006/customXml" ds:itemID="{8F3CD65D-61A5-43C9-A837-6EC73C7DA8AB}">
   <ds:schemaRefs>
-    <ds:schemaRef ds:uri="http://schemas.microsoft.com/sharepoint/v3/contenttype/forms"/>
+    <ds:schemaRef ds:uri="http://schemas.microsoft.com/office/2006/metadata/properties"/>
+    <ds:schemaRef ds:uri="http://schemas.microsoft.com/office/infopath/2007/PartnerControls"/>
+    <ds:schemaRef ds:uri="71af3243-3dd4-4a8d-8c0d-dd76da1f02a5"/>
   </ds:schemaRefs>
 </ds:datastoreItem>
 </file>